--- a/c#.pptx
+++ b/c#.pptx
@@ -3021,7 +3021,15 @@
             <a:pPr algn="ctr"/>
             <a:r>
               <a:rPr lang="en-US" dirty="0" smtClean="0"/>
-              <a:t>C# introduction(</a:t>
+              <a:t>C</a:t>
+            </a:r>
+            <a:r>
+              <a:rPr lang="en-US" smtClean="0"/>
+              <a:t># </a:t>
+            </a:r>
+            <a:r>
+              <a:rPr lang="en-US" smtClean="0"/>
+              <a:t>introduction  (</a:t>
             </a:r>
             <a:r>
               <a:rPr lang="en-IN" dirty="0"/>

--- a/c#.pptx
+++ b/c#.pptx
@@ -14,27 +14,31 @@
     <p:sldId id="272" r:id="rId8"/>
     <p:sldId id="273" r:id="rId9"/>
     <p:sldId id="274" r:id="rId10"/>
-    <p:sldId id="275" r:id="rId11"/>
-    <p:sldId id="260" r:id="rId12"/>
-    <p:sldId id="261" r:id="rId13"/>
-    <p:sldId id="262" r:id="rId14"/>
-    <p:sldId id="263" r:id="rId15"/>
-    <p:sldId id="264" r:id="rId16"/>
-    <p:sldId id="265" r:id="rId17"/>
-    <p:sldId id="266" r:id="rId18"/>
-    <p:sldId id="267" r:id="rId19"/>
-    <p:sldId id="268" r:id="rId20"/>
-    <p:sldId id="269" r:id="rId21"/>
-    <p:sldId id="276" r:id="rId22"/>
-    <p:sldId id="277" r:id="rId23"/>
-    <p:sldId id="278" r:id="rId24"/>
-    <p:sldId id="279" r:id="rId25"/>
-    <p:sldId id="280" r:id="rId26"/>
-    <p:sldId id="281" r:id="rId27"/>
-    <p:sldId id="282" r:id="rId28"/>
-    <p:sldId id="283" r:id="rId29"/>
-    <p:sldId id="284" r:id="rId30"/>
-    <p:sldId id="285" r:id="rId31"/>
+    <p:sldId id="260" r:id="rId11"/>
+    <p:sldId id="261" r:id="rId12"/>
+    <p:sldId id="262" r:id="rId13"/>
+    <p:sldId id="263" r:id="rId14"/>
+    <p:sldId id="264" r:id="rId15"/>
+    <p:sldId id="265" r:id="rId16"/>
+    <p:sldId id="266" r:id="rId17"/>
+    <p:sldId id="267" r:id="rId18"/>
+    <p:sldId id="268" r:id="rId19"/>
+    <p:sldId id="269" r:id="rId20"/>
+    <p:sldId id="276" r:id="rId21"/>
+    <p:sldId id="277" r:id="rId22"/>
+    <p:sldId id="278" r:id="rId23"/>
+    <p:sldId id="279" r:id="rId24"/>
+    <p:sldId id="280" r:id="rId25"/>
+    <p:sldId id="281" r:id="rId26"/>
+    <p:sldId id="282" r:id="rId27"/>
+    <p:sldId id="283" r:id="rId28"/>
+    <p:sldId id="284" r:id="rId29"/>
+    <p:sldId id="285" r:id="rId30"/>
+    <p:sldId id="286" r:id="rId31"/>
+    <p:sldId id="287" r:id="rId32"/>
+    <p:sldId id="288" r:id="rId33"/>
+    <p:sldId id="289" r:id="rId34"/>
+    <p:sldId id="290" r:id="rId35"/>
   </p:sldIdLst>
   <p:sldSz cx="12192000" cy="6858000"/>
   <p:notesSz cx="6858000" cy="9144000"/>
@@ -272,7 +276,7 @@
           <a:p>
             <a:fld id="{ABBC72FD-B666-4EBF-B98B-3751CD43E481}" type="datetimeFigureOut">
               <a:rPr lang="en-IN" smtClean="0"/>
-              <a:t>14-05-2021</a:t>
+              <a:t>17-05-2021</a:t>
             </a:fld>
             <a:endParaRPr lang="en-IN"/>
           </a:p>
@@ -442,7 +446,7 @@
           <a:p>
             <a:fld id="{ABBC72FD-B666-4EBF-B98B-3751CD43E481}" type="datetimeFigureOut">
               <a:rPr lang="en-IN" smtClean="0"/>
-              <a:t>14-05-2021</a:t>
+              <a:t>17-05-2021</a:t>
             </a:fld>
             <a:endParaRPr lang="en-IN"/>
           </a:p>
@@ -622,7 +626,7 @@
           <a:p>
             <a:fld id="{ABBC72FD-B666-4EBF-B98B-3751CD43E481}" type="datetimeFigureOut">
               <a:rPr lang="en-IN" smtClean="0"/>
-              <a:t>14-05-2021</a:t>
+              <a:t>17-05-2021</a:t>
             </a:fld>
             <a:endParaRPr lang="en-IN"/>
           </a:p>
@@ -792,7 +796,7 @@
           <a:p>
             <a:fld id="{ABBC72FD-B666-4EBF-B98B-3751CD43E481}" type="datetimeFigureOut">
               <a:rPr lang="en-IN" smtClean="0"/>
-              <a:t>14-05-2021</a:t>
+              <a:t>17-05-2021</a:t>
             </a:fld>
             <a:endParaRPr lang="en-IN"/>
           </a:p>
@@ -1038,7 +1042,7 @@
           <a:p>
             <a:fld id="{ABBC72FD-B666-4EBF-B98B-3751CD43E481}" type="datetimeFigureOut">
               <a:rPr lang="en-IN" smtClean="0"/>
-              <a:t>14-05-2021</a:t>
+              <a:t>17-05-2021</a:t>
             </a:fld>
             <a:endParaRPr lang="en-IN"/>
           </a:p>
@@ -1270,7 +1274,7 @@
           <a:p>
             <a:fld id="{ABBC72FD-B666-4EBF-B98B-3751CD43E481}" type="datetimeFigureOut">
               <a:rPr lang="en-IN" smtClean="0"/>
-              <a:t>14-05-2021</a:t>
+              <a:t>17-05-2021</a:t>
             </a:fld>
             <a:endParaRPr lang="en-IN"/>
           </a:p>
@@ -1637,7 +1641,7 @@
           <a:p>
             <a:fld id="{ABBC72FD-B666-4EBF-B98B-3751CD43E481}" type="datetimeFigureOut">
               <a:rPr lang="en-IN" smtClean="0"/>
-              <a:t>14-05-2021</a:t>
+              <a:t>17-05-2021</a:t>
             </a:fld>
             <a:endParaRPr lang="en-IN"/>
           </a:p>
@@ -1755,7 +1759,7 @@
           <a:p>
             <a:fld id="{ABBC72FD-B666-4EBF-B98B-3751CD43E481}" type="datetimeFigureOut">
               <a:rPr lang="en-IN" smtClean="0"/>
-              <a:t>14-05-2021</a:t>
+              <a:t>17-05-2021</a:t>
             </a:fld>
             <a:endParaRPr lang="en-IN"/>
           </a:p>
@@ -1850,7 +1854,7 @@
           <a:p>
             <a:fld id="{ABBC72FD-B666-4EBF-B98B-3751CD43E481}" type="datetimeFigureOut">
               <a:rPr lang="en-IN" smtClean="0"/>
-              <a:t>14-05-2021</a:t>
+              <a:t>17-05-2021</a:t>
             </a:fld>
             <a:endParaRPr lang="en-IN"/>
           </a:p>
@@ -2127,7 +2131,7 @@
           <a:p>
             <a:fld id="{ABBC72FD-B666-4EBF-B98B-3751CD43E481}" type="datetimeFigureOut">
               <a:rPr lang="en-IN" smtClean="0"/>
-              <a:t>14-05-2021</a:t>
+              <a:t>17-05-2021</a:t>
             </a:fld>
             <a:endParaRPr lang="en-IN"/>
           </a:p>
@@ -2380,7 +2384,7 @@
           <a:p>
             <a:fld id="{ABBC72FD-B666-4EBF-B98B-3751CD43E481}" type="datetimeFigureOut">
               <a:rPr lang="en-IN" smtClean="0"/>
-              <a:t>14-05-2021</a:t>
+              <a:t>17-05-2021</a:t>
             </a:fld>
             <a:endParaRPr lang="en-IN"/>
           </a:p>
@@ -2593,7 +2597,7 @@
           <a:p>
             <a:fld id="{ABBC72FD-B666-4EBF-B98B-3751CD43E481}" type="datetimeFigureOut">
               <a:rPr lang="en-IN" smtClean="0"/>
-              <a:t>14-05-2021</a:t>
+              <a:t>17-05-2021</a:t>
             </a:fld>
             <a:endParaRPr lang="en-IN"/>
           </a:p>
@@ -3021,15 +3025,7 @@
             <a:pPr algn="ctr"/>
             <a:r>
               <a:rPr lang="en-US" dirty="0" smtClean="0"/>
-              <a:t>C</a:t>
-            </a:r>
-            <a:r>
-              <a:rPr lang="en-US" smtClean="0"/>
-              <a:t># </a:t>
-            </a:r>
-            <a:r>
-              <a:rPr lang="en-US" smtClean="0"/>
-              <a:t>introduction  (</a:t>
+              <a:t>C# introduction  (</a:t>
             </a:r>
             <a:r>
               <a:rPr lang="en-IN" dirty="0"/>
@@ -3057,92 +3053,6 @@
 </file>
 
 <file path=ppt/slides/slide10.xml><?xml version="1.0" encoding="utf-8"?>
-<p:sld xmlns:a="http://schemas.openxmlformats.org/drawingml/2006/main" xmlns:r="http://schemas.openxmlformats.org/officeDocument/2006/relationships" xmlns:p="http://schemas.openxmlformats.org/presentationml/2006/main">
-  <p:cSld>
-    <p:spTree>
-      <p:nvGrpSpPr>
-        <p:cNvPr id="1" name=""/>
-        <p:cNvGrpSpPr/>
-        <p:nvPr/>
-      </p:nvGrpSpPr>
-      <p:grpSpPr>
-        <a:xfrm>
-          <a:off x="0" y="0"/>
-          <a:ext cx="0" cy="0"/>
-          <a:chOff x="0" y="0"/>
-          <a:chExt cx="0" cy="0"/>
-        </a:xfrm>
-      </p:grpSpPr>
-      <p:sp>
-        <p:nvSpPr>
-          <p:cNvPr id="2" name="Title 1"/>
-          <p:cNvSpPr>
-            <a:spLocks noGrp="1"/>
-          </p:cNvSpPr>
-          <p:nvPr>
-            <p:ph type="title"/>
-          </p:nvPr>
-        </p:nvSpPr>
-        <p:spPr/>
-        <p:txBody>
-          <a:bodyPr/>
-          <a:lstStyle/>
-          <a:p>
-            <a:r>
-              <a:rPr lang="en-US" dirty="0" smtClean="0"/>
-              <a:t>Component oriented</a:t>
-            </a:r>
-            <a:endParaRPr lang="en-IN" dirty="0"/>
-          </a:p>
-        </p:txBody>
-      </p:sp>
-      <p:sp>
-        <p:nvSpPr>
-          <p:cNvPr id="3" name="Content Placeholder 2"/>
-          <p:cNvSpPr>
-            <a:spLocks noGrp="1"/>
-          </p:cNvSpPr>
-          <p:nvPr>
-            <p:ph idx="1"/>
-          </p:nvPr>
-        </p:nvSpPr>
-        <p:spPr/>
-        <p:txBody>
-          <a:bodyPr/>
-          <a:lstStyle/>
-          <a:p>
-            <a:r>
-              <a:rPr lang="en-US" dirty="0"/>
-              <a:t>Component-oriented programming is a technique of developing software applications by combining pre-existing and new </a:t>
-            </a:r>
-            <a:r>
-              <a:rPr lang="en-US" dirty="0" smtClean="0"/>
-              <a:t>components</a:t>
-            </a:r>
-          </a:p>
-          <a:p>
-            <a:r>
-              <a:rPr lang="en-US" dirty="0"/>
-              <a:t>C# supports component-oriented programming through the concepts of properties, methods, events, and attributes (or metadata), allowing self-contained and self-describing components of functionality called assemblies.</a:t>
-            </a:r>
-            <a:endParaRPr lang="en-IN" dirty="0"/>
-          </a:p>
-        </p:txBody>
-      </p:sp>
-    </p:spTree>
-    <p:extLst>
-      <p:ext uri="{BB962C8B-B14F-4D97-AF65-F5344CB8AC3E}">
-        <p14:creationId xmlns:p14="http://schemas.microsoft.com/office/powerpoint/2010/main" val="205942204"/>
-      </p:ext>
-    </p:extLst>
-  </p:cSld>
-  <p:clrMapOvr>
-    <a:masterClrMapping/>
-  </p:clrMapOvr>
-</p:sld>
-</file>
-
-<file path=ppt/slides/slide11.xml><?xml version="1.0" encoding="utf-8"?>
 <p:sld xmlns:a="http://schemas.openxmlformats.org/drawingml/2006/main" xmlns:r="http://schemas.openxmlformats.org/officeDocument/2006/relationships" xmlns:p="http://schemas.openxmlformats.org/presentationml/2006/main">
   <p:cSld>
     <p:spTree>
@@ -3225,7 +3135,7 @@
 </p:sld>
 </file>
 
-<file path=ppt/slides/slide12.xml><?xml version="1.0" encoding="utf-8"?>
+<file path=ppt/slides/slide11.xml><?xml version="1.0" encoding="utf-8"?>
 <p:sld xmlns:a="http://schemas.openxmlformats.org/drawingml/2006/main" xmlns:r="http://schemas.openxmlformats.org/officeDocument/2006/relationships" xmlns:p="http://schemas.openxmlformats.org/presentationml/2006/main">
   <p:cSld>
     <p:spTree>
@@ -3405,7 +3315,7 @@
 </p:sld>
 </file>
 
-<file path=ppt/slides/slide13.xml><?xml version="1.0" encoding="utf-8"?>
+<file path=ppt/slides/slide12.xml><?xml version="1.0" encoding="utf-8"?>
 <p:sld xmlns:a="http://schemas.openxmlformats.org/drawingml/2006/main" xmlns:r="http://schemas.openxmlformats.org/officeDocument/2006/relationships" xmlns:p="http://schemas.openxmlformats.org/presentationml/2006/main">
   <p:cSld>
     <p:spTree>
@@ -3542,7 +3452,7 @@
 </p:sld>
 </file>
 
-<file path=ppt/slides/slide14.xml><?xml version="1.0" encoding="utf-8"?>
+<file path=ppt/slides/slide13.xml><?xml version="1.0" encoding="utf-8"?>
 <p:sld xmlns:a="http://schemas.openxmlformats.org/drawingml/2006/main" xmlns:r="http://schemas.openxmlformats.org/officeDocument/2006/relationships" xmlns:p="http://schemas.openxmlformats.org/presentationml/2006/main">
   <p:cSld>
     <p:spTree>
@@ -3637,7 +3547,7 @@
 </p:sld>
 </file>
 
-<file path=ppt/slides/slide15.xml><?xml version="1.0" encoding="utf-8"?>
+<file path=ppt/slides/slide14.xml><?xml version="1.0" encoding="utf-8"?>
 <p:sld xmlns:a="http://schemas.openxmlformats.org/drawingml/2006/main" xmlns:r="http://schemas.openxmlformats.org/officeDocument/2006/relationships" xmlns:p="http://schemas.openxmlformats.org/presentationml/2006/main">
   <p:cSld>
     <p:spTree>
@@ -6437,7 +6347,7 @@
                     <a:p>
                       <a:pPr fontAlgn="t"/>
                       <a:r>
-                        <a:rPr lang="en-IN" sz="1400">
+                        <a:rPr lang="en-IN" sz="1400" dirty="0">
                           <a:solidFill>
                             <a:srgbClr val="414141"/>
                           </a:solidFill>
@@ -6648,7 +6558,7 @@
                     <a:p>
                       <a:pPr fontAlgn="t"/>
                       <a:r>
-                        <a:rPr lang="en-IN" sz="1400">
+                        <a:rPr lang="en-IN" sz="1400" dirty="0">
                           <a:solidFill>
                             <a:srgbClr val="414141"/>
                           </a:solidFill>
@@ -7958,7 +7868,7 @@
 </p:sld>
 </file>
 
-<file path=ppt/slides/slide16.xml><?xml version="1.0" encoding="utf-8"?>
+<file path=ppt/slides/slide15.xml><?xml version="1.0" encoding="utf-8"?>
 <p:sld xmlns:a="http://schemas.openxmlformats.org/drawingml/2006/main" xmlns:r="http://schemas.openxmlformats.org/officeDocument/2006/relationships" xmlns:p="http://schemas.openxmlformats.org/presentationml/2006/main">
   <p:cSld>
     <p:spTree>
@@ -8635,7 +8545,7 @@
                     <a:p>
                       <a:pPr fontAlgn="t"/>
                       <a:r>
-                        <a:rPr lang="en-IN" sz="1300">
+                        <a:rPr lang="en-IN" sz="1300" dirty="0" err="1">
                           <a:solidFill>
                             <a:srgbClr val="414141"/>
                           </a:solidFill>
@@ -8643,6 +8553,12 @@
                         </a:rPr>
                         <a:t>int</a:t>
                       </a:r>
+                      <a:endParaRPr lang="en-IN" sz="1300" dirty="0">
+                        <a:solidFill>
+                          <a:srgbClr val="414141"/>
+                        </a:solidFill>
+                        <a:effectLst/>
+                      </a:endParaRPr>
                     </a:p>
                   </a:txBody>
                   <a:tcPr marL="63990" marR="63990" marT="31995" marB="31995">
@@ -11245,7 +11161,7 @@
 </p:sld>
 </file>
 
-<file path=ppt/slides/slide17.xml><?xml version="1.0" encoding="utf-8"?>
+<file path=ppt/slides/slide16.xml><?xml version="1.0" encoding="utf-8"?>
 <p:sld xmlns:a="http://schemas.openxmlformats.org/drawingml/2006/main" xmlns:r="http://schemas.openxmlformats.org/officeDocument/2006/relationships" xmlns:p="http://schemas.openxmlformats.org/presentationml/2006/main">
   <p:cSld>
     <p:spTree>
@@ -11304,7 +11220,7 @@
 </p:sld>
 </file>
 
-<file path=ppt/slides/slide18.xml><?xml version="1.0" encoding="utf-8"?>
+<file path=ppt/slides/slide17.xml><?xml version="1.0" encoding="utf-8"?>
 <p:sld xmlns:a="http://schemas.openxmlformats.org/drawingml/2006/main" xmlns:r="http://schemas.openxmlformats.org/officeDocument/2006/relationships" xmlns:p="http://schemas.openxmlformats.org/presentationml/2006/main">
   <p:cSld>
     <p:spTree>
@@ -11803,7 +11719,7 @@
                     <a:lstStyle/>
                     <a:p>
                       <a:r>
-                        <a:rPr lang="en-IN" sz="1100" b="0">
+                        <a:rPr lang="en-IN" sz="1100" b="0" dirty="0">
                           <a:effectLst/>
                           <a:latin typeface="Cambira"/>
                         </a:rPr>
@@ -14417,7 +14333,7 @@
 </p:sld>
 </file>
 
-<file path=ppt/slides/slide19.xml><?xml version="1.0" encoding="utf-8"?>
+<file path=ppt/slides/slide18.xml><?xml version="1.0" encoding="utf-8"?>
 <p:sld xmlns:a="http://schemas.openxmlformats.org/drawingml/2006/main" xmlns:r="http://schemas.openxmlformats.org/officeDocument/2006/relationships" xmlns:p="http://schemas.openxmlformats.org/presentationml/2006/main">
   <p:cSld>
     <p:spTree>
@@ -14487,7 +14403,15 @@
                   <a:srgbClr val="FF0000"/>
                 </a:solidFill>
               </a:rPr>
-              <a:t>C.W("{</a:t>
+              <a:t>C.W</a:t>
+            </a:r>
+            <a:r>
+              <a:rPr lang="en-US" dirty="0" smtClean="0">
+                <a:solidFill>
+                  <a:srgbClr val="FF0000"/>
+                </a:solidFill>
+              </a:rPr>
+              <a:t>("{</a:t>
             </a:r>
             <a:r>
               <a:rPr lang="en-US" dirty="0">
@@ -14495,15 +14419,7 @@
                   <a:srgbClr val="FF0000"/>
                 </a:solidFill>
               </a:rPr>
-              <a:t>0:d}",</a:t>
-            </a:r>
-            <a:r>
-              <a:rPr lang="en-US" dirty="0" err="1">
-                <a:solidFill>
-                  <a:srgbClr val="FF0000"/>
-                </a:solidFill>
-              </a:rPr>
-              <a:t>datetime</a:t>
+              <a:t>1</a:t>
             </a:r>
             <a:r>
               <a:rPr lang="en-US" dirty="0" smtClean="0">
@@ -14511,7 +14427,39 @@
                   <a:srgbClr val="FF0000"/>
                 </a:solidFill>
               </a:rPr>
-              <a:t>); //output : </a:t>
+              <a:t>:d</a:t>
+            </a:r>
+            <a:r>
+              <a:rPr lang="en-US" dirty="0">
+                <a:solidFill>
+                  <a:srgbClr val="FF0000"/>
+                </a:solidFill>
+              </a:rPr>
+              <a:t>}",</a:t>
+            </a:r>
+            <a:r>
+              <a:rPr lang="en-US" dirty="0" err="1" smtClean="0">
+                <a:solidFill>
+                  <a:srgbClr val="FF0000"/>
+                </a:solidFill>
+              </a:rPr>
+              <a:t>datetime,data</a:t>
+            </a:r>
+            <a:r>
+              <a:rPr lang="en-US" dirty="0" smtClean="0">
+                <a:solidFill>
+                  <a:srgbClr val="FF0000"/>
+                </a:solidFill>
+              </a:rPr>
+              <a:t>); </a:t>
+            </a:r>
+            <a:r>
+              <a:rPr lang="en-US" dirty="0" smtClean="0">
+                <a:solidFill>
+                  <a:srgbClr val="FF0000"/>
+                </a:solidFill>
+              </a:rPr>
+              <a:t>//output : </a:t>
             </a:r>
             <a:r>
               <a:rPr lang="en-US" altLang="en-US" dirty="0" smtClean="0">
@@ -15231,132 +15179,7 @@
 </p:sld>
 </file>
 
-<file path=ppt/slides/slide2.xml><?xml version="1.0" encoding="utf-8"?>
-<p:sld xmlns:a="http://schemas.openxmlformats.org/drawingml/2006/main" xmlns:r="http://schemas.openxmlformats.org/officeDocument/2006/relationships" xmlns:p="http://schemas.openxmlformats.org/presentationml/2006/main">
-  <p:cSld>
-    <p:spTree>
-      <p:nvGrpSpPr>
-        <p:cNvPr id="1" name=""/>
-        <p:cNvGrpSpPr/>
-        <p:nvPr/>
-      </p:nvGrpSpPr>
-      <p:grpSpPr>
-        <a:xfrm>
-          <a:off x="0" y="0"/>
-          <a:ext cx="0" cy="0"/>
-          <a:chOff x="0" y="0"/>
-          <a:chExt cx="0" cy="0"/>
-        </a:xfrm>
-      </p:grpSpPr>
-      <p:sp>
-        <p:nvSpPr>
-          <p:cNvPr id="3" name="Content Placeholder 2"/>
-          <p:cNvSpPr>
-            <a:spLocks noGrp="1"/>
-          </p:cNvSpPr>
-          <p:nvPr>
-            <p:ph idx="1"/>
-          </p:nvPr>
-        </p:nvSpPr>
-        <p:spPr>
-          <a:xfrm>
-            <a:off x="326571" y="365760"/>
-            <a:ext cx="11769635" cy="6348549"/>
-          </a:xfrm>
-        </p:spPr>
-        <p:txBody>
-          <a:bodyPr/>
-          <a:lstStyle/>
-          <a:p>
-            <a:pPr marL="0" indent="0">
-              <a:buNone/>
-            </a:pPr>
-            <a:r>
-              <a:rPr lang="en-US" dirty="0"/>
-              <a:t>C# is pronounced as "C-Sharp". It is an object-oriented programming language provided by Microsoft that runs on </a:t>
-            </a:r>
-            <a:r>
-              <a:rPr lang="en-US" dirty="0" err="1"/>
-              <a:t>.Net</a:t>
-            </a:r>
-            <a:r>
-              <a:rPr lang="en-US" dirty="0"/>
-              <a:t> </a:t>
-            </a:r>
-            <a:r>
-              <a:rPr lang="en-US" dirty="0" smtClean="0"/>
-              <a:t>Framework and .NET core.</a:t>
-            </a:r>
-          </a:p>
-          <a:p>
-            <a:pPr marL="0" indent="0">
-              <a:buNone/>
-            </a:pPr>
-            <a:r>
-              <a:rPr lang="en-US" dirty="0"/>
-              <a:t>By the help of C# programming language, we can develop different types of secured and robust applications</a:t>
-            </a:r>
-            <a:r>
-              <a:rPr lang="en-US" dirty="0" smtClean="0"/>
-              <a:t>:</a:t>
-            </a:r>
-          </a:p>
-          <a:p>
-            <a:r>
-              <a:rPr lang="en-IN" dirty="0"/>
-              <a:t>Window applications</a:t>
-            </a:r>
-          </a:p>
-          <a:p>
-            <a:r>
-              <a:rPr lang="en-IN" dirty="0"/>
-              <a:t>Web applications</a:t>
-            </a:r>
-          </a:p>
-          <a:p>
-            <a:r>
-              <a:rPr lang="en-IN" dirty="0"/>
-              <a:t>Distributed applications</a:t>
-            </a:r>
-          </a:p>
-          <a:p>
-            <a:r>
-              <a:rPr lang="en-IN" dirty="0"/>
-              <a:t>Web service applications</a:t>
-            </a:r>
-          </a:p>
-          <a:p>
-            <a:r>
-              <a:rPr lang="en-IN" dirty="0"/>
-              <a:t>Database applications etc.</a:t>
-            </a:r>
-          </a:p>
-          <a:p>
-            <a:pPr marL="0" indent="0">
-              <a:buNone/>
-            </a:pPr>
-            <a:r>
-              <a:rPr lang="en-US" dirty="0"/>
-              <a:t>C# programming language is influenced by C++, Java, Eiffel, Modula-3, Pascal etc. languages.</a:t>
-            </a:r>
-            <a:endParaRPr lang="en-IN" dirty="0"/>
-          </a:p>
-        </p:txBody>
-      </p:sp>
-    </p:spTree>
-    <p:extLst>
-      <p:ext uri="{BB962C8B-B14F-4D97-AF65-F5344CB8AC3E}">
-        <p14:creationId xmlns:p14="http://schemas.microsoft.com/office/powerpoint/2010/main" val="4174321933"/>
-      </p:ext>
-    </p:extLst>
-  </p:cSld>
-  <p:clrMapOvr>
-    <a:masterClrMapping/>
-  </p:clrMapOvr>
-</p:sld>
-</file>
-
-<file path=ppt/slides/slide20.xml><?xml version="1.0" encoding="utf-8"?>
+<file path=ppt/slides/slide19.xml><?xml version="1.0" encoding="utf-8"?>
 <p:sld xmlns:a="http://schemas.openxmlformats.org/drawingml/2006/main" xmlns:r="http://schemas.openxmlformats.org/officeDocument/2006/relationships" xmlns:p="http://schemas.openxmlformats.org/presentationml/2006/main">
   <p:cSld>
     <p:spTree>
@@ -15904,10 +15727,63 @@
                     <a:p>
                       <a:pPr fontAlgn="t"/>
                       <a:r>
+                        <a:rPr lang="en-IN" dirty="0">
+                          <a:effectLst/>
+                        </a:rPr>
+                        <a:t>e</a:t>
+                      </a:r>
+                    </a:p>
+                  </a:txBody>
+                  <a:tcPr marL="76200" marR="76200" marT="76200" marB="76200">
+                    <a:lnL w="9525" cap="flat" cmpd="sng" algn="ctr">
+                      <a:solidFill>
+                        <a:srgbClr val="DDDDDD"/>
+                      </a:solidFill>
+                      <a:prstDash val="solid"/>
+                      <a:round/>
+                      <a:headEnd type="none" w="med" len="med"/>
+                      <a:tailEnd type="none" w="med" len="med"/>
+                    </a:lnL>
+                    <a:lnR w="9525" cap="flat" cmpd="sng" algn="ctr">
+                      <a:solidFill>
+                        <a:srgbClr val="DDDDDD"/>
+                      </a:solidFill>
+                      <a:prstDash val="solid"/>
+                      <a:round/>
+                      <a:headEnd type="none" w="med" len="med"/>
+                      <a:tailEnd type="none" w="med" len="med"/>
+                    </a:lnR>
+                    <a:lnT w="9525" cap="flat" cmpd="sng" algn="ctr">
+                      <a:solidFill>
+                        <a:srgbClr val="DDDDDD"/>
+                      </a:solidFill>
+                      <a:prstDash val="solid"/>
+                      <a:round/>
+                      <a:headEnd type="none" w="med" len="med"/>
+                      <a:tailEnd type="none" w="med" len="med"/>
+                    </a:lnT>
+                    <a:lnB w="9525" cap="flat" cmpd="sng" algn="ctr">
+                      <a:solidFill>
+                        <a:srgbClr val="DDDDDD"/>
+                      </a:solidFill>
+                      <a:prstDash val="solid"/>
+                      <a:round/>
+                      <a:headEnd type="none" w="med" len="med"/>
+                      <a:tailEnd type="none" w="med" len="med"/>
+                    </a:lnB>
+                  </a:tcPr>
+                </a:tc>
+                <a:tc>
+                  <a:txBody>
+                    <a:bodyPr/>
+                    <a:lstStyle/>
+                    <a:p>
+                      <a:pPr fontAlgn="t"/>
+                      <a:r>
                         <a:rPr lang="en-IN">
                           <a:effectLst/>
                         </a:rPr>
-                        <a:t>e</a:t>
+                        <a:t>Scientific</a:t>
                       </a:r>
                     </a:p>
                   </a:txBody>
@@ -15960,7 +15836,7 @@
                         <a:rPr lang="en-IN">
                           <a:effectLst/>
                         </a:rPr>
-                        <a:t>Scientific</a:t>
+                        <a:t>{0:e}</a:t>
                       </a:r>
                     </a:p>
                   </a:txBody>
@@ -16010,60 +15886,7 @@
                     <a:p>
                       <a:pPr fontAlgn="t"/>
                       <a:r>
-                        <a:rPr lang="en-IN">
-                          <a:effectLst/>
-                        </a:rPr>
-                        <a:t>{0:e}</a:t>
-                      </a:r>
-                    </a:p>
-                  </a:txBody>
-                  <a:tcPr marL="76200" marR="76200" marT="76200" marB="76200">
-                    <a:lnL w="9525" cap="flat" cmpd="sng" algn="ctr">
-                      <a:solidFill>
-                        <a:srgbClr val="DDDDDD"/>
-                      </a:solidFill>
-                      <a:prstDash val="solid"/>
-                      <a:round/>
-                      <a:headEnd type="none" w="med" len="med"/>
-                      <a:tailEnd type="none" w="med" len="med"/>
-                    </a:lnL>
-                    <a:lnR w="9525" cap="flat" cmpd="sng" algn="ctr">
-                      <a:solidFill>
-                        <a:srgbClr val="DDDDDD"/>
-                      </a:solidFill>
-                      <a:prstDash val="solid"/>
-                      <a:round/>
-                      <a:headEnd type="none" w="med" len="med"/>
-                      <a:tailEnd type="none" w="med" len="med"/>
-                    </a:lnR>
-                    <a:lnT w="9525" cap="flat" cmpd="sng" algn="ctr">
-                      <a:solidFill>
-                        <a:srgbClr val="DDDDDD"/>
-                      </a:solidFill>
-                      <a:prstDash val="solid"/>
-                      <a:round/>
-                      <a:headEnd type="none" w="med" len="med"/>
-                      <a:tailEnd type="none" w="med" len="med"/>
-                    </a:lnT>
-                    <a:lnB w="9525" cap="flat" cmpd="sng" algn="ctr">
-                      <a:solidFill>
-                        <a:srgbClr val="DDDDDD"/>
-                      </a:solidFill>
-                      <a:prstDash val="solid"/>
-                      <a:round/>
-                      <a:headEnd type="none" w="med" len="med"/>
-                      <a:tailEnd type="none" w="med" len="med"/>
-                    </a:lnB>
-                  </a:tcPr>
-                </a:tc>
-                <a:tc>
-                  <a:txBody>
-                    <a:bodyPr/>
-                    <a:lstStyle/>
-                    <a:p>
-                      <a:pPr fontAlgn="t"/>
-                      <a:r>
-                        <a:rPr lang="en-IN">
+                        <a:rPr lang="en-IN" dirty="0">
                           <a:effectLst/>
                         </a:rPr>
                         <a:t>7.567474e+004</a:t>
@@ -17069,7 +16892,132 @@
 </p:sld>
 </file>
 
-<file path=ppt/slides/slide21.xml><?xml version="1.0" encoding="utf-8"?>
+<file path=ppt/slides/slide2.xml><?xml version="1.0" encoding="utf-8"?>
+<p:sld xmlns:a="http://schemas.openxmlformats.org/drawingml/2006/main" xmlns:r="http://schemas.openxmlformats.org/officeDocument/2006/relationships" xmlns:p="http://schemas.openxmlformats.org/presentationml/2006/main">
+  <p:cSld>
+    <p:spTree>
+      <p:nvGrpSpPr>
+        <p:cNvPr id="1" name=""/>
+        <p:cNvGrpSpPr/>
+        <p:nvPr/>
+      </p:nvGrpSpPr>
+      <p:grpSpPr>
+        <a:xfrm>
+          <a:off x="0" y="0"/>
+          <a:ext cx="0" cy="0"/>
+          <a:chOff x="0" y="0"/>
+          <a:chExt cx="0" cy="0"/>
+        </a:xfrm>
+      </p:grpSpPr>
+      <p:sp>
+        <p:nvSpPr>
+          <p:cNvPr id="3" name="Content Placeholder 2"/>
+          <p:cNvSpPr>
+            <a:spLocks noGrp="1"/>
+          </p:cNvSpPr>
+          <p:nvPr>
+            <p:ph idx="1"/>
+          </p:nvPr>
+        </p:nvSpPr>
+        <p:spPr>
+          <a:xfrm>
+            <a:off x="326571" y="365760"/>
+            <a:ext cx="11769635" cy="6348549"/>
+          </a:xfrm>
+        </p:spPr>
+        <p:txBody>
+          <a:bodyPr/>
+          <a:lstStyle/>
+          <a:p>
+            <a:pPr marL="0" indent="0">
+              <a:buNone/>
+            </a:pPr>
+            <a:r>
+              <a:rPr lang="en-US" dirty="0"/>
+              <a:t>C# is pronounced as "C-Sharp". It is an object-oriented programming language provided by Microsoft that runs on </a:t>
+            </a:r>
+            <a:r>
+              <a:rPr lang="en-US" dirty="0" err="1"/>
+              <a:t>.Net</a:t>
+            </a:r>
+            <a:r>
+              <a:rPr lang="en-US" dirty="0"/>
+              <a:t> </a:t>
+            </a:r>
+            <a:r>
+              <a:rPr lang="en-US" dirty="0" smtClean="0"/>
+              <a:t>Framework and .NET core.</a:t>
+            </a:r>
+          </a:p>
+          <a:p>
+            <a:pPr marL="0" indent="0">
+              <a:buNone/>
+            </a:pPr>
+            <a:r>
+              <a:rPr lang="en-US" dirty="0"/>
+              <a:t>By the help of C# programming language, we can develop different types of secured and robust applications</a:t>
+            </a:r>
+            <a:r>
+              <a:rPr lang="en-US" dirty="0" smtClean="0"/>
+              <a:t>:</a:t>
+            </a:r>
+          </a:p>
+          <a:p>
+            <a:r>
+              <a:rPr lang="en-IN" dirty="0"/>
+              <a:t>Window applications</a:t>
+            </a:r>
+          </a:p>
+          <a:p>
+            <a:r>
+              <a:rPr lang="en-IN" dirty="0"/>
+              <a:t>Web applications</a:t>
+            </a:r>
+          </a:p>
+          <a:p>
+            <a:r>
+              <a:rPr lang="en-IN" dirty="0"/>
+              <a:t>Distributed applications</a:t>
+            </a:r>
+          </a:p>
+          <a:p>
+            <a:r>
+              <a:rPr lang="en-IN" dirty="0"/>
+              <a:t>Web service applications</a:t>
+            </a:r>
+          </a:p>
+          <a:p>
+            <a:r>
+              <a:rPr lang="en-IN" dirty="0"/>
+              <a:t>Database applications etc.</a:t>
+            </a:r>
+          </a:p>
+          <a:p>
+            <a:pPr marL="0" indent="0">
+              <a:buNone/>
+            </a:pPr>
+            <a:r>
+              <a:rPr lang="en-US" dirty="0"/>
+              <a:t>C# programming language is influenced by C++, Java, Eiffel, Modula-3, Pascal etc. languages.</a:t>
+            </a:r>
+            <a:endParaRPr lang="en-IN" dirty="0"/>
+          </a:p>
+        </p:txBody>
+      </p:sp>
+    </p:spTree>
+    <p:extLst>
+      <p:ext uri="{BB962C8B-B14F-4D97-AF65-F5344CB8AC3E}">
+        <p14:creationId xmlns:p14="http://schemas.microsoft.com/office/powerpoint/2010/main" val="4174321933"/>
+      </p:ext>
+    </p:extLst>
+  </p:cSld>
+  <p:clrMapOvr>
+    <a:masterClrMapping/>
+  </p:clrMapOvr>
+</p:sld>
+</file>
+
+<file path=ppt/slides/slide20.xml><?xml version="1.0" encoding="utf-8"?>
 <p:sld xmlns:a="http://schemas.openxmlformats.org/drawingml/2006/main" xmlns:r="http://schemas.openxmlformats.org/officeDocument/2006/relationships" xmlns:p="http://schemas.openxmlformats.org/presentationml/2006/main">
   <p:cSld>
     <p:spTree>
@@ -17197,7 +17145,7 @@
 </p:sld>
 </file>
 
-<file path=ppt/slides/slide22.xml><?xml version="1.0" encoding="utf-8"?>
+<file path=ppt/slides/slide21.xml><?xml version="1.0" encoding="utf-8"?>
 <p:sld xmlns:a="http://schemas.openxmlformats.org/drawingml/2006/main" xmlns:r="http://schemas.openxmlformats.org/officeDocument/2006/relationships" xmlns:p="http://schemas.openxmlformats.org/presentationml/2006/main">
   <p:cSld>
     <p:spTree>
@@ -18687,7 +18635,7 @@
 </p:sld>
 </file>
 
-<file path=ppt/slides/slide23.xml><?xml version="1.0" encoding="utf-8"?>
+<file path=ppt/slides/slide22.xml><?xml version="1.0" encoding="utf-8"?>
 <p:sld xmlns:a="http://schemas.openxmlformats.org/drawingml/2006/main" xmlns:r="http://schemas.openxmlformats.org/officeDocument/2006/relationships" xmlns:p="http://schemas.openxmlformats.org/presentationml/2006/main">
   <p:cSld>
     <p:spTree>
@@ -19985,7 +19933,7 @@
 </p:sld>
 </file>
 
-<file path=ppt/slides/slide24.xml><?xml version="1.0" encoding="utf-8"?>
+<file path=ppt/slides/slide23.xml><?xml version="1.0" encoding="utf-8"?>
 <p:sld xmlns:a="http://schemas.openxmlformats.org/drawingml/2006/main" xmlns:r="http://schemas.openxmlformats.org/officeDocument/2006/relationships" xmlns:p="http://schemas.openxmlformats.org/presentationml/2006/main">
   <p:cSld>
     <p:spTree>
@@ -20790,7 +20738,7 @@
 </p:sld>
 </file>
 
-<file path=ppt/slides/slide25.xml><?xml version="1.0" encoding="utf-8"?>
+<file path=ppt/slides/slide24.xml><?xml version="1.0" encoding="utf-8"?>
 <p:sld xmlns:a="http://schemas.openxmlformats.org/drawingml/2006/main" xmlns:r="http://schemas.openxmlformats.org/officeDocument/2006/relationships" xmlns:p="http://schemas.openxmlformats.org/presentationml/2006/main">
   <p:cSld>
     <p:spTree>
@@ -20931,7 +20879,7 @@
                     <a:p>
                       <a:pPr algn="ctr" fontAlgn="t"/>
                       <a:r>
-                        <a:rPr lang="en-IN">
+                        <a:rPr lang="en-IN" dirty="0">
                           <a:effectLst/>
                         </a:rPr>
                         <a:t>p</a:t>
@@ -22315,7 +22263,7 @@
 </p:sld>
 </file>
 
-<file path=ppt/slides/slide26.xml><?xml version="1.0" encoding="utf-8"?>
+<file path=ppt/slides/slide25.xml><?xml version="1.0" encoding="utf-8"?>
 <p:sld xmlns:a="http://schemas.openxmlformats.org/drawingml/2006/main" xmlns:r="http://schemas.openxmlformats.org/officeDocument/2006/relationships" xmlns:p="http://schemas.openxmlformats.org/presentationml/2006/main">
   <p:cSld>
     <p:spTree>
@@ -22667,11 +22615,20 @@
                     <a:p>
                       <a:pPr fontAlgn="t"/>
                       <a:r>
-                        <a:rPr lang="en-US" sz="1600">
-                          <a:effectLst/>
-                        </a:rPr>
-                        <a:t>(A &amp; B) = 12, which is 0000 1100</a:t>
-                      </a:r>
+                        <a:rPr lang="en-US" sz="1600" dirty="0">
+                          <a:effectLst/>
+                        </a:rPr>
+                        <a:t>(A &amp; B) = 12, which is </a:t>
+                      </a:r>
+                      <a:r>
+                        <a:rPr lang="en-US" sz="1600" dirty="0" smtClean="0">
+                          <a:effectLst/>
+                        </a:rPr>
+                        <a:t>0000 1100</a:t>
+                      </a:r>
+                      <a:endParaRPr lang="en-US" sz="1600" dirty="0">
+                        <a:effectLst/>
+                      </a:endParaRPr>
                     </a:p>
                   </a:txBody>
                   <a:tcPr marL="46688" marR="46688" marT="46688" marB="46688">
@@ -23059,7 +23016,7 @@
                     <a:p>
                       <a:pPr fontAlgn="t"/>
                       <a:r>
-                        <a:rPr lang="en-IN" sz="1600">
+                        <a:rPr lang="en-IN" sz="1600" dirty="0">
                           <a:effectLst/>
                         </a:rPr>
                         <a:t>~</a:t>
@@ -23566,7 +23523,7 @@
 </p:sld>
 </file>
 
-<file path=ppt/slides/slide27.xml><?xml version="1.0" encoding="utf-8"?>
+<file path=ppt/slides/slide26.xml><?xml version="1.0" encoding="utf-8"?>
 <p:sld xmlns:a="http://schemas.openxmlformats.org/drawingml/2006/main" xmlns:r="http://schemas.openxmlformats.org/officeDocument/2006/relationships" xmlns:p="http://schemas.openxmlformats.org/presentationml/2006/main">
   <p:cSld>
     <p:spTree>
@@ -24169,7 +24126,7 @@
                     <a:p>
                       <a:pPr fontAlgn="t"/>
                       <a:r>
-                        <a:rPr lang="en-IN" sz="1800">
+                        <a:rPr lang="en-IN" sz="1800" dirty="0">
                           <a:effectLst/>
                         </a:rPr>
                         <a:t>-=</a:t>
@@ -25672,7 +25629,7 @@
 </p:sld>
 </file>
 
-<file path=ppt/slides/slide28.xml><?xml version="1.0" encoding="utf-8"?>
+<file path=ppt/slides/slide27.xml><?xml version="1.0" encoding="utf-8"?>
 <p:sld xmlns:a="http://schemas.openxmlformats.org/drawingml/2006/main" xmlns:r="http://schemas.openxmlformats.org/officeDocument/2006/relationships" xmlns:p="http://schemas.openxmlformats.org/presentationml/2006/main">
   <p:cSld>
     <p:spTree>
@@ -27195,7 +27152,7 @@
 </p:sld>
 </file>
 
-<file path=ppt/slides/slide29.xml><?xml version="1.0" encoding="utf-8"?>
+<file path=ppt/slides/slide28.xml><?xml version="1.0" encoding="utf-8"?>
 <p:sld xmlns:a="http://schemas.openxmlformats.org/drawingml/2006/main" xmlns:r="http://schemas.openxmlformats.org/officeDocument/2006/relationships" xmlns:p="http://schemas.openxmlformats.org/presentationml/2006/main">
   <p:cSld>
     <p:spTree>
@@ -27297,6 +27254,871 @@
 </p:sld>
 </file>
 
+<file path=ppt/slides/slide29.xml><?xml version="1.0" encoding="utf-8"?>
+<p:sld xmlns:a="http://schemas.openxmlformats.org/drawingml/2006/main" xmlns:r="http://schemas.openxmlformats.org/officeDocument/2006/relationships" xmlns:p="http://schemas.openxmlformats.org/presentationml/2006/main">
+  <p:cSld>
+    <p:spTree>
+      <p:nvGrpSpPr>
+        <p:cNvPr id="1" name=""/>
+        <p:cNvGrpSpPr/>
+        <p:nvPr/>
+      </p:nvGrpSpPr>
+      <p:grpSpPr>
+        <a:xfrm>
+          <a:off x="0" y="0"/>
+          <a:ext cx="0" cy="0"/>
+          <a:chOff x="0" y="0"/>
+          <a:chExt cx="0" cy="0"/>
+        </a:xfrm>
+      </p:grpSpPr>
+      <p:graphicFrame>
+        <p:nvGraphicFramePr>
+          <p:cNvPr id="4" name="Content Placeholder 3"/>
+          <p:cNvGraphicFramePr>
+            <a:graphicFrameLocks noGrp="1"/>
+          </p:cNvGraphicFramePr>
+          <p:nvPr>
+            <p:ph idx="1"/>
+            <p:extLst>
+              <p:ext uri="{D42A27DB-BD31-4B8C-83A1-F6EECF244321}">
+                <p14:modId xmlns:p14="http://schemas.microsoft.com/office/powerpoint/2010/main" val="374554872"/>
+              </p:ext>
+            </p:extLst>
+          </p:nvPr>
+        </p:nvGraphicFramePr>
+        <p:xfrm>
+          <a:off x="234950" y="1"/>
+          <a:ext cx="11777664" cy="6928289"/>
+        </p:xfrm>
+        <a:graphic>
+          <a:graphicData uri="http://schemas.openxmlformats.org/drawingml/2006/table">
+            <a:tbl>
+              <a:tblPr firstRow="1" bandRow="1">
+                <a:tableStyleId>{5C22544A-7EE6-4342-B048-85BDC9FD1C3A}</a:tableStyleId>
+              </a:tblPr>
+              <a:tblGrid>
+                <a:gridCol w="3925888">
+                  <a:extLst>
+                    <a:ext uri="{9D8B030D-6E8A-4147-A177-3AD203B41FA5}">
+                      <a16:colId xmlns:a16="http://schemas.microsoft.com/office/drawing/2014/main" val="4226146663"/>
+                    </a:ext>
+                  </a:extLst>
+                </a:gridCol>
+                <a:gridCol w="3925888">
+                  <a:extLst>
+                    <a:ext uri="{9D8B030D-6E8A-4147-A177-3AD203B41FA5}">
+                      <a16:colId xmlns:a16="http://schemas.microsoft.com/office/drawing/2014/main" val="1168549719"/>
+                    </a:ext>
+                  </a:extLst>
+                </a:gridCol>
+                <a:gridCol w="3925888">
+                  <a:extLst>
+                    <a:ext uri="{9D8B030D-6E8A-4147-A177-3AD203B41FA5}">
+                      <a16:colId xmlns:a16="http://schemas.microsoft.com/office/drawing/2014/main" val="774821717"/>
+                    </a:ext>
+                  </a:extLst>
+                </a:gridCol>
+              </a:tblGrid>
+              <a:tr h="434047">
+                <a:tc>
+                  <a:txBody>
+                    <a:bodyPr/>
+                    <a:lstStyle/>
+                    <a:p>
+                      <a:pPr algn="l"/>
+                      <a:r>
+                        <a:rPr lang="en-IN" sz="1200" b="0">
+                          <a:effectLst/>
+                        </a:rPr>
+                        <a:t>Category</a:t>
+                      </a:r>
+                    </a:p>
+                  </a:txBody>
+                  <a:tcPr marL="228600" marR="228600" marT="114300" marB="114300" anchor="ctr"/>
+                </a:tc>
+                <a:tc>
+                  <a:txBody>
+                    <a:bodyPr/>
+                    <a:lstStyle/>
+                    <a:p>
+                      <a:pPr algn="l"/>
+                      <a:r>
+                        <a:rPr lang="en-IN" sz="1200" b="0">
+                          <a:effectLst/>
+                        </a:rPr>
+                        <a:t>Operators</a:t>
+                      </a:r>
+                    </a:p>
+                  </a:txBody>
+                  <a:tcPr marL="228600" marR="228600" marT="114300" marB="114300" anchor="ctr"/>
+                </a:tc>
+                <a:tc>
+                  <a:txBody>
+                    <a:bodyPr/>
+                    <a:lstStyle/>
+                    <a:p>
+                      <a:pPr algn="l"/>
+                      <a:r>
+                        <a:rPr lang="en-IN" sz="1200" b="0">
+                          <a:effectLst/>
+                        </a:rPr>
+                        <a:t>Associativity</a:t>
+                      </a:r>
+                    </a:p>
+                  </a:txBody>
+                  <a:tcPr marL="228600" marR="228600" marT="114300" marB="114300" anchor="ctr"/>
+                </a:tc>
+                <a:extLst>
+                  <a:ext uri="{0D108BD9-81ED-4DB2-BD59-A6C34878D82A}">
+                    <a16:rowId xmlns:a16="http://schemas.microsoft.com/office/drawing/2014/main" val="3785350853"/>
+                  </a:ext>
+                </a:extLst>
+              </a:tr>
+              <a:tr h="434047">
+                <a:tc>
+                  <a:txBody>
+                    <a:bodyPr/>
+                    <a:lstStyle/>
+                    <a:p>
+                      <a:r>
+                        <a:rPr lang="en-IN" sz="1200">
+                          <a:effectLst/>
+                        </a:rPr>
+                        <a:t>Postfix Increment and Decrement</a:t>
+                      </a:r>
+                    </a:p>
+                  </a:txBody>
+                  <a:tcPr marL="228600" marR="228600" marT="114300" marB="114300" anchor="ctr"/>
+                </a:tc>
+                <a:tc>
+                  <a:txBody>
+                    <a:bodyPr/>
+                    <a:lstStyle/>
+                    <a:p>
+                      <a:r>
+                        <a:rPr lang="en-IN" sz="1200">
+                          <a:effectLst/>
+                        </a:rPr>
+                        <a:t>++, --</a:t>
+                      </a:r>
+                    </a:p>
+                  </a:txBody>
+                  <a:tcPr marL="228600" marR="228600" marT="114300" marB="114300" anchor="ctr"/>
+                </a:tc>
+                <a:tc>
+                  <a:txBody>
+                    <a:bodyPr/>
+                    <a:lstStyle/>
+                    <a:p>
+                      <a:r>
+                        <a:rPr lang="en-IN" sz="1200">
+                          <a:effectLst/>
+                        </a:rPr>
+                        <a:t>Left to Right</a:t>
+                      </a:r>
+                    </a:p>
+                  </a:txBody>
+                  <a:tcPr marL="228600" marR="228600" marT="114300" marB="114300" anchor="ctr"/>
+                </a:tc>
+                <a:extLst>
+                  <a:ext uri="{0D108BD9-81ED-4DB2-BD59-A6C34878D82A}">
+                    <a16:rowId xmlns:a16="http://schemas.microsoft.com/office/drawing/2014/main" val="2302969545"/>
+                  </a:ext>
+                </a:extLst>
+              </a:tr>
+              <a:tr h="642839">
+                <a:tc>
+                  <a:txBody>
+                    <a:bodyPr/>
+                    <a:lstStyle/>
+                    <a:p>
+                      <a:r>
+                        <a:rPr lang="en-US" sz="1200">
+                          <a:effectLst/>
+                        </a:rPr>
+                        <a:t>Prefix Increment, Decrement and Unary</a:t>
+                      </a:r>
+                    </a:p>
+                  </a:txBody>
+                  <a:tcPr marL="228600" marR="228600" marT="114300" marB="114300" anchor="ctr"/>
+                </a:tc>
+                <a:tc>
+                  <a:txBody>
+                    <a:bodyPr/>
+                    <a:lstStyle/>
+                    <a:p>
+                      <a:r>
+                        <a:rPr lang="en-IN" sz="1200">
+                          <a:effectLst/>
+                        </a:rPr>
+                        <a:t>++, --, +, -, !, ~</a:t>
+                      </a:r>
+                    </a:p>
+                  </a:txBody>
+                  <a:tcPr marL="228600" marR="228600" marT="114300" marB="114300" anchor="ctr"/>
+                </a:tc>
+                <a:tc>
+                  <a:txBody>
+                    <a:bodyPr/>
+                    <a:lstStyle/>
+                    <a:p>
+                      <a:r>
+                        <a:rPr lang="en-IN" sz="1200">
+                          <a:effectLst/>
+                        </a:rPr>
+                        <a:t>Right to Left</a:t>
+                      </a:r>
+                    </a:p>
+                  </a:txBody>
+                  <a:tcPr marL="228600" marR="228600" marT="114300" marB="114300" anchor="ctr"/>
+                </a:tc>
+                <a:extLst>
+                  <a:ext uri="{0D108BD9-81ED-4DB2-BD59-A6C34878D82A}">
+                    <a16:rowId xmlns:a16="http://schemas.microsoft.com/office/drawing/2014/main" val="2846125952"/>
+                  </a:ext>
+                </a:extLst>
+              </a:tr>
+              <a:tr h="434047">
+                <a:tc>
+                  <a:txBody>
+                    <a:bodyPr/>
+                    <a:lstStyle/>
+                    <a:p>
+                      <a:r>
+                        <a:rPr lang="en-IN" sz="1200">
+                          <a:effectLst/>
+                        </a:rPr>
+                        <a:t>Multiplicative</a:t>
+                      </a:r>
+                    </a:p>
+                  </a:txBody>
+                  <a:tcPr marL="228600" marR="228600" marT="114300" marB="114300" anchor="ctr"/>
+                </a:tc>
+                <a:tc>
+                  <a:txBody>
+                    <a:bodyPr/>
+                    <a:lstStyle/>
+                    <a:p>
+                      <a:r>
+                        <a:rPr lang="en-IN" sz="1200">
+                          <a:effectLst/>
+                        </a:rPr>
+                        <a:t>*, /, %</a:t>
+                      </a:r>
+                    </a:p>
+                  </a:txBody>
+                  <a:tcPr marL="228600" marR="228600" marT="114300" marB="114300" anchor="ctr"/>
+                </a:tc>
+                <a:tc>
+                  <a:txBody>
+                    <a:bodyPr/>
+                    <a:lstStyle/>
+                    <a:p>
+                      <a:r>
+                        <a:rPr lang="en-IN" sz="1200">
+                          <a:effectLst/>
+                        </a:rPr>
+                        <a:t>Left to Right</a:t>
+                      </a:r>
+                    </a:p>
+                  </a:txBody>
+                  <a:tcPr marL="228600" marR="228600" marT="114300" marB="114300" anchor="ctr"/>
+                </a:tc>
+                <a:extLst>
+                  <a:ext uri="{0D108BD9-81ED-4DB2-BD59-A6C34878D82A}">
+                    <a16:rowId xmlns:a16="http://schemas.microsoft.com/office/drawing/2014/main" val="3425063800"/>
+                  </a:ext>
+                </a:extLst>
+              </a:tr>
+              <a:tr h="434047">
+                <a:tc>
+                  <a:txBody>
+                    <a:bodyPr/>
+                    <a:lstStyle/>
+                    <a:p>
+                      <a:r>
+                        <a:rPr lang="en-IN" sz="1200">
+                          <a:effectLst/>
+                        </a:rPr>
+                        <a:t>Additive</a:t>
+                      </a:r>
+                    </a:p>
+                  </a:txBody>
+                  <a:tcPr marL="228600" marR="228600" marT="114300" marB="114300" anchor="ctr"/>
+                </a:tc>
+                <a:tc>
+                  <a:txBody>
+                    <a:bodyPr/>
+                    <a:lstStyle/>
+                    <a:p>
+                      <a:r>
+                        <a:rPr lang="en-IN" sz="1200">
+                          <a:effectLst/>
+                        </a:rPr>
+                        <a:t>+, -</a:t>
+                      </a:r>
+                    </a:p>
+                  </a:txBody>
+                  <a:tcPr marL="228600" marR="228600" marT="114300" marB="114300" anchor="ctr"/>
+                </a:tc>
+                <a:tc>
+                  <a:txBody>
+                    <a:bodyPr/>
+                    <a:lstStyle/>
+                    <a:p>
+                      <a:r>
+                        <a:rPr lang="en-IN" sz="1200">
+                          <a:effectLst/>
+                        </a:rPr>
+                        <a:t>Left to Right</a:t>
+                      </a:r>
+                    </a:p>
+                  </a:txBody>
+                  <a:tcPr marL="228600" marR="228600" marT="114300" marB="114300" anchor="ctr"/>
+                </a:tc>
+                <a:extLst>
+                  <a:ext uri="{0D108BD9-81ED-4DB2-BD59-A6C34878D82A}">
+                    <a16:rowId xmlns:a16="http://schemas.microsoft.com/office/drawing/2014/main" val="115242187"/>
+                  </a:ext>
+                </a:extLst>
+              </a:tr>
+              <a:tr h="434047">
+                <a:tc>
+                  <a:txBody>
+                    <a:bodyPr/>
+                    <a:lstStyle/>
+                    <a:p>
+                      <a:r>
+                        <a:rPr lang="en-IN" sz="1200">
+                          <a:effectLst/>
+                        </a:rPr>
+                        <a:t>Shift</a:t>
+                      </a:r>
+                    </a:p>
+                  </a:txBody>
+                  <a:tcPr marL="228600" marR="228600" marT="114300" marB="114300" anchor="ctr"/>
+                </a:tc>
+                <a:tc>
+                  <a:txBody>
+                    <a:bodyPr/>
+                    <a:lstStyle/>
+                    <a:p>
+                      <a:r>
+                        <a:rPr lang="en-IN" sz="1200">
+                          <a:effectLst/>
+                        </a:rPr>
+                        <a:t>&lt;&lt;, &gt;&gt;</a:t>
+                      </a:r>
+                    </a:p>
+                  </a:txBody>
+                  <a:tcPr marL="228600" marR="228600" marT="114300" marB="114300" anchor="ctr"/>
+                </a:tc>
+                <a:tc>
+                  <a:txBody>
+                    <a:bodyPr/>
+                    <a:lstStyle/>
+                    <a:p>
+                      <a:r>
+                        <a:rPr lang="en-IN" sz="1200">
+                          <a:effectLst/>
+                        </a:rPr>
+                        <a:t>Left to Right</a:t>
+                      </a:r>
+                    </a:p>
+                  </a:txBody>
+                  <a:tcPr marL="228600" marR="228600" marT="114300" marB="114300" anchor="ctr"/>
+                </a:tc>
+                <a:extLst>
+                  <a:ext uri="{0D108BD9-81ED-4DB2-BD59-A6C34878D82A}">
+                    <a16:rowId xmlns:a16="http://schemas.microsoft.com/office/drawing/2014/main" val="1533252788"/>
+                  </a:ext>
+                </a:extLst>
+              </a:tr>
+              <a:tr h="434047">
+                <a:tc>
+                  <a:txBody>
+                    <a:bodyPr/>
+                    <a:lstStyle/>
+                    <a:p>
+                      <a:r>
+                        <a:rPr lang="en-IN" sz="1200">
+                          <a:effectLst/>
+                        </a:rPr>
+                        <a:t>Relational</a:t>
+                      </a:r>
+                    </a:p>
+                  </a:txBody>
+                  <a:tcPr marL="228600" marR="228600" marT="114300" marB="114300" anchor="ctr"/>
+                </a:tc>
+                <a:tc>
+                  <a:txBody>
+                    <a:bodyPr/>
+                    <a:lstStyle/>
+                    <a:p>
+                      <a:r>
+                        <a:rPr lang="en-IN" sz="1200">
+                          <a:effectLst/>
+                        </a:rPr>
+                        <a:t>&lt;, &lt;=, &gt;, &gt;=</a:t>
+                      </a:r>
+                    </a:p>
+                  </a:txBody>
+                  <a:tcPr marL="228600" marR="228600" marT="114300" marB="114300" anchor="ctr"/>
+                </a:tc>
+                <a:tc>
+                  <a:txBody>
+                    <a:bodyPr/>
+                    <a:lstStyle/>
+                    <a:p>
+                      <a:r>
+                        <a:rPr lang="en-IN" sz="1200">
+                          <a:effectLst/>
+                        </a:rPr>
+                        <a:t>Left to Right</a:t>
+                      </a:r>
+                    </a:p>
+                  </a:txBody>
+                  <a:tcPr marL="228600" marR="228600" marT="114300" marB="114300" anchor="ctr"/>
+                </a:tc>
+                <a:extLst>
+                  <a:ext uri="{0D108BD9-81ED-4DB2-BD59-A6C34878D82A}">
+                    <a16:rowId xmlns:a16="http://schemas.microsoft.com/office/drawing/2014/main" val="3514465756"/>
+                  </a:ext>
+                </a:extLst>
+              </a:tr>
+              <a:tr h="434047">
+                <a:tc>
+                  <a:txBody>
+                    <a:bodyPr/>
+                    <a:lstStyle/>
+                    <a:p>
+                      <a:r>
+                        <a:rPr lang="en-IN" sz="1200">
+                          <a:effectLst/>
+                        </a:rPr>
+                        <a:t>Equality</a:t>
+                      </a:r>
+                    </a:p>
+                  </a:txBody>
+                  <a:tcPr marL="228600" marR="228600" marT="114300" marB="114300" anchor="ctr"/>
+                </a:tc>
+                <a:tc>
+                  <a:txBody>
+                    <a:bodyPr/>
+                    <a:lstStyle/>
+                    <a:p>
+                      <a:r>
+                        <a:rPr lang="en-IN" sz="1200">
+                          <a:effectLst/>
+                        </a:rPr>
+                        <a:t>==, !=</a:t>
+                      </a:r>
+                    </a:p>
+                  </a:txBody>
+                  <a:tcPr marL="228600" marR="228600" marT="114300" marB="114300" anchor="ctr"/>
+                </a:tc>
+                <a:tc>
+                  <a:txBody>
+                    <a:bodyPr/>
+                    <a:lstStyle/>
+                    <a:p>
+                      <a:r>
+                        <a:rPr lang="en-IN" sz="1200">
+                          <a:effectLst/>
+                        </a:rPr>
+                        <a:t>Left to Right</a:t>
+                      </a:r>
+                    </a:p>
+                  </a:txBody>
+                  <a:tcPr marL="228600" marR="228600" marT="114300" marB="114300" anchor="ctr"/>
+                </a:tc>
+                <a:extLst>
+                  <a:ext uri="{0D108BD9-81ED-4DB2-BD59-A6C34878D82A}">
+                    <a16:rowId xmlns:a16="http://schemas.microsoft.com/office/drawing/2014/main" val="3099885182"/>
+                  </a:ext>
+                </a:extLst>
+              </a:tr>
+              <a:tr h="434047">
+                <a:tc>
+                  <a:txBody>
+                    <a:bodyPr/>
+                    <a:lstStyle/>
+                    <a:p>
+                      <a:r>
+                        <a:rPr lang="en-IN" sz="1200">
+                          <a:effectLst/>
+                        </a:rPr>
+                        <a:t>Bitwise AND</a:t>
+                      </a:r>
+                    </a:p>
+                  </a:txBody>
+                  <a:tcPr marL="228600" marR="228600" marT="114300" marB="114300" anchor="ctr"/>
+                </a:tc>
+                <a:tc>
+                  <a:txBody>
+                    <a:bodyPr/>
+                    <a:lstStyle/>
+                    <a:p>
+                      <a:r>
+                        <a:rPr lang="en-IN" sz="1200">
+                          <a:effectLst/>
+                        </a:rPr>
+                        <a:t>&amp;</a:t>
+                      </a:r>
+                    </a:p>
+                  </a:txBody>
+                  <a:tcPr marL="228600" marR="228600" marT="114300" marB="114300" anchor="ctr"/>
+                </a:tc>
+                <a:tc>
+                  <a:txBody>
+                    <a:bodyPr/>
+                    <a:lstStyle/>
+                    <a:p>
+                      <a:r>
+                        <a:rPr lang="en-IN" sz="1200">
+                          <a:effectLst/>
+                        </a:rPr>
+                        <a:t>Left to Right</a:t>
+                      </a:r>
+                    </a:p>
+                  </a:txBody>
+                  <a:tcPr marL="228600" marR="228600" marT="114300" marB="114300" anchor="ctr"/>
+                </a:tc>
+                <a:extLst>
+                  <a:ext uri="{0D108BD9-81ED-4DB2-BD59-A6C34878D82A}">
+                    <a16:rowId xmlns:a16="http://schemas.microsoft.com/office/drawing/2014/main" val="4185188087"/>
+                  </a:ext>
+                </a:extLst>
+              </a:tr>
+              <a:tr h="434047">
+                <a:tc>
+                  <a:txBody>
+                    <a:bodyPr/>
+                    <a:lstStyle/>
+                    <a:p>
+                      <a:r>
+                        <a:rPr lang="en-IN" sz="1200">
+                          <a:effectLst/>
+                        </a:rPr>
+                        <a:t>Bitwise XOR</a:t>
+                      </a:r>
+                    </a:p>
+                  </a:txBody>
+                  <a:tcPr marL="228600" marR="228600" marT="114300" marB="114300" anchor="ctr"/>
+                </a:tc>
+                <a:tc>
+                  <a:txBody>
+                    <a:bodyPr/>
+                    <a:lstStyle/>
+                    <a:p>
+                      <a:r>
+                        <a:rPr lang="en-IN" sz="1200">
+                          <a:effectLst/>
+                        </a:rPr>
+                        <a:t>^</a:t>
+                      </a:r>
+                    </a:p>
+                  </a:txBody>
+                  <a:tcPr marL="228600" marR="228600" marT="114300" marB="114300" anchor="ctr"/>
+                </a:tc>
+                <a:tc>
+                  <a:txBody>
+                    <a:bodyPr/>
+                    <a:lstStyle/>
+                    <a:p>
+                      <a:r>
+                        <a:rPr lang="en-IN" sz="1200">
+                          <a:effectLst/>
+                        </a:rPr>
+                        <a:t>Left to Right</a:t>
+                      </a:r>
+                    </a:p>
+                  </a:txBody>
+                  <a:tcPr marL="228600" marR="228600" marT="114300" marB="114300" anchor="ctr"/>
+                </a:tc>
+                <a:extLst>
+                  <a:ext uri="{0D108BD9-81ED-4DB2-BD59-A6C34878D82A}">
+                    <a16:rowId xmlns:a16="http://schemas.microsoft.com/office/drawing/2014/main" val="2890399885"/>
+                  </a:ext>
+                </a:extLst>
+              </a:tr>
+              <a:tr h="434047">
+                <a:tc>
+                  <a:txBody>
+                    <a:bodyPr/>
+                    <a:lstStyle/>
+                    <a:p>
+                      <a:r>
+                        <a:rPr lang="en-IN" sz="1200">
+                          <a:effectLst/>
+                        </a:rPr>
+                        <a:t>Bitwise OR</a:t>
+                      </a:r>
+                    </a:p>
+                  </a:txBody>
+                  <a:tcPr marL="228600" marR="228600" marT="114300" marB="114300" anchor="ctr"/>
+                </a:tc>
+                <a:tc>
+                  <a:txBody>
+                    <a:bodyPr/>
+                    <a:lstStyle/>
+                    <a:p>
+                      <a:r>
+                        <a:rPr lang="en-IN" sz="1200">
+                          <a:effectLst/>
+                        </a:rPr>
+                        <a:t>|</a:t>
+                      </a:r>
+                    </a:p>
+                  </a:txBody>
+                  <a:tcPr marL="228600" marR="228600" marT="114300" marB="114300" anchor="ctr"/>
+                </a:tc>
+                <a:tc>
+                  <a:txBody>
+                    <a:bodyPr/>
+                    <a:lstStyle/>
+                    <a:p>
+                      <a:r>
+                        <a:rPr lang="en-IN" sz="1200">
+                          <a:effectLst/>
+                        </a:rPr>
+                        <a:t>Left to Right</a:t>
+                      </a:r>
+                    </a:p>
+                  </a:txBody>
+                  <a:tcPr marL="228600" marR="228600" marT="114300" marB="114300" anchor="ctr"/>
+                </a:tc>
+                <a:extLst>
+                  <a:ext uri="{0D108BD9-81ED-4DB2-BD59-A6C34878D82A}">
+                    <a16:rowId xmlns:a16="http://schemas.microsoft.com/office/drawing/2014/main" val="3225767326"/>
+                  </a:ext>
+                </a:extLst>
+              </a:tr>
+              <a:tr h="434047">
+                <a:tc>
+                  <a:txBody>
+                    <a:bodyPr/>
+                    <a:lstStyle/>
+                    <a:p>
+                      <a:r>
+                        <a:rPr lang="en-IN" sz="1200">
+                          <a:effectLst/>
+                        </a:rPr>
+                        <a:t>Logical AND</a:t>
+                      </a:r>
+                    </a:p>
+                  </a:txBody>
+                  <a:tcPr marL="228600" marR="228600" marT="114300" marB="114300" anchor="ctr"/>
+                </a:tc>
+                <a:tc>
+                  <a:txBody>
+                    <a:bodyPr/>
+                    <a:lstStyle/>
+                    <a:p>
+                      <a:r>
+                        <a:rPr lang="en-IN" sz="1200">
+                          <a:effectLst/>
+                        </a:rPr>
+                        <a:t>&amp;&amp;</a:t>
+                      </a:r>
+                    </a:p>
+                  </a:txBody>
+                  <a:tcPr marL="228600" marR="228600" marT="114300" marB="114300" anchor="ctr"/>
+                </a:tc>
+                <a:tc>
+                  <a:txBody>
+                    <a:bodyPr/>
+                    <a:lstStyle/>
+                    <a:p>
+                      <a:r>
+                        <a:rPr lang="en-IN" sz="1200">
+                          <a:effectLst/>
+                        </a:rPr>
+                        <a:t>Left to Right</a:t>
+                      </a:r>
+                    </a:p>
+                  </a:txBody>
+                  <a:tcPr marL="228600" marR="228600" marT="114300" marB="114300" anchor="ctr"/>
+                </a:tc>
+                <a:extLst>
+                  <a:ext uri="{0D108BD9-81ED-4DB2-BD59-A6C34878D82A}">
+                    <a16:rowId xmlns:a16="http://schemas.microsoft.com/office/drawing/2014/main" val="3294234667"/>
+                  </a:ext>
+                </a:extLst>
+              </a:tr>
+              <a:tr h="434047">
+                <a:tc>
+                  <a:txBody>
+                    <a:bodyPr/>
+                    <a:lstStyle/>
+                    <a:p>
+                      <a:r>
+                        <a:rPr lang="en-IN" sz="1200">
+                          <a:effectLst/>
+                        </a:rPr>
+                        <a:t>Logical OR</a:t>
+                      </a:r>
+                    </a:p>
+                  </a:txBody>
+                  <a:tcPr marL="228600" marR="228600" marT="114300" marB="114300" anchor="ctr"/>
+                </a:tc>
+                <a:tc>
+                  <a:txBody>
+                    <a:bodyPr/>
+                    <a:lstStyle/>
+                    <a:p>
+                      <a:r>
+                        <a:rPr lang="en-IN" sz="1200">
+                          <a:effectLst/>
+                        </a:rPr>
+                        <a:t>||</a:t>
+                      </a:r>
+                    </a:p>
+                  </a:txBody>
+                  <a:tcPr marL="228600" marR="228600" marT="114300" marB="114300" anchor="ctr"/>
+                </a:tc>
+                <a:tc>
+                  <a:txBody>
+                    <a:bodyPr/>
+                    <a:lstStyle/>
+                    <a:p>
+                      <a:r>
+                        <a:rPr lang="en-IN" sz="1200">
+                          <a:effectLst/>
+                        </a:rPr>
+                        <a:t>Left to Right</a:t>
+                      </a:r>
+                    </a:p>
+                  </a:txBody>
+                  <a:tcPr marL="228600" marR="228600" marT="114300" marB="114300" anchor="ctr"/>
+                </a:tc>
+                <a:extLst>
+                  <a:ext uri="{0D108BD9-81ED-4DB2-BD59-A6C34878D82A}">
+                    <a16:rowId xmlns:a16="http://schemas.microsoft.com/office/drawing/2014/main" val="759343808"/>
+                  </a:ext>
+                </a:extLst>
+              </a:tr>
+              <a:tr h="434047">
+                <a:tc>
+                  <a:txBody>
+                    <a:bodyPr/>
+                    <a:lstStyle/>
+                    <a:p>
+                      <a:r>
+                        <a:rPr lang="en-IN" sz="1200">
+                          <a:effectLst/>
+                        </a:rPr>
+                        <a:t>Ternary</a:t>
+                      </a:r>
+                    </a:p>
+                  </a:txBody>
+                  <a:tcPr marL="228600" marR="228600" marT="114300" marB="114300" anchor="ctr"/>
+                </a:tc>
+                <a:tc>
+                  <a:txBody>
+                    <a:bodyPr/>
+                    <a:lstStyle/>
+                    <a:p>
+                      <a:r>
+                        <a:rPr lang="en-IN" sz="1200">
+                          <a:effectLst/>
+                        </a:rPr>
+                        <a:t>? :</a:t>
+                      </a:r>
+                    </a:p>
+                  </a:txBody>
+                  <a:tcPr marL="228600" marR="228600" marT="114300" marB="114300" anchor="ctr"/>
+                </a:tc>
+                <a:tc>
+                  <a:txBody>
+                    <a:bodyPr/>
+                    <a:lstStyle/>
+                    <a:p>
+                      <a:r>
+                        <a:rPr lang="en-IN" sz="1200">
+                          <a:effectLst/>
+                        </a:rPr>
+                        <a:t>Right to Left</a:t>
+                      </a:r>
+                    </a:p>
+                  </a:txBody>
+                  <a:tcPr marL="228600" marR="228600" marT="114300" marB="114300" anchor="ctr"/>
+                </a:tc>
+                <a:extLst>
+                  <a:ext uri="{0D108BD9-81ED-4DB2-BD59-A6C34878D82A}">
+                    <a16:rowId xmlns:a16="http://schemas.microsoft.com/office/drawing/2014/main" val="2112687870"/>
+                  </a:ext>
+                </a:extLst>
+              </a:tr>
+              <a:tr h="642839">
+                <a:tc>
+                  <a:txBody>
+                    <a:bodyPr/>
+                    <a:lstStyle/>
+                    <a:p>
+                      <a:r>
+                        <a:rPr lang="en-IN" sz="1200">
+                          <a:effectLst/>
+                        </a:rPr>
+                        <a:t>Assignment</a:t>
+                      </a:r>
+                    </a:p>
+                  </a:txBody>
+                  <a:tcPr marL="228600" marR="228600" marT="114300" marB="114300" anchor="ctr"/>
+                </a:tc>
+                <a:tc>
+                  <a:txBody>
+                    <a:bodyPr/>
+                    <a:lstStyle/>
+                    <a:p>
+                      <a:r>
+                        <a:rPr lang="en-IN" sz="1200">
+                          <a:effectLst/>
+                        </a:rPr>
+                        <a:t>=, +=, -=, *=, /=, %=, &amp;=, |=, ^=, &lt;&lt;=, &gt;&gt;=</a:t>
+                      </a:r>
+                    </a:p>
+                  </a:txBody>
+                  <a:tcPr marL="228600" marR="228600" marT="114300" marB="114300" anchor="ctr"/>
+                </a:tc>
+                <a:tc>
+                  <a:txBody>
+                    <a:bodyPr/>
+                    <a:lstStyle/>
+                    <a:p>
+                      <a:r>
+                        <a:rPr lang="en-IN" sz="1200" dirty="0">
+                          <a:effectLst/>
+                        </a:rPr>
+                        <a:t>Right to Left</a:t>
+                      </a:r>
+                    </a:p>
+                  </a:txBody>
+                  <a:tcPr marL="228600" marR="228600" marT="114300" marB="114300" anchor="ctr"/>
+                </a:tc>
+                <a:extLst>
+                  <a:ext uri="{0D108BD9-81ED-4DB2-BD59-A6C34878D82A}">
+                    <a16:rowId xmlns:a16="http://schemas.microsoft.com/office/drawing/2014/main" val="1011220778"/>
+                  </a:ext>
+                </a:extLst>
+              </a:tr>
+            </a:tbl>
+          </a:graphicData>
+        </a:graphic>
+      </p:graphicFrame>
+    </p:spTree>
+    <p:extLst>
+      <p:ext uri="{BB962C8B-B14F-4D97-AF65-F5344CB8AC3E}">
+        <p14:creationId xmlns:p14="http://schemas.microsoft.com/office/powerpoint/2010/main" val="3662244686"/>
+      </p:ext>
+    </p:extLst>
+  </p:cSld>
+  <p:clrMapOvr>
+    <a:masterClrMapping/>
+  </p:clrMapOvr>
+</p:sld>
+</file>
+
 <file path=ppt/slides/slide3.xml><?xml version="1.0" encoding="utf-8"?>
 <p:sld xmlns:a="http://schemas.openxmlformats.org/drawingml/2006/main" xmlns:r="http://schemas.openxmlformats.org/officeDocument/2006/relationships" xmlns:p="http://schemas.openxmlformats.org/presentationml/2006/main">
   <p:cSld>
@@ -27840,845 +28662,427 @@
           <a:chExt cx="0" cy="0"/>
         </a:xfrm>
       </p:grpSpPr>
-      <p:graphicFrame>
-        <p:nvGraphicFramePr>
-          <p:cNvPr id="4" name="Content Placeholder 3"/>
-          <p:cNvGraphicFramePr>
-            <a:graphicFrameLocks noGrp="1"/>
-          </p:cNvGraphicFramePr>
+      <p:sp>
+        <p:nvSpPr>
+          <p:cNvPr id="2" name="Title 1"/>
+          <p:cNvSpPr>
+            <a:spLocks noGrp="1"/>
+          </p:cNvSpPr>
+          <p:nvPr>
+            <p:ph type="title"/>
+          </p:nvPr>
+        </p:nvSpPr>
+        <p:spPr/>
+        <p:txBody>
+          <a:bodyPr/>
+          <a:lstStyle/>
+          <a:p>
+            <a:r>
+              <a:rPr lang="en-US" dirty="0" smtClean="0"/>
+              <a:t>Branching Control Statements</a:t>
+            </a:r>
+            <a:endParaRPr lang="en-IN" dirty="0"/>
+          </a:p>
+        </p:txBody>
+      </p:sp>
+      <p:sp>
+        <p:nvSpPr>
+          <p:cNvPr id="3" name="Content Placeholder 2"/>
+          <p:cNvSpPr>
+            <a:spLocks noGrp="1"/>
+          </p:cNvSpPr>
           <p:nvPr>
             <p:ph idx="1"/>
-            <p:extLst>
-              <p:ext uri="{D42A27DB-BD31-4B8C-83A1-F6EECF244321}">
-                <p14:modId xmlns:p14="http://schemas.microsoft.com/office/powerpoint/2010/main" val="374554872"/>
-              </p:ext>
-            </p:extLst>
           </p:nvPr>
-        </p:nvGraphicFramePr>
-        <p:xfrm>
-          <a:off x="234950" y="1"/>
-          <a:ext cx="11777664" cy="6928289"/>
-        </p:xfrm>
-        <a:graphic>
-          <a:graphicData uri="http://schemas.openxmlformats.org/drawingml/2006/table">
-            <a:tbl>
-              <a:tblPr firstRow="1" bandRow="1">
-                <a:tableStyleId>{5C22544A-7EE6-4342-B048-85BDC9FD1C3A}</a:tableStyleId>
-              </a:tblPr>
-              <a:tblGrid>
-                <a:gridCol w="3925888">
-                  <a:extLst>
-                    <a:ext uri="{9D8B030D-6E8A-4147-A177-3AD203B41FA5}">
-                      <a16:colId xmlns:a16="http://schemas.microsoft.com/office/drawing/2014/main" val="4226146663"/>
-                    </a:ext>
-                  </a:extLst>
-                </a:gridCol>
-                <a:gridCol w="3925888">
-                  <a:extLst>
-                    <a:ext uri="{9D8B030D-6E8A-4147-A177-3AD203B41FA5}">
-                      <a16:colId xmlns:a16="http://schemas.microsoft.com/office/drawing/2014/main" val="1168549719"/>
-                    </a:ext>
-                  </a:extLst>
-                </a:gridCol>
-                <a:gridCol w="3925888">
-                  <a:extLst>
-                    <a:ext uri="{9D8B030D-6E8A-4147-A177-3AD203B41FA5}">
-                      <a16:colId xmlns:a16="http://schemas.microsoft.com/office/drawing/2014/main" val="774821717"/>
-                    </a:ext>
-                  </a:extLst>
-                </a:gridCol>
-              </a:tblGrid>
-              <a:tr h="434047">
-                <a:tc>
-                  <a:txBody>
-                    <a:bodyPr/>
-                    <a:lstStyle/>
-                    <a:p>
-                      <a:pPr algn="l"/>
-                      <a:r>
-                        <a:rPr lang="en-IN" sz="1200" b="0">
-                          <a:effectLst/>
-                        </a:rPr>
-                        <a:t>Category</a:t>
-                      </a:r>
-                    </a:p>
-                  </a:txBody>
-                  <a:tcPr marL="228600" marR="228600" marT="114300" marB="114300" anchor="ctr"/>
-                </a:tc>
-                <a:tc>
-                  <a:txBody>
-                    <a:bodyPr/>
-                    <a:lstStyle/>
-                    <a:p>
-                      <a:pPr algn="l"/>
-                      <a:r>
-                        <a:rPr lang="en-IN" sz="1200" b="0">
-                          <a:effectLst/>
-                        </a:rPr>
-                        <a:t>Operators</a:t>
-                      </a:r>
-                    </a:p>
-                  </a:txBody>
-                  <a:tcPr marL="228600" marR="228600" marT="114300" marB="114300" anchor="ctr"/>
-                </a:tc>
-                <a:tc>
-                  <a:txBody>
-                    <a:bodyPr/>
-                    <a:lstStyle/>
-                    <a:p>
-                      <a:pPr algn="l"/>
-                      <a:r>
-                        <a:rPr lang="en-IN" sz="1200" b="0">
-                          <a:effectLst/>
-                        </a:rPr>
-                        <a:t>Associativity</a:t>
-                      </a:r>
-                    </a:p>
-                  </a:txBody>
-                  <a:tcPr marL="228600" marR="228600" marT="114300" marB="114300" anchor="ctr"/>
-                </a:tc>
-                <a:extLst>
-                  <a:ext uri="{0D108BD9-81ED-4DB2-BD59-A6C34878D82A}">
-                    <a16:rowId xmlns:a16="http://schemas.microsoft.com/office/drawing/2014/main" val="3785350853"/>
-                  </a:ext>
-                </a:extLst>
-              </a:tr>
-              <a:tr h="434047">
-                <a:tc>
-                  <a:txBody>
-                    <a:bodyPr/>
-                    <a:lstStyle/>
-                    <a:p>
-                      <a:r>
-                        <a:rPr lang="en-IN" sz="1200">
-                          <a:effectLst/>
-                        </a:rPr>
-                        <a:t>Postfix Increment and Decrement</a:t>
-                      </a:r>
-                    </a:p>
-                  </a:txBody>
-                  <a:tcPr marL="228600" marR="228600" marT="114300" marB="114300" anchor="ctr"/>
-                </a:tc>
-                <a:tc>
-                  <a:txBody>
-                    <a:bodyPr/>
-                    <a:lstStyle/>
-                    <a:p>
-                      <a:r>
-                        <a:rPr lang="en-IN" sz="1200">
-                          <a:effectLst/>
-                        </a:rPr>
-                        <a:t>++, --</a:t>
-                      </a:r>
-                    </a:p>
-                  </a:txBody>
-                  <a:tcPr marL="228600" marR="228600" marT="114300" marB="114300" anchor="ctr"/>
-                </a:tc>
-                <a:tc>
-                  <a:txBody>
-                    <a:bodyPr/>
-                    <a:lstStyle/>
-                    <a:p>
-                      <a:r>
-                        <a:rPr lang="en-IN" sz="1200">
-                          <a:effectLst/>
-                        </a:rPr>
-                        <a:t>Left to Right</a:t>
-                      </a:r>
-                    </a:p>
-                  </a:txBody>
-                  <a:tcPr marL="228600" marR="228600" marT="114300" marB="114300" anchor="ctr"/>
-                </a:tc>
-                <a:extLst>
-                  <a:ext uri="{0D108BD9-81ED-4DB2-BD59-A6C34878D82A}">
-                    <a16:rowId xmlns:a16="http://schemas.microsoft.com/office/drawing/2014/main" val="2302969545"/>
-                  </a:ext>
-                </a:extLst>
-              </a:tr>
-              <a:tr h="642839">
-                <a:tc>
-                  <a:txBody>
-                    <a:bodyPr/>
-                    <a:lstStyle/>
-                    <a:p>
-                      <a:r>
-                        <a:rPr lang="en-US" sz="1200">
-                          <a:effectLst/>
-                        </a:rPr>
-                        <a:t>Prefix Increment, Decrement and Unary</a:t>
-                      </a:r>
-                    </a:p>
-                  </a:txBody>
-                  <a:tcPr marL="228600" marR="228600" marT="114300" marB="114300" anchor="ctr"/>
-                </a:tc>
-                <a:tc>
-                  <a:txBody>
-                    <a:bodyPr/>
-                    <a:lstStyle/>
-                    <a:p>
-                      <a:r>
-                        <a:rPr lang="en-IN" sz="1200">
-                          <a:effectLst/>
-                        </a:rPr>
-                        <a:t>++, --, +, -, !, ~</a:t>
-                      </a:r>
-                    </a:p>
-                  </a:txBody>
-                  <a:tcPr marL="228600" marR="228600" marT="114300" marB="114300" anchor="ctr"/>
-                </a:tc>
-                <a:tc>
-                  <a:txBody>
-                    <a:bodyPr/>
-                    <a:lstStyle/>
-                    <a:p>
-                      <a:r>
-                        <a:rPr lang="en-IN" sz="1200">
-                          <a:effectLst/>
-                        </a:rPr>
-                        <a:t>Right to Left</a:t>
-                      </a:r>
-                    </a:p>
-                  </a:txBody>
-                  <a:tcPr marL="228600" marR="228600" marT="114300" marB="114300" anchor="ctr"/>
-                </a:tc>
-                <a:extLst>
-                  <a:ext uri="{0D108BD9-81ED-4DB2-BD59-A6C34878D82A}">
-                    <a16:rowId xmlns:a16="http://schemas.microsoft.com/office/drawing/2014/main" val="2846125952"/>
-                  </a:ext>
-                </a:extLst>
-              </a:tr>
-              <a:tr h="434047">
-                <a:tc>
-                  <a:txBody>
-                    <a:bodyPr/>
-                    <a:lstStyle/>
-                    <a:p>
-                      <a:r>
-                        <a:rPr lang="en-IN" sz="1200">
-                          <a:effectLst/>
-                        </a:rPr>
-                        <a:t>Multiplicative</a:t>
-                      </a:r>
-                    </a:p>
-                  </a:txBody>
-                  <a:tcPr marL="228600" marR="228600" marT="114300" marB="114300" anchor="ctr"/>
-                </a:tc>
-                <a:tc>
-                  <a:txBody>
-                    <a:bodyPr/>
-                    <a:lstStyle/>
-                    <a:p>
-                      <a:r>
-                        <a:rPr lang="en-IN" sz="1200">
-                          <a:effectLst/>
-                        </a:rPr>
-                        <a:t>*, /, %</a:t>
-                      </a:r>
-                    </a:p>
-                  </a:txBody>
-                  <a:tcPr marL="228600" marR="228600" marT="114300" marB="114300" anchor="ctr"/>
-                </a:tc>
-                <a:tc>
-                  <a:txBody>
-                    <a:bodyPr/>
-                    <a:lstStyle/>
-                    <a:p>
-                      <a:r>
-                        <a:rPr lang="en-IN" sz="1200">
-                          <a:effectLst/>
-                        </a:rPr>
-                        <a:t>Left to Right</a:t>
-                      </a:r>
-                    </a:p>
-                  </a:txBody>
-                  <a:tcPr marL="228600" marR="228600" marT="114300" marB="114300" anchor="ctr"/>
-                </a:tc>
-                <a:extLst>
-                  <a:ext uri="{0D108BD9-81ED-4DB2-BD59-A6C34878D82A}">
-                    <a16:rowId xmlns:a16="http://schemas.microsoft.com/office/drawing/2014/main" val="3425063800"/>
-                  </a:ext>
-                </a:extLst>
-              </a:tr>
-              <a:tr h="434047">
-                <a:tc>
-                  <a:txBody>
-                    <a:bodyPr/>
-                    <a:lstStyle/>
-                    <a:p>
-                      <a:r>
-                        <a:rPr lang="en-IN" sz="1200">
-                          <a:effectLst/>
-                        </a:rPr>
-                        <a:t>Additive</a:t>
-                      </a:r>
-                    </a:p>
-                  </a:txBody>
-                  <a:tcPr marL="228600" marR="228600" marT="114300" marB="114300" anchor="ctr"/>
-                </a:tc>
-                <a:tc>
-                  <a:txBody>
-                    <a:bodyPr/>
-                    <a:lstStyle/>
-                    <a:p>
-                      <a:r>
-                        <a:rPr lang="en-IN" sz="1200">
-                          <a:effectLst/>
-                        </a:rPr>
-                        <a:t>+, -</a:t>
-                      </a:r>
-                    </a:p>
-                  </a:txBody>
-                  <a:tcPr marL="228600" marR="228600" marT="114300" marB="114300" anchor="ctr"/>
-                </a:tc>
-                <a:tc>
-                  <a:txBody>
-                    <a:bodyPr/>
-                    <a:lstStyle/>
-                    <a:p>
-                      <a:r>
-                        <a:rPr lang="en-IN" sz="1200">
-                          <a:effectLst/>
-                        </a:rPr>
-                        <a:t>Left to Right</a:t>
-                      </a:r>
-                    </a:p>
-                  </a:txBody>
-                  <a:tcPr marL="228600" marR="228600" marT="114300" marB="114300" anchor="ctr"/>
-                </a:tc>
-                <a:extLst>
-                  <a:ext uri="{0D108BD9-81ED-4DB2-BD59-A6C34878D82A}">
-                    <a16:rowId xmlns:a16="http://schemas.microsoft.com/office/drawing/2014/main" val="115242187"/>
-                  </a:ext>
-                </a:extLst>
-              </a:tr>
-              <a:tr h="434047">
-                <a:tc>
-                  <a:txBody>
-                    <a:bodyPr/>
-                    <a:lstStyle/>
-                    <a:p>
-                      <a:r>
-                        <a:rPr lang="en-IN" sz="1200">
-                          <a:effectLst/>
-                        </a:rPr>
-                        <a:t>Shift</a:t>
-                      </a:r>
-                    </a:p>
-                  </a:txBody>
-                  <a:tcPr marL="228600" marR="228600" marT="114300" marB="114300" anchor="ctr"/>
-                </a:tc>
-                <a:tc>
-                  <a:txBody>
-                    <a:bodyPr/>
-                    <a:lstStyle/>
-                    <a:p>
-                      <a:r>
-                        <a:rPr lang="en-IN" sz="1200">
-                          <a:effectLst/>
-                        </a:rPr>
-                        <a:t>&lt;&lt;, &gt;&gt;</a:t>
-                      </a:r>
-                    </a:p>
-                  </a:txBody>
-                  <a:tcPr marL="228600" marR="228600" marT="114300" marB="114300" anchor="ctr"/>
-                </a:tc>
-                <a:tc>
-                  <a:txBody>
-                    <a:bodyPr/>
-                    <a:lstStyle/>
-                    <a:p>
-                      <a:r>
-                        <a:rPr lang="en-IN" sz="1200">
-                          <a:effectLst/>
-                        </a:rPr>
-                        <a:t>Left to Right</a:t>
-                      </a:r>
-                    </a:p>
-                  </a:txBody>
-                  <a:tcPr marL="228600" marR="228600" marT="114300" marB="114300" anchor="ctr"/>
-                </a:tc>
-                <a:extLst>
-                  <a:ext uri="{0D108BD9-81ED-4DB2-BD59-A6C34878D82A}">
-                    <a16:rowId xmlns:a16="http://schemas.microsoft.com/office/drawing/2014/main" val="1533252788"/>
-                  </a:ext>
-                </a:extLst>
-              </a:tr>
-              <a:tr h="434047">
-                <a:tc>
-                  <a:txBody>
-                    <a:bodyPr/>
-                    <a:lstStyle/>
-                    <a:p>
-                      <a:r>
-                        <a:rPr lang="en-IN" sz="1200">
-                          <a:effectLst/>
-                        </a:rPr>
-                        <a:t>Relational</a:t>
-                      </a:r>
-                    </a:p>
-                  </a:txBody>
-                  <a:tcPr marL="228600" marR="228600" marT="114300" marB="114300" anchor="ctr"/>
-                </a:tc>
-                <a:tc>
-                  <a:txBody>
-                    <a:bodyPr/>
-                    <a:lstStyle/>
-                    <a:p>
-                      <a:r>
-                        <a:rPr lang="en-IN" sz="1200">
-                          <a:effectLst/>
-                        </a:rPr>
-                        <a:t>&lt;, &lt;=, &gt;, &gt;=</a:t>
-                      </a:r>
-                    </a:p>
-                  </a:txBody>
-                  <a:tcPr marL="228600" marR="228600" marT="114300" marB="114300" anchor="ctr"/>
-                </a:tc>
-                <a:tc>
-                  <a:txBody>
-                    <a:bodyPr/>
-                    <a:lstStyle/>
-                    <a:p>
-                      <a:r>
-                        <a:rPr lang="en-IN" sz="1200">
-                          <a:effectLst/>
-                        </a:rPr>
-                        <a:t>Left to Right</a:t>
-                      </a:r>
-                    </a:p>
-                  </a:txBody>
-                  <a:tcPr marL="228600" marR="228600" marT="114300" marB="114300" anchor="ctr"/>
-                </a:tc>
-                <a:extLst>
-                  <a:ext uri="{0D108BD9-81ED-4DB2-BD59-A6C34878D82A}">
-                    <a16:rowId xmlns:a16="http://schemas.microsoft.com/office/drawing/2014/main" val="3514465756"/>
-                  </a:ext>
-                </a:extLst>
-              </a:tr>
-              <a:tr h="434047">
-                <a:tc>
-                  <a:txBody>
-                    <a:bodyPr/>
-                    <a:lstStyle/>
-                    <a:p>
-                      <a:r>
-                        <a:rPr lang="en-IN" sz="1200">
-                          <a:effectLst/>
-                        </a:rPr>
-                        <a:t>Equality</a:t>
-                      </a:r>
-                    </a:p>
-                  </a:txBody>
-                  <a:tcPr marL="228600" marR="228600" marT="114300" marB="114300" anchor="ctr"/>
-                </a:tc>
-                <a:tc>
-                  <a:txBody>
-                    <a:bodyPr/>
-                    <a:lstStyle/>
-                    <a:p>
-                      <a:r>
-                        <a:rPr lang="en-IN" sz="1200">
-                          <a:effectLst/>
-                        </a:rPr>
-                        <a:t>==, !=</a:t>
-                      </a:r>
-                    </a:p>
-                  </a:txBody>
-                  <a:tcPr marL="228600" marR="228600" marT="114300" marB="114300" anchor="ctr"/>
-                </a:tc>
-                <a:tc>
-                  <a:txBody>
-                    <a:bodyPr/>
-                    <a:lstStyle/>
-                    <a:p>
-                      <a:r>
-                        <a:rPr lang="en-IN" sz="1200">
-                          <a:effectLst/>
-                        </a:rPr>
-                        <a:t>Left to Right</a:t>
-                      </a:r>
-                    </a:p>
-                  </a:txBody>
-                  <a:tcPr marL="228600" marR="228600" marT="114300" marB="114300" anchor="ctr"/>
-                </a:tc>
-                <a:extLst>
-                  <a:ext uri="{0D108BD9-81ED-4DB2-BD59-A6C34878D82A}">
-                    <a16:rowId xmlns:a16="http://schemas.microsoft.com/office/drawing/2014/main" val="3099885182"/>
-                  </a:ext>
-                </a:extLst>
-              </a:tr>
-              <a:tr h="434047">
-                <a:tc>
-                  <a:txBody>
-                    <a:bodyPr/>
-                    <a:lstStyle/>
-                    <a:p>
-                      <a:r>
-                        <a:rPr lang="en-IN" sz="1200">
-                          <a:effectLst/>
-                        </a:rPr>
-                        <a:t>Bitwise AND</a:t>
-                      </a:r>
-                    </a:p>
-                  </a:txBody>
-                  <a:tcPr marL="228600" marR="228600" marT="114300" marB="114300" anchor="ctr"/>
-                </a:tc>
-                <a:tc>
-                  <a:txBody>
-                    <a:bodyPr/>
-                    <a:lstStyle/>
-                    <a:p>
-                      <a:r>
-                        <a:rPr lang="en-IN" sz="1200">
-                          <a:effectLst/>
-                        </a:rPr>
-                        <a:t>&amp;</a:t>
-                      </a:r>
-                    </a:p>
-                  </a:txBody>
-                  <a:tcPr marL="228600" marR="228600" marT="114300" marB="114300" anchor="ctr"/>
-                </a:tc>
-                <a:tc>
-                  <a:txBody>
-                    <a:bodyPr/>
-                    <a:lstStyle/>
-                    <a:p>
-                      <a:r>
-                        <a:rPr lang="en-IN" sz="1200">
-                          <a:effectLst/>
-                        </a:rPr>
-                        <a:t>Left to Right</a:t>
-                      </a:r>
-                    </a:p>
-                  </a:txBody>
-                  <a:tcPr marL="228600" marR="228600" marT="114300" marB="114300" anchor="ctr"/>
-                </a:tc>
-                <a:extLst>
-                  <a:ext uri="{0D108BD9-81ED-4DB2-BD59-A6C34878D82A}">
-                    <a16:rowId xmlns:a16="http://schemas.microsoft.com/office/drawing/2014/main" val="4185188087"/>
-                  </a:ext>
-                </a:extLst>
-              </a:tr>
-              <a:tr h="434047">
-                <a:tc>
-                  <a:txBody>
-                    <a:bodyPr/>
-                    <a:lstStyle/>
-                    <a:p>
-                      <a:r>
-                        <a:rPr lang="en-IN" sz="1200">
-                          <a:effectLst/>
-                        </a:rPr>
-                        <a:t>Bitwise XOR</a:t>
-                      </a:r>
-                    </a:p>
-                  </a:txBody>
-                  <a:tcPr marL="228600" marR="228600" marT="114300" marB="114300" anchor="ctr"/>
-                </a:tc>
-                <a:tc>
-                  <a:txBody>
-                    <a:bodyPr/>
-                    <a:lstStyle/>
-                    <a:p>
-                      <a:r>
-                        <a:rPr lang="en-IN" sz="1200">
-                          <a:effectLst/>
-                        </a:rPr>
-                        <a:t>^</a:t>
-                      </a:r>
-                    </a:p>
-                  </a:txBody>
-                  <a:tcPr marL="228600" marR="228600" marT="114300" marB="114300" anchor="ctr"/>
-                </a:tc>
-                <a:tc>
-                  <a:txBody>
-                    <a:bodyPr/>
-                    <a:lstStyle/>
-                    <a:p>
-                      <a:r>
-                        <a:rPr lang="en-IN" sz="1200">
-                          <a:effectLst/>
-                        </a:rPr>
-                        <a:t>Left to Right</a:t>
-                      </a:r>
-                    </a:p>
-                  </a:txBody>
-                  <a:tcPr marL="228600" marR="228600" marT="114300" marB="114300" anchor="ctr"/>
-                </a:tc>
-                <a:extLst>
-                  <a:ext uri="{0D108BD9-81ED-4DB2-BD59-A6C34878D82A}">
-                    <a16:rowId xmlns:a16="http://schemas.microsoft.com/office/drawing/2014/main" val="2890399885"/>
-                  </a:ext>
-                </a:extLst>
-              </a:tr>
-              <a:tr h="434047">
-                <a:tc>
-                  <a:txBody>
-                    <a:bodyPr/>
-                    <a:lstStyle/>
-                    <a:p>
-                      <a:r>
-                        <a:rPr lang="en-IN" sz="1200">
-                          <a:effectLst/>
-                        </a:rPr>
-                        <a:t>Bitwise OR</a:t>
-                      </a:r>
-                    </a:p>
-                  </a:txBody>
-                  <a:tcPr marL="228600" marR="228600" marT="114300" marB="114300" anchor="ctr"/>
-                </a:tc>
-                <a:tc>
-                  <a:txBody>
-                    <a:bodyPr/>
-                    <a:lstStyle/>
-                    <a:p>
-                      <a:r>
-                        <a:rPr lang="en-IN" sz="1200">
-                          <a:effectLst/>
-                        </a:rPr>
-                        <a:t>|</a:t>
-                      </a:r>
-                    </a:p>
-                  </a:txBody>
-                  <a:tcPr marL="228600" marR="228600" marT="114300" marB="114300" anchor="ctr"/>
-                </a:tc>
-                <a:tc>
-                  <a:txBody>
-                    <a:bodyPr/>
-                    <a:lstStyle/>
-                    <a:p>
-                      <a:r>
-                        <a:rPr lang="en-IN" sz="1200">
-                          <a:effectLst/>
-                        </a:rPr>
-                        <a:t>Left to Right</a:t>
-                      </a:r>
-                    </a:p>
-                  </a:txBody>
-                  <a:tcPr marL="228600" marR="228600" marT="114300" marB="114300" anchor="ctr"/>
-                </a:tc>
-                <a:extLst>
-                  <a:ext uri="{0D108BD9-81ED-4DB2-BD59-A6C34878D82A}">
-                    <a16:rowId xmlns:a16="http://schemas.microsoft.com/office/drawing/2014/main" val="3225767326"/>
-                  </a:ext>
-                </a:extLst>
-              </a:tr>
-              <a:tr h="434047">
-                <a:tc>
-                  <a:txBody>
-                    <a:bodyPr/>
-                    <a:lstStyle/>
-                    <a:p>
-                      <a:r>
-                        <a:rPr lang="en-IN" sz="1200">
-                          <a:effectLst/>
-                        </a:rPr>
-                        <a:t>Logical AND</a:t>
-                      </a:r>
-                    </a:p>
-                  </a:txBody>
-                  <a:tcPr marL="228600" marR="228600" marT="114300" marB="114300" anchor="ctr"/>
-                </a:tc>
-                <a:tc>
-                  <a:txBody>
-                    <a:bodyPr/>
-                    <a:lstStyle/>
-                    <a:p>
-                      <a:r>
-                        <a:rPr lang="en-IN" sz="1200">
-                          <a:effectLst/>
-                        </a:rPr>
-                        <a:t>&amp;&amp;</a:t>
-                      </a:r>
-                    </a:p>
-                  </a:txBody>
-                  <a:tcPr marL="228600" marR="228600" marT="114300" marB="114300" anchor="ctr"/>
-                </a:tc>
-                <a:tc>
-                  <a:txBody>
-                    <a:bodyPr/>
-                    <a:lstStyle/>
-                    <a:p>
-                      <a:r>
-                        <a:rPr lang="en-IN" sz="1200">
-                          <a:effectLst/>
-                        </a:rPr>
-                        <a:t>Left to Right</a:t>
-                      </a:r>
-                    </a:p>
-                  </a:txBody>
-                  <a:tcPr marL="228600" marR="228600" marT="114300" marB="114300" anchor="ctr"/>
-                </a:tc>
-                <a:extLst>
-                  <a:ext uri="{0D108BD9-81ED-4DB2-BD59-A6C34878D82A}">
-                    <a16:rowId xmlns:a16="http://schemas.microsoft.com/office/drawing/2014/main" val="3294234667"/>
-                  </a:ext>
-                </a:extLst>
-              </a:tr>
-              <a:tr h="434047">
-                <a:tc>
-                  <a:txBody>
-                    <a:bodyPr/>
-                    <a:lstStyle/>
-                    <a:p>
-                      <a:r>
-                        <a:rPr lang="en-IN" sz="1200">
-                          <a:effectLst/>
-                        </a:rPr>
-                        <a:t>Logical OR</a:t>
-                      </a:r>
-                    </a:p>
-                  </a:txBody>
-                  <a:tcPr marL="228600" marR="228600" marT="114300" marB="114300" anchor="ctr"/>
-                </a:tc>
-                <a:tc>
-                  <a:txBody>
-                    <a:bodyPr/>
-                    <a:lstStyle/>
-                    <a:p>
-                      <a:r>
-                        <a:rPr lang="en-IN" sz="1200">
-                          <a:effectLst/>
-                        </a:rPr>
-                        <a:t>||</a:t>
-                      </a:r>
-                    </a:p>
-                  </a:txBody>
-                  <a:tcPr marL="228600" marR="228600" marT="114300" marB="114300" anchor="ctr"/>
-                </a:tc>
-                <a:tc>
-                  <a:txBody>
-                    <a:bodyPr/>
-                    <a:lstStyle/>
-                    <a:p>
-                      <a:r>
-                        <a:rPr lang="en-IN" sz="1200">
-                          <a:effectLst/>
-                        </a:rPr>
-                        <a:t>Left to Right</a:t>
-                      </a:r>
-                    </a:p>
-                  </a:txBody>
-                  <a:tcPr marL="228600" marR="228600" marT="114300" marB="114300" anchor="ctr"/>
-                </a:tc>
-                <a:extLst>
-                  <a:ext uri="{0D108BD9-81ED-4DB2-BD59-A6C34878D82A}">
-                    <a16:rowId xmlns:a16="http://schemas.microsoft.com/office/drawing/2014/main" val="759343808"/>
-                  </a:ext>
-                </a:extLst>
-              </a:tr>
-              <a:tr h="434047">
-                <a:tc>
-                  <a:txBody>
-                    <a:bodyPr/>
-                    <a:lstStyle/>
-                    <a:p>
-                      <a:r>
-                        <a:rPr lang="en-IN" sz="1200">
-                          <a:effectLst/>
-                        </a:rPr>
-                        <a:t>Ternary</a:t>
-                      </a:r>
-                    </a:p>
-                  </a:txBody>
-                  <a:tcPr marL="228600" marR="228600" marT="114300" marB="114300" anchor="ctr"/>
-                </a:tc>
-                <a:tc>
-                  <a:txBody>
-                    <a:bodyPr/>
-                    <a:lstStyle/>
-                    <a:p>
-                      <a:r>
-                        <a:rPr lang="en-IN" sz="1200">
-                          <a:effectLst/>
-                        </a:rPr>
-                        <a:t>? :</a:t>
-                      </a:r>
-                    </a:p>
-                  </a:txBody>
-                  <a:tcPr marL="228600" marR="228600" marT="114300" marB="114300" anchor="ctr"/>
-                </a:tc>
-                <a:tc>
-                  <a:txBody>
-                    <a:bodyPr/>
-                    <a:lstStyle/>
-                    <a:p>
-                      <a:r>
-                        <a:rPr lang="en-IN" sz="1200">
-                          <a:effectLst/>
-                        </a:rPr>
-                        <a:t>Right to Left</a:t>
-                      </a:r>
-                    </a:p>
-                  </a:txBody>
-                  <a:tcPr marL="228600" marR="228600" marT="114300" marB="114300" anchor="ctr"/>
-                </a:tc>
-                <a:extLst>
-                  <a:ext uri="{0D108BD9-81ED-4DB2-BD59-A6C34878D82A}">
-                    <a16:rowId xmlns:a16="http://schemas.microsoft.com/office/drawing/2014/main" val="2112687870"/>
-                  </a:ext>
-                </a:extLst>
-              </a:tr>
-              <a:tr h="642839">
-                <a:tc>
-                  <a:txBody>
-                    <a:bodyPr/>
-                    <a:lstStyle/>
-                    <a:p>
-                      <a:r>
-                        <a:rPr lang="en-IN" sz="1200">
-                          <a:effectLst/>
-                        </a:rPr>
-                        <a:t>Assignment</a:t>
-                      </a:r>
-                    </a:p>
-                  </a:txBody>
-                  <a:tcPr marL="228600" marR="228600" marT="114300" marB="114300" anchor="ctr"/>
-                </a:tc>
-                <a:tc>
-                  <a:txBody>
-                    <a:bodyPr/>
-                    <a:lstStyle/>
-                    <a:p>
-                      <a:r>
-                        <a:rPr lang="en-IN" sz="1200">
-                          <a:effectLst/>
-                        </a:rPr>
-                        <a:t>=, +=, -=, *=, /=, %=, &amp;=, |=, ^=, &lt;&lt;=, &gt;&gt;=</a:t>
-                      </a:r>
-                    </a:p>
-                  </a:txBody>
-                  <a:tcPr marL="228600" marR="228600" marT="114300" marB="114300" anchor="ctr"/>
-                </a:tc>
-                <a:tc>
-                  <a:txBody>
-                    <a:bodyPr/>
-                    <a:lstStyle/>
-                    <a:p>
-                      <a:r>
-                        <a:rPr lang="en-IN" sz="1200" dirty="0">
-                          <a:effectLst/>
-                        </a:rPr>
-                        <a:t>Right to Left</a:t>
-                      </a:r>
-                    </a:p>
-                  </a:txBody>
-                  <a:tcPr marL="228600" marR="228600" marT="114300" marB="114300" anchor="ctr"/>
-                </a:tc>
-                <a:extLst>
-                  <a:ext uri="{0D108BD9-81ED-4DB2-BD59-A6C34878D82A}">
-                    <a16:rowId xmlns:a16="http://schemas.microsoft.com/office/drawing/2014/main" val="1011220778"/>
-                  </a:ext>
-                </a:extLst>
-              </a:tr>
-            </a:tbl>
-          </a:graphicData>
-        </a:graphic>
-      </p:graphicFrame>
+        </p:nvSpPr>
+        <p:spPr/>
+        <p:txBody>
+          <a:bodyPr/>
+          <a:lstStyle/>
+          <a:p>
+            <a:r>
+              <a:rPr lang="en-US" dirty="0" smtClean="0"/>
+              <a:t>If  </a:t>
+            </a:r>
+          </a:p>
+          <a:p>
+            <a:r>
+              <a:rPr lang="en-US" dirty="0" smtClean="0"/>
+              <a:t>If-else</a:t>
+            </a:r>
+          </a:p>
+          <a:p>
+            <a:r>
+              <a:rPr lang="en-US" dirty="0" smtClean="0"/>
+              <a:t>Nested if</a:t>
+            </a:r>
+          </a:p>
+          <a:p>
+            <a:r>
+              <a:rPr lang="en-US" dirty="0" smtClean="0"/>
+              <a:t>If- </a:t>
+            </a:r>
+            <a:r>
+              <a:rPr lang="en-US" dirty="0" err="1" smtClean="0"/>
+              <a:t>elseif</a:t>
+            </a:r>
+            <a:endParaRPr lang="en-US" dirty="0" smtClean="0"/>
+          </a:p>
+          <a:p>
+            <a:r>
+              <a:rPr lang="en-US" dirty="0" smtClean="0"/>
+              <a:t>switch</a:t>
+            </a:r>
+            <a:endParaRPr lang="en-IN" dirty="0"/>
+          </a:p>
+        </p:txBody>
+      </p:sp>
     </p:spTree>
     <p:extLst>
       <p:ext uri="{BB962C8B-B14F-4D97-AF65-F5344CB8AC3E}">
-        <p14:creationId xmlns:p14="http://schemas.microsoft.com/office/powerpoint/2010/main" val="3662244686"/>
+        <p14:creationId xmlns:p14="http://schemas.microsoft.com/office/powerpoint/2010/main" val="3671165444"/>
+      </p:ext>
+    </p:extLst>
+  </p:cSld>
+  <p:clrMapOvr>
+    <a:masterClrMapping/>
+  </p:clrMapOvr>
+</p:sld>
+</file>
+
+<file path=ppt/slides/slide31.xml><?xml version="1.0" encoding="utf-8"?>
+<p:sld xmlns:a="http://schemas.openxmlformats.org/drawingml/2006/main" xmlns:r="http://schemas.openxmlformats.org/officeDocument/2006/relationships" xmlns:p="http://schemas.openxmlformats.org/presentationml/2006/main">
+  <p:cSld>
+    <p:spTree>
+      <p:nvGrpSpPr>
+        <p:cNvPr id="1" name=""/>
+        <p:cNvGrpSpPr/>
+        <p:nvPr/>
+      </p:nvGrpSpPr>
+      <p:grpSpPr>
+        <a:xfrm>
+          <a:off x="0" y="0"/>
+          <a:ext cx="0" cy="0"/>
+          <a:chOff x="0" y="0"/>
+          <a:chExt cx="0" cy="0"/>
+        </a:xfrm>
+      </p:grpSpPr>
+      <p:sp>
+        <p:nvSpPr>
+          <p:cNvPr id="3" name="Content Placeholder 2"/>
+          <p:cNvSpPr>
+            <a:spLocks noGrp="1"/>
+          </p:cNvSpPr>
+          <p:nvPr>
+            <p:ph idx="1"/>
+          </p:nvPr>
+        </p:nvSpPr>
+        <p:spPr>
+          <a:xfrm>
+            <a:off x="401781" y="415636"/>
+            <a:ext cx="11471563" cy="6096000"/>
+          </a:xfrm>
+        </p:spPr>
+        <p:txBody>
+          <a:bodyPr/>
+          <a:lstStyle/>
+          <a:p>
+            <a:pPr marL="0" indent="0">
+              <a:buNone/>
+            </a:pPr>
+            <a:endParaRPr lang="en-IN" dirty="0"/>
+          </a:p>
+        </p:txBody>
+      </p:sp>
+      <p:pic>
+        <p:nvPicPr>
+          <p:cNvPr id="1026" name="Picture 2" descr="C if else statement - javatpoint"/>
+          <p:cNvPicPr>
+            <a:picLocks noChangeAspect="1" noChangeArrowheads="1"/>
+          </p:cNvPicPr>
+          <p:nvPr/>
+        </p:nvPicPr>
+        <p:blipFill>
+          <a:blip r:embed="rId2">
+            <a:extLst>
+              <a:ext uri="{28A0092B-C50C-407E-A947-70E740481C1C}">
+                <a14:useLocalDpi xmlns:a14="http://schemas.microsoft.com/office/drawing/2010/main" val="0"/>
+              </a:ext>
+            </a:extLst>
+          </a:blip>
+          <a:srcRect/>
+          <a:stretch>
+            <a:fillRect/>
+          </a:stretch>
+        </p:blipFill>
+        <p:spPr bwMode="auto">
+          <a:xfrm>
+            <a:off x="4042062" y="1160318"/>
+            <a:ext cx="4191000" cy="5000625"/>
+          </a:xfrm>
+          <a:prstGeom prst="rect">
+            <a:avLst/>
+          </a:prstGeom>
+          <a:noFill/>
+          <a:extLst>
+            <a:ext uri="{909E8E84-426E-40DD-AFC4-6F175D3DCCD1}">
+              <a14:hiddenFill xmlns:a14="http://schemas.microsoft.com/office/drawing/2010/main">
+                <a:solidFill>
+                  <a:srgbClr val="FFFFFF"/>
+                </a:solidFill>
+              </a14:hiddenFill>
+            </a:ext>
+          </a:extLst>
+        </p:spPr>
+      </p:pic>
+    </p:spTree>
+    <p:extLst>
+      <p:ext uri="{BB962C8B-B14F-4D97-AF65-F5344CB8AC3E}">
+        <p14:creationId xmlns:p14="http://schemas.microsoft.com/office/powerpoint/2010/main" val="2651504174"/>
+      </p:ext>
+    </p:extLst>
+  </p:cSld>
+  <p:clrMapOvr>
+    <a:masterClrMapping/>
+  </p:clrMapOvr>
+</p:sld>
+</file>
+
+<file path=ppt/slides/slide32.xml><?xml version="1.0" encoding="utf-8"?>
+<p:sld xmlns:a="http://schemas.openxmlformats.org/drawingml/2006/main" xmlns:r="http://schemas.openxmlformats.org/officeDocument/2006/relationships" xmlns:p="http://schemas.openxmlformats.org/presentationml/2006/main">
+  <p:cSld>
+    <p:spTree>
+      <p:nvGrpSpPr>
+        <p:cNvPr id="1" name=""/>
+        <p:cNvGrpSpPr/>
+        <p:nvPr/>
+      </p:nvGrpSpPr>
+      <p:grpSpPr>
+        <a:xfrm>
+          <a:off x="0" y="0"/>
+          <a:ext cx="0" cy="0"/>
+          <a:chOff x="0" y="0"/>
+          <a:chExt cx="0" cy="0"/>
+        </a:xfrm>
+      </p:grpSpPr>
+      <p:pic>
+        <p:nvPicPr>
+          <p:cNvPr id="2050" name="Picture 2" descr="Nested if-else Statement with Examples"/>
+          <p:cNvPicPr>
+            <a:picLocks noGrp="1" noChangeAspect="1" noChangeArrowheads="1"/>
+          </p:cNvPicPr>
+          <p:nvPr>
+            <p:ph idx="1"/>
+          </p:nvPr>
+        </p:nvPicPr>
+        <p:blipFill>
+          <a:blip r:embed="rId2">
+            <a:extLst>
+              <a:ext uri="{28A0092B-C50C-407E-A947-70E740481C1C}">
+                <a14:useLocalDpi xmlns:a14="http://schemas.microsoft.com/office/drawing/2010/main" val="0"/>
+              </a:ext>
+            </a:extLst>
+          </a:blip>
+          <a:srcRect/>
+          <a:stretch>
+            <a:fillRect/>
+          </a:stretch>
+        </p:blipFill>
+        <p:spPr bwMode="auto">
+          <a:xfrm>
+            <a:off x="2109121" y="1717964"/>
+            <a:ext cx="7561352" cy="4330469"/>
+          </a:xfrm>
+          <a:prstGeom prst="rect">
+            <a:avLst/>
+          </a:prstGeom>
+          <a:noFill/>
+          <a:extLst>
+            <a:ext uri="{909E8E84-426E-40DD-AFC4-6F175D3DCCD1}">
+              <a14:hiddenFill xmlns:a14="http://schemas.microsoft.com/office/drawing/2010/main">
+                <a:solidFill>
+                  <a:srgbClr val="FFFFFF"/>
+                </a:solidFill>
+              </a14:hiddenFill>
+            </a:ext>
+          </a:extLst>
+        </p:spPr>
+      </p:pic>
+    </p:spTree>
+    <p:extLst>
+      <p:ext uri="{BB962C8B-B14F-4D97-AF65-F5344CB8AC3E}">
+        <p14:creationId xmlns:p14="http://schemas.microsoft.com/office/powerpoint/2010/main" val="2317684836"/>
+      </p:ext>
+    </p:extLst>
+  </p:cSld>
+  <p:clrMapOvr>
+    <a:masterClrMapping/>
+  </p:clrMapOvr>
+</p:sld>
+</file>
+
+<file path=ppt/slides/slide33.xml><?xml version="1.0" encoding="utf-8"?>
+<p:sld xmlns:a="http://schemas.openxmlformats.org/drawingml/2006/main" xmlns:r="http://schemas.openxmlformats.org/officeDocument/2006/relationships" xmlns:p="http://schemas.openxmlformats.org/presentationml/2006/main">
+  <p:cSld>
+    <p:spTree>
+      <p:nvGrpSpPr>
+        <p:cNvPr id="1" name=""/>
+        <p:cNvGrpSpPr/>
+        <p:nvPr/>
+      </p:nvGrpSpPr>
+      <p:grpSpPr>
+        <a:xfrm>
+          <a:off x="0" y="0"/>
+          <a:ext cx="0" cy="0"/>
+          <a:chOff x="0" y="0"/>
+          <a:chExt cx="0" cy="0"/>
+        </a:xfrm>
+      </p:grpSpPr>
+      <p:sp>
+        <p:nvSpPr>
+          <p:cNvPr id="3" name="Content Placeholder 2"/>
+          <p:cNvSpPr>
+            <a:spLocks noGrp="1"/>
+          </p:cNvSpPr>
+          <p:nvPr>
+            <p:ph idx="1"/>
+          </p:nvPr>
+        </p:nvSpPr>
+        <p:spPr>
+          <a:xfrm>
+            <a:off x="526473" y="554182"/>
+            <a:ext cx="10827327" cy="5622781"/>
+          </a:xfrm>
+        </p:spPr>
+        <p:txBody>
+          <a:bodyPr/>
+          <a:lstStyle/>
+          <a:p>
+            <a:pPr marL="0" indent="0">
+              <a:buNone/>
+            </a:pPr>
+            <a:endParaRPr lang="en-IN" dirty="0"/>
+          </a:p>
+        </p:txBody>
+      </p:sp>
+      <p:pic>
+        <p:nvPicPr>
+          <p:cNvPr id="3074" name="Picture 2" descr="IF-ELSE-IF structure"/>
+          <p:cNvPicPr>
+            <a:picLocks noChangeAspect="1" noChangeArrowheads="1"/>
+          </p:cNvPicPr>
+          <p:nvPr/>
+        </p:nvPicPr>
+        <p:blipFill>
+          <a:blip r:embed="rId2">
+            <a:extLst>
+              <a:ext uri="{28A0092B-C50C-407E-A947-70E740481C1C}">
+                <a14:useLocalDpi xmlns:a14="http://schemas.microsoft.com/office/drawing/2010/main" val="0"/>
+              </a:ext>
+            </a:extLst>
+          </a:blip>
+          <a:srcRect/>
+          <a:stretch>
+            <a:fillRect/>
+          </a:stretch>
+        </p:blipFill>
+        <p:spPr bwMode="auto">
+          <a:xfrm>
+            <a:off x="1579418" y="988641"/>
+            <a:ext cx="8492836" cy="5042623"/>
+          </a:xfrm>
+          <a:prstGeom prst="rect">
+            <a:avLst/>
+          </a:prstGeom>
+          <a:noFill/>
+          <a:extLst>
+            <a:ext uri="{909E8E84-426E-40DD-AFC4-6F175D3DCCD1}">
+              <a14:hiddenFill xmlns:a14="http://schemas.microsoft.com/office/drawing/2010/main">
+                <a:solidFill>
+                  <a:srgbClr val="FFFFFF"/>
+                </a:solidFill>
+              </a14:hiddenFill>
+            </a:ext>
+          </a:extLst>
+        </p:spPr>
+      </p:pic>
+    </p:spTree>
+    <p:extLst>
+      <p:ext uri="{BB962C8B-B14F-4D97-AF65-F5344CB8AC3E}">
+        <p14:creationId xmlns:p14="http://schemas.microsoft.com/office/powerpoint/2010/main" val="2604738674"/>
+      </p:ext>
+    </p:extLst>
+  </p:cSld>
+  <p:clrMapOvr>
+    <a:masterClrMapping/>
+  </p:clrMapOvr>
+</p:sld>
+</file>
+
+<file path=ppt/slides/slide34.xml><?xml version="1.0" encoding="utf-8"?>
+<p:sld xmlns:a="http://schemas.openxmlformats.org/drawingml/2006/main" xmlns:r="http://schemas.openxmlformats.org/officeDocument/2006/relationships" xmlns:p="http://schemas.openxmlformats.org/presentationml/2006/main">
+  <p:cSld>
+    <p:spTree>
+      <p:nvGrpSpPr>
+        <p:cNvPr id="1" name=""/>
+        <p:cNvGrpSpPr/>
+        <p:nvPr/>
+      </p:nvGrpSpPr>
+      <p:grpSpPr>
+        <a:xfrm>
+          <a:off x="0" y="0"/>
+          <a:ext cx="0" cy="0"/>
+          <a:chOff x="0" y="0"/>
+          <a:chExt cx="0" cy="0"/>
+        </a:xfrm>
+      </p:grpSpPr>
+      <p:pic>
+        <p:nvPicPr>
+          <p:cNvPr id="4098" name="Picture 2" descr="What is the algorithm for switch statement in c? - Quora"/>
+          <p:cNvPicPr>
+            <a:picLocks noGrp="1" noChangeAspect="1" noChangeArrowheads="1"/>
+          </p:cNvPicPr>
+          <p:nvPr>
+            <p:ph idx="1"/>
+          </p:nvPr>
+        </p:nvPicPr>
+        <p:blipFill>
+          <a:blip r:embed="rId2">
+            <a:extLst>
+              <a:ext uri="{28A0092B-C50C-407E-A947-70E740481C1C}">
+                <a14:useLocalDpi xmlns:a14="http://schemas.microsoft.com/office/drawing/2010/main" val="0"/>
+              </a:ext>
+            </a:extLst>
+          </a:blip>
+          <a:srcRect/>
+          <a:stretch>
+            <a:fillRect/>
+          </a:stretch>
+        </p:blipFill>
+        <p:spPr bwMode="auto">
+          <a:xfrm>
+            <a:off x="3546764" y="473862"/>
+            <a:ext cx="4488872" cy="6211347"/>
+          </a:xfrm>
+          <a:prstGeom prst="rect">
+            <a:avLst/>
+          </a:prstGeom>
+          <a:noFill/>
+          <a:extLst>
+            <a:ext uri="{909E8E84-426E-40DD-AFC4-6F175D3DCCD1}">
+              <a14:hiddenFill xmlns:a14="http://schemas.microsoft.com/office/drawing/2010/main">
+                <a:solidFill>
+                  <a:srgbClr val="FFFFFF"/>
+                </a:solidFill>
+              </a14:hiddenFill>
+            </a:ext>
+          </a:extLst>
+        </p:spPr>
+      </p:pic>
+    </p:spTree>
+    <p:extLst>
+      <p:ext uri="{BB962C8B-B14F-4D97-AF65-F5344CB8AC3E}">
+        <p14:creationId xmlns:p14="http://schemas.microsoft.com/office/powerpoint/2010/main" val="2036722959"/>
       </p:ext>
     </p:extLst>
   </p:cSld>
@@ -28769,15 +29173,12 @@
           <a:p>
             <a:r>
               <a:rPr lang="en-US" dirty="0" smtClean="0"/>
-              <a:t>Structured Programming language</a:t>
+              <a:t>Structured Programming </a:t>
             </a:r>
-          </a:p>
-          <a:p>
             <a:r>
               <a:rPr lang="en-US" dirty="0" smtClean="0"/>
-              <a:t>Component oriented</a:t>
+              <a:t>language</a:t>
             </a:r>
-            <a:endParaRPr lang="en-US" dirty="0"/>
           </a:p>
           <a:p>
             <a:r>
@@ -28787,11 +29188,14 @@
               <a:t>Fast </a:t>
             </a:r>
             <a:r>
-              <a:rPr lang="en-IN" b="1" dirty="0">
+              <a:rPr lang="en-IN" b="1" dirty="0" smtClean="0">
                 <a:latin typeface="+mj-lt"/>
               </a:rPr>
-              <a:t>Speed:</a:t>
+              <a:t>Speed</a:t>
             </a:r>
+            <a:endParaRPr lang="en-IN" b="1" dirty="0">
+              <a:latin typeface="+mj-lt"/>
+            </a:endParaRPr>
           </a:p>
           <a:p>
             <a:endParaRPr lang="en-IN" dirty="0"/>
@@ -28919,21 +29323,11 @@
             </a:r>
             <a:r>
               <a:rPr lang="en-US" dirty="0"/>
-              <a:t> values are pure true or false values in C# so no more errors of "="operator and "=="operator.</a:t>
-            </a:r>
-          </a:p>
-          <a:p>
-            <a:pPr marL="514350" indent="-514350">
-              <a:buFont typeface="+mj-lt"/>
-              <a:buAutoNum type="arabicPeriod"/>
-            </a:pPr>
-            <a:r>
-              <a:rPr lang="en-US" dirty="0"/>
-              <a:t>"==" is used for comparison operation and "=" is used for assignment operation</a:t>
+              <a:t> values are pure true or false values in C# so no more errors of "="operator and "=="</a:t>
             </a:r>
             <a:r>
               <a:rPr lang="en-US" dirty="0" smtClean="0"/>
-              <a:t>.</a:t>
+              <a:t>operator.</a:t>
             </a:r>
           </a:p>
           <a:p>
@@ -28943,7 +29337,11 @@
             </a:pPr>
             <a:r>
               <a:rPr lang="en-US" dirty="0" smtClean="0"/>
-              <a:t>It will easy to learn</a:t>
+              <a:t>It </a:t>
+            </a:r>
+            <a:r>
+              <a:rPr lang="en-US" dirty="0" smtClean="0"/>
+              <a:t>will easy to learn</a:t>
             </a:r>
           </a:p>
           <a:p>

--- a/c#.pptx
+++ b/c#.pptx
@@ -39,6 +39,13 @@
     <p:sldId id="288" r:id="rId33"/>
     <p:sldId id="289" r:id="rId34"/>
     <p:sldId id="290" r:id="rId35"/>
+    <p:sldId id="291" r:id="rId36"/>
+    <p:sldId id="292" r:id="rId37"/>
+    <p:sldId id="293" r:id="rId38"/>
+    <p:sldId id="294" r:id="rId39"/>
+    <p:sldId id="295" r:id="rId40"/>
+    <p:sldId id="296" r:id="rId41"/>
+    <p:sldId id="297" r:id="rId42"/>
   </p:sldIdLst>
   <p:sldSz cx="12192000" cy="6858000"/>
   <p:notesSz cx="6858000" cy="9144000"/>
@@ -276,7 +283,7 @@
           <a:p>
             <a:fld id="{ABBC72FD-B666-4EBF-B98B-3751CD43E481}" type="datetimeFigureOut">
               <a:rPr lang="en-IN" smtClean="0"/>
-              <a:t>17-05-2021</a:t>
+              <a:t>19-05-2021</a:t>
             </a:fld>
             <a:endParaRPr lang="en-IN"/>
           </a:p>
@@ -446,7 +453,7 @@
           <a:p>
             <a:fld id="{ABBC72FD-B666-4EBF-B98B-3751CD43E481}" type="datetimeFigureOut">
               <a:rPr lang="en-IN" smtClean="0"/>
-              <a:t>17-05-2021</a:t>
+              <a:t>19-05-2021</a:t>
             </a:fld>
             <a:endParaRPr lang="en-IN"/>
           </a:p>
@@ -626,7 +633,7 @@
           <a:p>
             <a:fld id="{ABBC72FD-B666-4EBF-B98B-3751CD43E481}" type="datetimeFigureOut">
               <a:rPr lang="en-IN" smtClean="0"/>
-              <a:t>17-05-2021</a:t>
+              <a:t>19-05-2021</a:t>
             </a:fld>
             <a:endParaRPr lang="en-IN"/>
           </a:p>
@@ -796,7 +803,7 @@
           <a:p>
             <a:fld id="{ABBC72FD-B666-4EBF-B98B-3751CD43E481}" type="datetimeFigureOut">
               <a:rPr lang="en-IN" smtClean="0"/>
-              <a:t>17-05-2021</a:t>
+              <a:t>19-05-2021</a:t>
             </a:fld>
             <a:endParaRPr lang="en-IN"/>
           </a:p>
@@ -1042,7 +1049,7 @@
           <a:p>
             <a:fld id="{ABBC72FD-B666-4EBF-B98B-3751CD43E481}" type="datetimeFigureOut">
               <a:rPr lang="en-IN" smtClean="0"/>
-              <a:t>17-05-2021</a:t>
+              <a:t>19-05-2021</a:t>
             </a:fld>
             <a:endParaRPr lang="en-IN"/>
           </a:p>
@@ -1274,7 +1281,7 @@
           <a:p>
             <a:fld id="{ABBC72FD-B666-4EBF-B98B-3751CD43E481}" type="datetimeFigureOut">
               <a:rPr lang="en-IN" smtClean="0"/>
-              <a:t>17-05-2021</a:t>
+              <a:t>19-05-2021</a:t>
             </a:fld>
             <a:endParaRPr lang="en-IN"/>
           </a:p>
@@ -1641,7 +1648,7 @@
           <a:p>
             <a:fld id="{ABBC72FD-B666-4EBF-B98B-3751CD43E481}" type="datetimeFigureOut">
               <a:rPr lang="en-IN" smtClean="0"/>
-              <a:t>17-05-2021</a:t>
+              <a:t>19-05-2021</a:t>
             </a:fld>
             <a:endParaRPr lang="en-IN"/>
           </a:p>
@@ -1759,7 +1766,7 @@
           <a:p>
             <a:fld id="{ABBC72FD-B666-4EBF-B98B-3751CD43E481}" type="datetimeFigureOut">
               <a:rPr lang="en-IN" smtClean="0"/>
-              <a:t>17-05-2021</a:t>
+              <a:t>19-05-2021</a:t>
             </a:fld>
             <a:endParaRPr lang="en-IN"/>
           </a:p>
@@ -1854,7 +1861,7 @@
           <a:p>
             <a:fld id="{ABBC72FD-B666-4EBF-B98B-3751CD43E481}" type="datetimeFigureOut">
               <a:rPr lang="en-IN" smtClean="0"/>
-              <a:t>17-05-2021</a:t>
+              <a:t>19-05-2021</a:t>
             </a:fld>
             <a:endParaRPr lang="en-IN"/>
           </a:p>
@@ -2131,7 +2138,7 @@
           <a:p>
             <a:fld id="{ABBC72FD-B666-4EBF-B98B-3751CD43E481}" type="datetimeFigureOut">
               <a:rPr lang="en-IN" smtClean="0"/>
-              <a:t>17-05-2021</a:t>
+              <a:t>19-05-2021</a:t>
             </a:fld>
             <a:endParaRPr lang="en-IN"/>
           </a:p>
@@ -2384,7 +2391,7 @@
           <a:p>
             <a:fld id="{ABBC72FD-B666-4EBF-B98B-3751CD43E481}" type="datetimeFigureOut">
               <a:rPr lang="en-IN" smtClean="0"/>
-              <a:t>17-05-2021</a:t>
+              <a:t>19-05-2021</a:t>
             </a:fld>
             <a:endParaRPr lang="en-IN"/>
           </a:p>
@@ -2597,7 +2604,7 @@
           <a:p>
             <a:fld id="{ABBC72FD-B666-4EBF-B98B-3751CD43E481}" type="datetimeFigureOut">
               <a:rPr lang="en-IN" smtClean="0"/>
-              <a:t>17-05-2021</a:t>
+              <a:t>19-05-2021</a:t>
             </a:fld>
             <a:endParaRPr lang="en-IN"/>
           </a:p>
@@ -14403,15 +14410,7 @@
                   <a:srgbClr val="FF0000"/>
                 </a:solidFill>
               </a:rPr>
-              <a:t>C.W</a:t>
-            </a:r>
-            <a:r>
-              <a:rPr lang="en-US" dirty="0" smtClean="0">
-                <a:solidFill>
-                  <a:srgbClr val="FF0000"/>
-                </a:solidFill>
-              </a:rPr>
-              <a:t>("{</a:t>
+              <a:t>C.W("{</a:t>
             </a:r>
             <a:r>
               <a:rPr lang="en-US" dirty="0">
@@ -14451,15 +14450,7 @@
                   <a:srgbClr val="FF0000"/>
                 </a:solidFill>
               </a:rPr>
-              <a:t>); </a:t>
-            </a:r>
-            <a:r>
-              <a:rPr lang="en-US" dirty="0" smtClean="0">
-                <a:solidFill>
-                  <a:srgbClr val="FF0000"/>
-                </a:solidFill>
-              </a:rPr>
-              <a:t>//output : </a:t>
+              <a:t>); //output : </a:t>
             </a:r>
             <a:r>
               <a:rPr lang="en-US" altLang="en-US" dirty="0" smtClean="0">
@@ -29061,8 +29052,8 @@
         </p:blipFill>
         <p:spPr bwMode="auto">
           <a:xfrm>
-            <a:off x="3546764" y="473862"/>
-            <a:ext cx="4488872" cy="6211347"/>
+            <a:off x="2812473" y="418444"/>
+            <a:ext cx="5818909" cy="6211347"/>
           </a:xfrm>
           <a:prstGeom prst="rect">
             <a:avLst/>
@@ -29083,6 +29074,600 @@
     <p:extLst>
       <p:ext uri="{BB962C8B-B14F-4D97-AF65-F5344CB8AC3E}">
         <p14:creationId xmlns:p14="http://schemas.microsoft.com/office/powerpoint/2010/main" val="2036722959"/>
+      </p:ext>
+    </p:extLst>
+  </p:cSld>
+  <p:clrMapOvr>
+    <a:masterClrMapping/>
+  </p:clrMapOvr>
+</p:sld>
+</file>
+
+<file path=ppt/slides/slide35.xml><?xml version="1.0" encoding="utf-8"?>
+<p:sld xmlns:a="http://schemas.openxmlformats.org/drawingml/2006/main" xmlns:r="http://schemas.openxmlformats.org/officeDocument/2006/relationships" xmlns:p="http://schemas.openxmlformats.org/presentationml/2006/main">
+  <p:cSld>
+    <p:spTree>
+      <p:nvGrpSpPr>
+        <p:cNvPr id="1" name=""/>
+        <p:cNvGrpSpPr/>
+        <p:nvPr/>
+      </p:nvGrpSpPr>
+      <p:grpSpPr>
+        <a:xfrm>
+          <a:off x="0" y="0"/>
+          <a:ext cx="0" cy="0"/>
+          <a:chOff x="0" y="0"/>
+          <a:chExt cx="0" cy="0"/>
+        </a:xfrm>
+      </p:grpSpPr>
+      <p:sp>
+        <p:nvSpPr>
+          <p:cNvPr id="2" name="Title 1"/>
+          <p:cNvSpPr>
+            <a:spLocks noGrp="1"/>
+          </p:cNvSpPr>
+          <p:nvPr>
+            <p:ph type="title"/>
+          </p:nvPr>
+        </p:nvSpPr>
+        <p:spPr>
+          <a:xfrm>
+            <a:off x="249382" y="365125"/>
+            <a:ext cx="11693236" cy="1325563"/>
+          </a:xfrm>
+        </p:spPr>
+        <p:txBody>
+          <a:bodyPr/>
+          <a:lstStyle/>
+          <a:p>
+            <a:pPr algn="ctr"/>
+            <a:r>
+              <a:rPr lang="en-US" dirty="0" smtClean="0"/>
+              <a:t>Methods</a:t>
+            </a:r>
+            <a:endParaRPr lang="en-IN" dirty="0"/>
+          </a:p>
+        </p:txBody>
+      </p:sp>
+      <p:sp>
+        <p:nvSpPr>
+          <p:cNvPr id="3" name="Content Placeholder 2"/>
+          <p:cNvSpPr>
+            <a:spLocks noGrp="1"/>
+          </p:cNvSpPr>
+          <p:nvPr>
+            <p:ph idx="1"/>
+          </p:nvPr>
+        </p:nvSpPr>
+        <p:spPr>
+          <a:xfrm>
+            <a:off x="249382" y="1357746"/>
+            <a:ext cx="11693236" cy="5195454"/>
+          </a:xfrm>
+        </p:spPr>
+        <p:txBody>
+          <a:bodyPr/>
+          <a:lstStyle/>
+          <a:p>
+            <a:r>
+              <a:rPr lang="en-US" dirty="0" smtClean="0"/>
+              <a:t>Methods with return type</a:t>
+            </a:r>
+          </a:p>
+          <a:p>
+            <a:r>
+              <a:rPr lang="en-US" dirty="0" smtClean="0"/>
+              <a:t>Methods without return type</a:t>
+            </a:r>
+          </a:p>
+          <a:p>
+            <a:r>
+              <a:rPr lang="en-US" dirty="0" smtClean="0"/>
+              <a:t>Methods without return type and with arguments</a:t>
+            </a:r>
+          </a:p>
+          <a:p>
+            <a:r>
+              <a:rPr lang="en-US" dirty="0"/>
+              <a:t>Methods </a:t>
+            </a:r>
+            <a:r>
+              <a:rPr lang="en-US" dirty="0" smtClean="0"/>
+              <a:t>with </a:t>
+            </a:r>
+            <a:r>
+              <a:rPr lang="en-US" dirty="0"/>
+              <a:t>return type and with </a:t>
+            </a:r>
+            <a:r>
+              <a:rPr lang="en-US" dirty="0" smtClean="0"/>
+              <a:t>arguments</a:t>
+            </a:r>
+          </a:p>
+          <a:p>
+            <a:pPr marL="0" indent="0">
+              <a:buNone/>
+            </a:pPr>
+            <a:r>
+              <a:rPr lang="en-US" dirty="0" err="1" smtClean="0"/>
+              <a:t>Syn</a:t>
+            </a:r>
+            <a:r>
+              <a:rPr lang="en-US" dirty="0" smtClean="0"/>
+              <a:t>: [Access Modifier] [return Type] [Name](arguments…)</a:t>
+            </a:r>
+          </a:p>
+          <a:p>
+            <a:pPr marL="0" indent="0">
+              <a:buNone/>
+            </a:pPr>
+            <a:r>
+              <a:rPr lang="en-US" dirty="0" smtClean="0"/>
+              <a:t>{</a:t>
+            </a:r>
+          </a:p>
+          <a:p>
+            <a:pPr marL="0" indent="0">
+              <a:buNone/>
+            </a:pPr>
+            <a:r>
+              <a:rPr lang="en-US" dirty="0"/>
+              <a:t>}</a:t>
+            </a:r>
+          </a:p>
+          <a:p>
+            <a:endParaRPr lang="en-US" dirty="0" smtClean="0"/>
+          </a:p>
+          <a:p>
+            <a:endParaRPr lang="en-IN" dirty="0"/>
+          </a:p>
+        </p:txBody>
+      </p:sp>
+    </p:spTree>
+    <p:extLst>
+      <p:ext uri="{BB962C8B-B14F-4D97-AF65-F5344CB8AC3E}">
+        <p14:creationId xmlns:p14="http://schemas.microsoft.com/office/powerpoint/2010/main" val="1498293949"/>
+      </p:ext>
+    </p:extLst>
+  </p:cSld>
+  <p:clrMapOvr>
+    <a:masterClrMapping/>
+  </p:clrMapOvr>
+</p:sld>
+</file>
+
+<file path=ppt/slides/slide36.xml><?xml version="1.0" encoding="utf-8"?>
+<p:sld xmlns:a="http://schemas.openxmlformats.org/drawingml/2006/main" xmlns:r="http://schemas.openxmlformats.org/officeDocument/2006/relationships" xmlns:p="http://schemas.openxmlformats.org/presentationml/2006/main">
+  <p:cSld>
+    <p:spTree>
+      <p:nvGrpSpPr>
+        <p:cNvPr id="1" name=""/>
+        <p:cNvGrpSpPr/>
+        <p:nvPr/>
+      </p:nvGrpSpPr>
+      <p:grpSpPr>
+        <a:xfrm>
+          <a:off x="0" y="0"/>
+          <a:ext cx="0" cy="0"/>
+          <a:chOff x="0" y="0"/>
+          <a:chExt cx="0" cy="0"/>
+        </a:xfrm>
+      </p:grpSpPr>
+      <p:sp>
+        <p:nvSpPr>
+          <p:cNvPr id="2" name="Title 1"/>
+          <p:cNvSpPr>
+            <a:spLocks noGrp="1"/>
+          </p:cNvSpPr>
+          <p:nvPr>
+            <p:ph type="title"/>
+          </p:nvPr>
+        </p:nvSpPr>
+        <p:spPr/>
+        <p:txBody>
+          <a:bodyPr/>
+          <a:lstStyle/>
+          <a:p>
+            <a:pPr algn="ctr"/>
+            <a:r>
+              <a:rPr lang="en-US" dirty="0" smtClean="0"/>
+              <a:t>Arrays</a:t>
+            </a:r>
+            <a:endParaRPr lang="en-IN" dirty="0"/>
+          </a:p>
+        </p:txBody>
+      </p:sp>
+      <p:sp>
+        <p:nvSpPr>
+          <p:cNvPr id="3" name="Content Placeholder 2"/>
+          <p:cNvSpPr>
+            <a:spLocks noGrp="1"/>
+          </p:cNvSpPr>
+          <p:nvPr>
+            <p:ph idx="1"/>
+          </p:nvPr>
+        </p:nvSpPr>
+        <p:spPr/>
+        <p:txBody>
+          <a:bodyPr/>
+          <a:lstStyle/>
+          <a:p>
+            <a:r>
+              <a:rPr lang="en-US" dirty="0" smtClean="0"/>
+              <a:t>It is a collection of similar data types</a:t>
+            </a:r>
+          </a:p>
+          <a:p>
+            <a:r>
+              <a:rPr lang="en-US" dirty="0" smtClean="0"/>
+              <a:t>In this we can store the number of elements</a:t>
+            </a:r>
+          </a:p>
+          <a:p>
+            <a:r>
+              <a:rPr lang="en-US" dirty="0" smtClean="0"/>
+              <a:t>Array index starts with the 0</a:t>
+            </a:r>
+          </a:p>
+          <a:p>
+            <a:r>
+              <a:rPr lang="en-US" dirty="0" smtClean="0"/>
+              <a:t>Arrays can be represented by []</a:t>
+            </a:r>
+            <a:endParaRPr lang="en-IN" dirty="0" smtClean="0"/>
+          </a:p>
+          <a:p>
+            <a:pPr marL="0" indent="0">
+              <a:buNone/>
+            </a:pPr>
+            <a:r>
+              <a:rPr lang="en-US" dirty="0" err="1" smtClean="0"/>
+              <a:t>Syn</a:t>
+            </a:r>
+            <a:r>
+              <a:rPr lang="en-US" dirty="0" smtClean="0"/>
+              <a:t> : datatype[] name = new datatype[]{….};</a:t>
+            </a:r>
+          </a:p>
+          <a:p>
+            <a:pPr marL="0" indent="0">
+              <a:buNone/>
+            </a:pPr>
+            <a:r>
+              <a:rPr lang="en-US" dirty="0" smtClean="0"/>
+              <a:t>For </a:t>
+            </a:r>
+            <a:r>
+              <a:rPr lang="en-US" dirty="0" err="1" smtClean="0"/>
+              <a:t>multidimentional</a:t>
+            </a:r>
+            <a:r>
+              <a:rPr lang="en-US" dirty="0" smtClean="0"/>
+              <a:t> array</a:t>
+            </a:r>
+          </a:p>
+          <a:p>
+            <a:pPr marL="0" indent="0">
+              <a:buNone/>
+            </a:pPr>
+            <a:r>
+              <a:rPr lang="en-US" dirty="0" smtClean="0"/>
+              <a:t>Datatype[,] name = new datatype[1,3];</a:t>
+            </a:r>
+          </a:p>
+        </p:txBody>
+      </p:sp>
+    </p:spTree>
+    <p:extLst>
+      <p:ext uri="{BB962C8B-B14F-4D97-AF65-F5344CB8AC3E}">
+        <p14:creationId xmlns:p14="http://schemas.microsoft.com/office/powerpoint/2010/main" val="650879146"/>
+      </p:ext>
+    </p:extLst>
+  </p:cSld>
+  <p:clrMapOvr>
+    <a:masterClrMapping/>
+  </p:clrMapOvr>
+</p:sld>
+</file>
+
+<file path=ppt/slides/slide37.xml><?xml version="1.0" encoding="utf-8"?>
+<p:sld xmlns:a="http://schemas.openxmlformats.org/drawingml/2006/main" xmlns:r="http://schemas.openxmlformats.org/officeDocument/2006/relationships" xmlns:p="http://schemas.openxmlformats.org/presentationml/2006/main">
+  <p:cSld>
+    <p:spTree>
+      <p:nvGrpSpPr>
+        <p:cNvPr id="1" name=""/>
+        <p:cNvGrpSpPr/>
+        <p:nvPr/>
+      </p:nvGrpSpPr>
+      <p:grpSpPr>
+        <a:xfrm>
+          <a:off x="0" y="0"/>
+          <a:ext cx="0" cy="0"/>
+          <a:chOff x="0" y="0"/>
+          <a:chExt cx="0" cy="0"/>
+        </a:xfrm>
+      </p:grpSpPr>
+      <p:sp>
+        <p:nvSpPr>
+          <p:cNvPr id="3" name="Content Placeholder 2"/>
+          <p:cNvSpPr>
+            <a:spLocks noGrp="1"/>
+          </p:cNvSpPr>
+          <p:nvPr>
+            <p:ph idx="1"/>
+          </p:nvPr>
+        </p:nvSpPr>
+        <p:spPr>
+          <a:xfrm>
+            <a:off x="304800" y="318655"/>
+            <a:ext cx="11049000" cy="5858308"/>
+          </a:xfrm>
+        </p:spPr>
+        <p:txBody>
+          <a:bodyPr/>
+          <a:lstStyle/>
+          <a:p>
+            <a:pPr marL="0" indent="0">
+              <a:buNone/>
+            </a:pPr>
+            <a:r>
+              <a:rPr lang="en-US" dirty="0" smtClean="0"/>
+              <a:t>Arrays can be</a:t>
+            </a:r>
+          </a:p>
+          <a:p>
+            <a:r>
+              <a:rPr lang="en-US" dirty="0" smtClean="0"/>
+              <a:t>Single </a:t>
+            </a:r>
+            <a:r>
+              <a:rPr lang="en-US" dirty="0" err="1" smtClean="0"/>
+              <a:t>dimentional</a:t>
+            </a:r>
+            <a:r>
+              <a:rPr lang="en-US" dirty="0" smtClean="0"/>
+              <a:t> Array</a:t>
+            </a:r>
+          </a:p>
+          <a:p>
+            <a:r>
+              <a:rPr lang="en-US" dirty="0" smtClean="0"/>
+              <a:t>2D Array</a:t>
+            </a:r>
+          </a:p>
+          <a:p>
+            <a:r>
+              <a:rPr lang="en-US" dirty="0" smtClean="0"/>
+              <a:t>3D Array</a:t>
+            </a:r>
+          </a:p>
+          <a:p>
+            <a:r>
+              <a:rPr lang="en-US" dirty="0" smtClean="0"/>
+              <a:t>Jagged Array (different column elements for each row)</a:t>
+            </a:r>
+            <a:endParaRPr lang="en-IN" dirty="0"/>
+          </a:p>
+        </p:txBody>
+      </p:sp>
+    </p:spTree>
+    <p:extLst>
+      <p:ext uri="{BB962C8B-B14F-4D97-AF65-F5344CB8AC3E}">
+        <p14:creationId xmlns:p14="http://schemas.microsoft.com/office/powerpoint/2010/main" val="2140890949"/>
+      </p:ext>
+    </p:extLst>
+  </p:cSld>
+  <p:clrMapOvr>
+    <a:masterClrMapping/>
+  </p:clrMapOvr>
+</p:sld>
+</file>
+
+<file path=ppt/slides/slide38.xml><?xml version="1.0" encoding="utf-8"?>
+<p:sld xmlns:a="http://schemas.openxmlformats.org/drawingml/2006/main" xmlns:r="http://schemas.openxmlformats.org/officeDocument/2006/relationships" xmlns:p="http://schemas.openxmlformats.org/presentationml/2006/main">
+  <p:cSld>
+    <p:spTree>
+      <p:nvGrpSpPr>
+        <p:cNvPr id="1" name=""/>
+        <p:cNvGrpSpPr/>
+        <p:nvPr/>
+      </p:nvGrpSpPr>
+      <p:grpSpPr>
+        <a:xfrm>
+          <a:off x="0" y="0"/>
+          <a:ext cx="0" cy="0"/>
+          <a:chOff x="0" y="0"/>
+          <a:chExt cx="0" cy="0"/>
+        </a:xfrm>
+      </p:grpSpPr>
+      <p:sp>
+        <p:nvSpPr>
+          <p:cNvPr id="2" name="Title 1"/>
+          <p:cNvSpPr>
+            <a:spLocks noGrp="1"/>
+          </p:cNvSpPr>
+          <p:nvPr>
+            <p:ph type="title"/>
+          </p:nvPr>
+        </p:nvSpPr>
+        <p:spPr/>
+        <p:txBody>
+          <a:bodyPr/>
+          <a:lstStyle/>
+          <a:p>
+            <a:pPr algn="ctr"/>
+            <a:r>
+              <a:rPr lang="en-US" dirty="0" smtClean="0"/>
+              <a:t>List</a:t>
+            </a:r>
+            <a:endParaRPr lang="en-IN" dirty="0"/>
+          </a:p>
+        </p:txBody>
+      </p:sp>
+      <p:sp>
+        <p:nvSpPr>
+          <p:cNvPr id="3" name="Content Placeholder 2"/>
+          <p:cNvSpPr>
+            <a:spLocks noGrp="1"/>
+          </p:cNvSpPr>
+          <p:nvPr>
+            <p:ph idx="1"/>
+          </p:nvPr>
+        </p:nvSpPr>
+        <p:spPr/>
+        <p:txBody>
+          <a:bodyPr/>
+          <a:lstStyle/>
+          <a:p>
+            <a:r>
+              <a:rPr lang="en-US" dirty="0" smtClean="0"/>
+              <a:t>Like as arrays it can store the continuous elements but we need not worry about the size of the list</a:t>
+            </a:r>
+          </a:p>
+          <a:p>
+            <a:pPr marL="0" indent="0">
+              <a:buNone/>
+            </a:pPr>
+            <a:r>
+              <a:rPr lang="en-US" dirty="0" err="1" smtClean="0"/>
+              <a:t>Syn</a:t>
+            </a:r>
+            <a:r>
+              <a:rPr lang="en-US" dirty="0" smtClean="0"/>
+              <a:t> : List&lt;Type&gt; name = new List&lt;Type&gt;();</a:t>
+            </a:r>
+          </a:p>
+          <a:p>
+            <a:pPr marL="0" indent="0">
+              <a:buNone/>
+            </a:pPr>
+            <a:r>
+              <a:rPr lang="en-US" dirty="0" smtClean="0"/>
+              <a:t>There are set of methods that can be provided by the List class</a:t>
+            </a:r>
+            <a:endParaRPr lang="en-IN" dirty="0"/>
+          </a:p>
+        </p:txBody>
+      </p:sp>
+    </p:spTree>
+    <p:extLst>
+      <p:ext uri="{BB962C8B-B14F-4D97-AF65-F5344CB8AC3E}">
+        <p14:creationId xmlns:p14="http://schemas.microsoft.com/office/powerpoint/2010/main" val="713714469"/>
+      </p:ext>
+    </p:extLst>
+  </p:cSld>
+  <p:clrMapOvr>
+    <a:masterClrMapping/>
+  </p:clrMapOvr>
+</p:sld>
+</file>
+
+<file path=ppt/slides/slide39.xml><?xml version="1.0" encoding="utf-8"?>
+<p:sld xmlns:a="http://schemas.openxmlformats.org/drawingml/2006/main" xmlns:r="http://schemas.openxmlformats.org/officeDocument/2006/relationships" xmlns:p="http://schemas.openxmlformats.org/presentationml/2006/main">
+  <p:cSld>
+    <p:spTree>
+      <p:nvGrpSpPr>
+        <p:cNvPr id="1" name=""/>
+        <p:cNvGrpSpPr/>
+        <p:nvPr/>
+      </p:nvGrpSpPr>
+      <p:grpSpPr>
+        <a:xfrm>
+          <a:off x="0" y="0"/>
+          <a:ext cx="0" cy="0"/>
+          <a:chOff x="0" y="0"/>
+          <a:chExt cx="0" cy="0"/>
+        </a:xfrm>
+      </p:grpSpPr>
+      <p:sp>
+        <p:nvSpPr>
+          <p:cNvPr id="2" name="Title 1"/>
+          <p:cNvSpPr>
+            <a:spLocks noGrp="1"/>
+          </p:cNvSpPr>
+          <p:nvPr>
+            <p:ph type="title"/>
+          </p:nvPr>
+        </p:nvSpPr>
+        <p:spPr/>
+        <p:txBody>
+          <a:bodyPr/>
+          <a:lstStyle/>
+          <a:p>
+            <a:pPr algn="ctr"/>
+            <a:r>
+              <a:rPr lang="en-US" dirty="0" smtClean="0"/>
+              <a:t>Dictionary</a:t>
+            </a:r>
+            <a:endParaRPr lang="en-IN" dirty="0"/>
+          </a:p>
+        </p:txBody>
+      </p:sp>
+      <p:sp>
+        <p:nvSpPr>
+          <p:cNvPr id="3" name="Content Placeholder 2"/>
+          <p:cNvSpPr>
+            <a:spLocks noGrp="1"/>
+          </p:cNvSpPr>
+          <p:nvPr>
+            <p:ph idx="1"/>
+          </p:nvPr>
+        </p:nvSpPr>
+        <p:spPr/>
+        <p:txBody>
+          <a:bodyPr/>
+          <a:lstStyle/>
+          <a:p>
+            <a:r>
+              <a:rPr lang="en-US" dirty="0" smtClean="0"/>
+              <a:t>In Dictionary each value have the keys</a:t>
+            </a:r>
+          </a:p>
+          <a:p>
+            <a:r>
+              <a:rPr lang="en-US" dirty="0" smtClean="0"/>
+              <a:t>The duplication of the keys will not be supported</a:t>
+            </a:r>
+          </a:p>
+          <a:p>
+            <a:r>
+              <a:rPr lang="en-US" dirty="0" smtClean="0"/>
+              <a:t>We can access the values by using keys</a:t>
+            </a:r>
+          </a:p>
+          <a:p>
+            <a:pPr marL="0" indent="0">
+              <a:buNone/>
+            </a:pPr>
+            <a:r>
+              <a:rPr lang="en-US" dirty="0" err="1" smtClean="0"/>
+              <a:t>Syn</a:t>
+            </a:r>
+            <a:r>
+              <a:rPr lang="en-US" dirty="0" smtClean="0"/>
+              <a:t> : Dictionary&lt;</a:t>
+            </a:r>
+            <a:r>
+              <a:rPr lang="en-US" dirty="0" err="1" smtClean="0"/>
+              <a:t>KayType,ValueType</a:t>
+            </a:r>
+            <a:r>
+              <a:rPr lang="en-US" dirty="0" smtClean="0"/>
+              <a:t>&gt; name = new Dictionary&lt;&gt;();</a:t>
+            </a:r>
+          </a:p>
+          <a:p>
+            <a:pPr marL="0" indent="0">
+              <a:buNone/>
+            </a:pPr>
+            <a:endParaRPr lang="en-IN" dirty="0"/>
+          </a:p>
+        </p:txBody>
+      </p:sp>
+    </p:spTree>
+    <p:extLst>
+      <p:ext uri="{BB962C8B-B14F-4D97-AF65-F5344CB8AC3E}">
+        <p14:creationId xmlns:p14="http://schemas.microsoft.com/office/powerpoint/2010/main" val="4177335347"/>
       </p:ext>
     </p:extLst>
   </p:cSld>
@@ -29173,11 +29758,7 @@
           <a:p>
             <a:r>
               <a:rPr lang="en-US" dirty="0" smtClean="0"/>
-              <a:t>Structured Programming </a:t>
-            </a:r>
-            <a:r>
-              <a:rPr lang="en-US" dirty="0" smtClean="0"/>
-              <a:t>language</a:t>
+              <a:t>Structured Programming language</a:t>
             </a:r>
           </a:p>
           <a:p>
@@ -29185,13 +29766,7 @@
               <a:rPr lang="en-IN" b="1" dirty="0" smtClean="0">
                 <a:latin typeface="+mj-lt"/>
               </a:rPr>
-              <a:t>Fast </a:t>
-            </a:r>
-            <a:r>
-              <a:rPr lang="en-IN" b="1" dirty="0" smtClean="0">
-                <a:latin typeface="+mj-lt"/>
-              </a:rPr>
-              <a:t>Speed</a:t>
+              <a:t>Fast Speed</a:t>
             </a:r>
             <a:endParaRPr lang="en-IN" b="1" dirty="0">
               <a:latin typeface="+mj-lt"/>
@@ -29206,6 +29781,316 @@
     <p:extLst>
       <p:ext uri="{BB962C8B-B14F-4D97-AF65-F5344CB8AC3E}">
         <p14:creationId xmlns:p14="http://schemas.microsoft.com/office/powerpoint/2010/main" val="102535537"/>
+      </p:ext>
+    </p:extLst>
+  </p:cSld>
+  <p:clrMapOvr>
+    <a:masterClrMapping/>
+  </p:clrMapOvr>
+</p:sld>
+</file>
+
+<file path=ppt/slides/slide40.xml><?xml version="1.0" encoding="utf-8"?>
+<p:sld xmlns:a="http://schemas.openxmlformats.org/drawingml/2006/main" xmlns:r="http://schemas.openxmlformats.org/officeDocument/2006/relationships" xmlns:p="http://schemas.openxmlformats.org/presentationml/2006/main">
+  <p:cSld>
+    <p:spTree>
+      <p:nvGrpSpPr>
+        <p:cNvPr id="1" name=""/>
+        <p:cNvGrpSpPr/>
+        <p:nvPr/>
+      </p:nvGrpSpPr>
+      <p:grpSpPr>
+        <a:xfrm>
+          <a:off x="0" y="0"/>
+          <a:ext cx="0" cy="0"/>
+          <a:chOff x="0" y="0"/>
+          <a:chExt cx="0" cy="0"/>
+        </a:xfrm>
+      </p:grpSpPr>
+      <p:sp>
+        <p:nvSpPr>
+          <p:cNvPr id="2" name="Title 1"/>
+          <p:cNvSpPr>
+            <a:spLocks noGrp="1"/>
+          </p:cNvSpPr>
+          <p:nvPr>
+            <p:ph type="title"/>
+          </p:nvPr>
+        </p:nvSpPr>
+        <p:spPr/>
+        <p:txBody>
+          <a:bodyPr/>
+          <a:lstStyle/>
+          <a:p>
+            <a:pPr algn="ctr"/>
+            <a:r>
+              <a:rPr lang="en-US" dirty="0" smtClean="0"/>
+              <a:t>Structures</a:t>
+            </a:r>
+            <a:endParaRPr lang="en-IN" dirty="0"/>
+          </a:p>
+        </p:txBody>
+      </p:sp>
+      <p:sp>
+        <p:nvSpPr>
+          <p:cNvPr id="3" name="Content Placeholder 2"/>
+          <p:cNvSpPr>
+            <a:spLocks noGrp="1"/>
+          </p:cNvSpPr>
+          <p:nvPr>
+            <p:ph idx="1"/>
+          </p:nvPr>
+        </p:nvSpPr>
+        <p:spPr/>
+        <p:txBody>
+          <a:bodyPr/>
+          <a:lstStyle/>
+          <a:p>
+            <a:r>
+              <a:rPr lang="en-US" dirty="0" smtClean="0"/>
+              <a:t>structure is a user defined  type</a:t>
+            </a:r>
+          </a:p>
+          <a:p>
+            <a:r>
+              <a:rPr lang="en-US" dirty="0" smtClean="0"/>
+              <a:t>In structure can consists of structure members and member functions and </a:t>
+            </a:r>
+            <a:r>
+              <a:rPr lang="en-US" dirty="0" err="1" smtClean="0"/>
+              <a:t>constructures</a:t>
+            </a:r>
+            <a:r>
+              <a:rPr lang="en-US" dirty="0" smtClean="0"/>
+              <a:t>.</a:t>
+            </a:r>
+          </a:p>
+          <a:p>
+            <a:r>
+              <a:rPr lang="en-US" dirty="0" smtClean="0"/>
+              <a:t>Structure is a value type</a:t>
+            </a:r>
+          </a:p>
+          <a:p>
+            <a:r>
+              <a:rPr lang="en-US" dirty="0" smtClean="0"/>
+              <a:t>It can do same tasks as class do</a:t>
+            </a:r>
+          </a:p>
+          <a:p>
+            <a:r>
+              <a:rPr lang="en-US" dirty="0" smtClean="0"/>
+              <a:t>All the value types are constructed under the structures</a:t>
+            </a:r>
+          </a:p>
+          <a:p>
+            <a:endParaRPr lang="en-IN" dirty="0"/>
+          </a:p>
+        </p:txBody>
+      </p:sp>
+    </p:spTree>
+    <p:extLst>
+      <p:ext uri="{BB962C8B-B14F-4D97-AF65-F5344CB8AC3E}">
+        <p14:creationId xmlns:p14="http://schemas.microsoft.com/office/powerpoint/2010/main" val="2782562865"/>
+      </p:ext>
+    </p:extLst>
+  </p:cSld>
+  <p:clrMapOvr>
+    <a:masterClrMapping/>
+  </p:clrMapOvr>
+</p:sld>
+</file>
+
+<file path=ppt/slides/slide41.xml><?xml version="1.0" encoding="utf-8"?>
+<p:sld xmlns:a="http://schemas.openxmlformats.org/drawingml/2006/main" xmlns:r="http://schemas.openxmlformats.org/officeDocument/2006/relationships" xmlns:p="http://schemas.openxmlformats.org/presentationml/2006/main">
+  <p:cSld>
+    <p:spTree>
+      <p:nvGrpSpPr>
+        <p:cNvPr id="1" name=""/>
+        <p:cNvGrpSpPr/>
+        <p:nvPr/>
+      </p:nvGrpSpPr>
+      <p:grpSpPr>
+        <a:xfrm>
+          <a:off x="0" y="0"/>
+          <a:ext cx="0" cy="0"/>
+          <a:chOff x="0" y="0"/>
+          <a:chExt cx="0" cy="0"/>
+        </a:xfrm>
+      </p:grpSpPr>
+      <p:sp>
+        <p:nvSpPr>
+          <p:cNvPr id="3" name="Content Placeholder 2"/>
+          <p:cNvSpPr>
+            <a:spLocks noGrp="1"/>
+          </p:cNvSpPr>
+          <p:nvPr>
+            <p:ph idx="1"/>
+          </p:nvPr>
+        </p:nvSpPr>
+        <p:spPr>
+          <a:xfrm>
+            <a:off x="471055" y="304800"/>
+            <a:ext cx="11346872" cy="6317673"/>
+          </a:xfrm>
+        </p:spPr>
+        <p:txBody>
+          <a:bodyPr>
+            <a:normAutofit lnSpcReduction="10000"/>
+          </a:bodyPr>
+          <a:lstStyle/>
+          <a:p>
+            <a:pPr marL="0" indent="0">
+              <a:buNone/>
+            </a:pPr>
+            <a:r>
+              <a:rPr lang="en-US" dirty="0" err="1" smtClean="0"/>
+              <a:t>Syn</a:t>
+            </a:r>
+            <a:r>
+              <a:rPr lang="en-US" dirty="0" smtClean="0"/>
+              <a:t> :</a:t>
+            </a:r>
+          </a:p>
+          <a:p>
+            <a:pPr marL="0" indent="0">
+              <a:buNone/>
+            </a:pPr>
+            <a:r>
+              <a:rPr lang="en-US" dirty="0" smtClean="0"/>
+              <a:t>Public </a:t>
+            </a:r>
+            <a:r>
+              <a:rPr lang="en-US" dirty="0" err="1" smtClean="0"/>
+              <a:t>struct</a:t>
+            </a:r>
+            <a:r>
+              <a:rPr lang="en-US" dirty="0" smtClean="0"/>
+              <a:t> Demo</a:t>
+            </a:r>
+          </a:p>
+          <a:p>
+            <a:pPr marL="0" indent="0">
+              <a:buNone/>
+            </a:pPr>
+            <a:r>
+              <a:rPr lang="en-US" dirty="0" smtClean="0"/>
+              <a:t>{</a:t>
+            </a:r>
+          </a:p>
+          <a:p>
+            <a:pPr marL="0" indent="0">
+              <a:buNone/>
+            </a:pPr>
+            <a:r>
+              <a:rPr lang="en-US" dirty="0"/>
+              <a:t>	</a:t>
+            </a:r>
+            <a:r>
+              <a:rPr lang="en-US" dirty="0" smtClean="0"/>
+              <a:t>variables;</a:t>
+            </a:r>
+          </a:p>
+          <a:p>
+            <a:pPr marL="0" indent="0">
+              <a:buNone/>
+            </a:pPr>
+            <a:r>
+              <a:rPr lang="en-US" dirty="0"/>
+              <a:t>	</a:t>
+            </a:r>
+            <a:r>
+              <a:rPr lang="en-US" dirty="0" smtClean="0"/>
+              <a:t>methods()</a:t>
+            </a:r>
+          </a:p>
+          <a:p>
+            <a:pPr marL="0" indent="0">
+              <a:buNone/>
+            </a:pPr>
+            <a:r>
+              <a:rPr lang="en-US" dirty="0" smtClean="0"/>
+              <a:t>	{</a:t>
+            </a:r>
+          </a:p>
+          <a:p>
+            <a:pPr marL="0" indent="0">
+              <a:buNone/>
+            </a:pPr>
+            <a:r>
+              <a:rPr lang="en-US" dirty="0"/>
+              <a:t>	</a:t>
+            </a:r>
+            <a:r>
+              <a:rPr lang="en-US" dirty="0" smtClean="0"/>
+              <a:t>}</a:t>
+            </a:r>
+            <a:br>
+              <a:rPr lang="en-US" dirty="0" smtClean="0"/>
+            </a:br>
+            <a:endParaRPr lang="en-US" dirty="0" smtClean="0"/>
+          </a:p>
+          <a:p>
+            <a:pPr marL="0" indent="0">
+              <a:buNone/>
+            </a:pPr>
+            <a:r>
+              <a:rPr lang="en-US" dirty="0" smtClean="0"/>
+              <a:t>}</a:t>
+            </a:r>
+            <a:endParaRPr lang="en-IN" dirty="0"/>
+          </a:p>
+          <a:p>
+            <a:pPr marL="0" indent="0">
+              <a:buNone/>
+            </a:pPr>
+            <a:r>
+              <a:rPr lang="en-US" dirty="0" smtClean="0"/>
+              <a:t>//</a:t>
+            </a:r>
+            <a:r>
+              <a:rPr lang="en-US" dirty="0" err="1" smtClean="0"/>
+              <a:t>Initilization</a:t>
+            </a:r>
+            <a:r>
+              <a:rPr lang="en-US" dirty="0" smtClean="0"/>
+              <a:t> of structure</a:t>
+            </a:r>
+          </a:p>
+          <a:p>
+            <a:pPr marL="0" indent="0">
+              <a:buNone/>
+            </a:pPr>
+            <a:r>
+              <a:rPr lang="en-US" dirty="0" smtClean="0"/>
+              <a:t>Demo d;</a:t>
+            </a:r>
+          </a:p>
+          <a:p>
+            <a:pPr marL="0" indent="0">
+              <a:buNone/>
+            </a:pPr>
+            <a:r>
+              <a:rPr lang="en-US" dirty="0" smtClean="0"/>
+              <a:t>Or </a:t>
+            </a:r>
+          </a:p>
+          <a:p>
+            <a:pPr marL="0" indent="0">
+              <a:buNone/>
+            </a:pPr>
+            <a:r>
+              <a:rPr lang="en-US" smtClean="0"/>
+              <a:t>Demo d = new Demo();</a:t>
+            </a:r>
+            <a:endParaRPr lang="en-IN" dirty="0"/>
+          </a:p>
+        </p:txBody>
+      </p:sp>
+    </p:spTree>
+    <p:extLst>
+      <p:ext uri="{BB962C8B-B14F-4D97-AF65-F5344CB8AC3E}">
+        <p14:creationId xmlns:p14="http://schemas.microsoft.com/office/powerpoint/2010/main" val="652723724"/>
       </p:ext>
     </p:extLst>
   </p:cSld>
@@ -29337,11 +30222,7 @@
             </a:pPr>
             <a:r>
               <a:rPr lang="en-US" dirty="0" smtClean="0"/>
-              <a:t>It </a:t>
-            </a:r>
-            <a:r>
-              <a:rPr lang="en-US" dirty="0" smtClean="0"/>
-              <a:t>will easy to learn</a:t>
+              <a:t>It will easy to learn</a:t>
             </a:r>
           </a:p>
           <a:p>

--- a/c#.pptx
+++ b/c#.pptx
@@ -46,6 +46,35 @@
     <p:sldId id="295" r:id="rId40"/>
     <p:sldId id="296" r:id="rId41"/>
     <p:sldId id="297" r:id="rId42"/>
+    <p:sldId id="298" r:id="rId43"/>
+    <p:sldId id="299" r:id="rId44"/>
+    <p:sldId id="300" r:id="rId45"/>
+    <p:sldId id="301" r:id="rId46"/>
+    <p:sldId id="302" r:id="rId47"/>
+    <p:sldId id="303" r:id="rId48"/>
+    <p:sldId id="304" r:id="rId49"/>
+    <p:sldId id="305" r:id="rId50"/>
+    <p:sldId id="306" r:id="rId51"/>
+    <p:sldId id="307" r:id="rId52"/>
+    <p:sldId id="308" r:id="rId53"/>
+    <p:sldId id="309" r:id="rId54"/>
+    <p:sldId id="310" r:id="rId55"/>
+    <p:sldId id="311" r:id="rId56"/>
+    <p:sldId id="312" r:id="rId57"/>
+    <p:sldId id="313" r:id="rId58"/>
+    <p:sldId id="314" r:id="rId59"/>
+    <p:sldId id="315" r:id="rId60"/>
+    <p:sldId id="316" r:id="rId61"/>
+    <p:sldId id="317" r:id="rId62"/>
+    <p:sldId id="318" r:id="rId63"/>
+    <p:sldId id="319" r:id="rId64"/>
+    <p:sldId id="320" r:id="rId65"/>
+    <p:sldId id="321" r:id="rId66"/>
+    <p:sldId id="322" r:id="rId67"/>
+    <p:sldId id="323" r:id="rId68"/>
+    <p:sldId id="324" r:id="rId69"/>
+    <p:sldId id="325" r:id="rId70"/>
+    <p:sldId id="326" r:id="rId71"/>
   </p:sldIdLst>
   <p:sldSz cx="12192000" cy="6858000"/>
   <p:notesSz cx="6858000" cy="9144000"/>
@@ -283,7 +312,7 @@
           <a:p>
             <a:fld id="{ABBC72FD-B666-4EBF-B98B-3751CD43E481}" type="datetimeFigureOut">
               <a:rPr lang="en-IN" smtClean="0"/>
-              <a:t>19-05-2021</a:t>
+              <a:t>26-05-2021</a:t>
             </a:fld>
             <a:endParaRPr lang="en-IN"/>
           </a:p>
@@ -453,7 +482,7 @@
           <a:p>
             <a:fld id="{ABBC72FD-B666-4EBF-B98B-3751CD43E481}" type="datetimeFigureOut">
               <a:rPr lang="en-IN" smtClean="0"/>
-              <a:t>19-05-2021</a:t>
+              <a:t>26-05-2021</a:t>
             </a:fld>
             <a:endParaRPr lang="en-IN"/>
           </a:p>
@@ -633,7 +662,7 @@
           <a:p>
             <a:fld id="{ABBC72FD-B666-4EBF-B98B-3751CD43E481}" type="datetimeFigureOut">
               <a:rPr lang="en-IN" smtClean="0"/>
-              <a:t>19-05-2021</a:t>
+              <a:t>26-05-2021</a:t>
             </a:fld>
             <a:endParaRPr lang="en-IN"/>
           </a:p>
@@ -803,7 +832,7 @@
           <a:p>
             <a:fld id="{ABBC72FD-B666-4EBF-B98B-3751CD43E481}" type="datetimeFigureOut">
               <a:rPr lang="en-IN" smtClean="0"/>
-              <a:t>19-05-2021</a:t>
+              <a:t>26-05-2021</a:t>
             </a:fld>
             <a:endParaRPr lang="en-IN"/>
           </a:p>
@@ -1049,7 +1078,7 @@
           <a:p>
             <a:fld id="{ABBC72FD-B666-4EBF-B98B-3751CD43E481}" type="datetimeFigureOut">
               <a:rPr lang="en-IN" smtClean="0"/>
-              <a:t>19-05-2021</a:t>
+              <a:t>26-05-2021</a:t>
             </a:fld>
             <a:endParaRPr lang="en-IN"/>
           </a:p>
@@ -1281,7 +1310,7 @@
           <a:p>
             <a:fld id="{ABBC72FD-B666-4EBF-B98B-3751CD43E481}" type="datetimeFigureOut">
               <a:rPr lang="en-IN" smtClean="0"/>
-              <a:t>19-05-2021</a:t>
+              <a:t>26-05-2021</a:t>
             </a:fld>
             <a:endParaRPr lang="en-IN"/>
           </a:p>
@@ -1648,7 +1677,7 @@
           <a:p>
             <a:fld id="{ABBC72FD-B666-4EBF-B98B-3751CD43E481}" type="datetimeFigureOut">
               <a:rPr lang="en-IN" smtClean="0"/>
-              <a:t>19-05-2021</a:t>
+              <a:t>26-05-2021</a:t>
             </a:fld>
             <a:endParaRPr lang="en-IN"/>
           </a:p>
@@ -1766,7 +1795,7 @@
           <a:p>
             <a:fld id="{ABBC72FD-B666-4EBF-B98B-3751CD43E481}" type="datetimeFigureOut">
               <a:rPr lang="en-IN" smtClean="0"/>
-              <a:t>19-05-2021</a:t>
+              <a:t>26-05-2021</a:t>
             </a:fld>
             <a:endParaRPr lang="en-IN"/>
           </a:p>
@@ -1861,7 +1890,7 @@
           <a:p>
             <a:fld id="{ABBC72FD-B666-4EBF-B98B-3751CD43E481}" type="datetimeFigureOut">
               <a:rPr lang="en-IN" smtClean="0"/>
-              <a:t>19-05-2021</a:t>
+              <a:t>26-05-2021</a:t>
             </a:fld>
             <a:endParaRPr lang="en-IN"/>
           </a:p>
@@ -2138,7 +2167,7 @@
           <a:p>
             <a:fld id="{ABBC72FD-B666-4EBF-B98B-3751CD43E481}" type="datetimeFigureOut">
               <a:rPr lang="en-IN" smtClean="0"/>
-              <a:t>19-05-2021</a:t>
+              <a:t>26-05-2021</a:t>
             </a:fld>
             <a:endParaRPr lang="en-IN"/>
           </a:p>
@@ -2391,7 +2420,7 @@
           <a:p>
             <a:fld id="{ABBC72FD-B666-4EBF-B98B-3751CD43E481}" type="datetimeFigureOut">
               <a:rPr lang="en-IN" smtClean="0"/>
-              <a:t>19-05-2021</a:t>
+              <a:t>26-05-2021</a:t>
             </a:fld>
             <a:endParaRPr lang="en-IN"/>
           </a:p>
@@ -2604,7 +2633,7 @@
           <a:p>
             <a:fld id="{ABBC72FD-B666-4EBF-B98B-3751CD43E481}" type="datetimeFigureOut">
               <a:rPr lang="en-IN" smtClean="0"/>
-              <a:t>19-05-2021</a:t>
+              <a:t>26-05-2021</a:t>
             </a:fld>
             <a:endParaRPr lang="en-IN"/>
           </a:p>
@@ -30100,6 +30129,719 @@
 </p:sld>
 </file>
 
+<file path=ppt/slides/slide42.xml><?xml version="1.0" encoding="utf-8"?>
+<p:sld xmlns:a="http://schemas.openxmlformats.org/drawingml/2006/main" xmlns:r="http://schemas.openxmlformats.org/officeDocument/2006/relationships" xmlns:p="http://schemas.openxmlformats.org/presentationml/2006/main">
+  <p:cSld>
+    <p:spTree>
+      <p:nvGrpSpPr>
+        <p:cNvPr id="1" name=""/>
+        <p:cNvGrpSpPr/>
+        <p:nvPr/>
+      </p:nvGrpSpPr>
+      <p:grpSpPr>
+        <a:xfrm>
+          <a:off x="0" y="0"/>
+          <a:ext cx="0" cy="0"/>
+          <a:chOff x="0" y="0"/>
+          <a:chExt cx="0" cy="0"/>
+        </a:xfrm>
+      </p:grpSpPr>
+      <p:sp>
+        <p:nvSpPr>
+          <p:cNvPr id="2" name="Title 1"/>
+          <p:cNvSpPr>
+            <a:spLocks noGrp="1"/>
+          </p:cNvSpPr>
+          <p:nvPr>
+            <p:ph type="title"/>
+          </p:nvPr>
+        </p:nvSpPr>
+        <p:spPr>
+          <a:xfrm>
+            <a:off x="852054" y="157307"/>
+            <a:ext cx="10515600" cy="6492875"/>
+          </a:xfrm>
+        </p:spPr>
+        <p:txBody>
+          <a:bodyPr/>
+          <a:lstStyle/>
+          <a:p>
+            <a:pPr algn="ctr"/>
+            <a:r>
+              <a:rPr lang="en-US" dirty="0" smtClean="0"/>
+              <a:t>Object Oriented Programming</a:t>
+            </a:r>
+            <a:endParaRPr lang="en-IN" dirty="0"/>
+          </a:p>
+        </p:txBody>
+      </p:sp>
+    </p:spTree>
+    <p:extLst>
+      <p:ext uri="{BB962C8B-B14F-4D97-AF65-F5344CB8AC3E}">
+        <p14:creationId xmlns:p14="http://schemas.microsoft.com/office/powerpoint/2010/main" val="445512014"/>
+      </p:ext>
+    </p:extLst>
+  </p:cSld>
+  <p:clrMapOvr>
+    <a:masterClrMapping/>
+  </p:clrMapOvr>
+</p:sld>
+</file>
+
+<file path=ppt/slides/slide43.xml><?xml version="1.0" encoding="utf-8"?>
+<p:sld xmlns:a="http://schemas.openxmlformats.org/drawingml/2006/main" xmlns:r="http://schemas.openxmlformats.org/officeDocument/2006/relationships" xmlns:p="http://schemas.openxmlformats.org/presentationml/2006/main">
+  <p:cSld>
+    <p:spTree>
+      <p:nvGrpSpPr>
+        <p:cNvPr id="1" name=""/>
+        <p:cNvGrpSpPr/>
+        <p:nvPr/>
+      </p:nvGrpSpPr>
+      <p:grpSpPr>
+        <a:xfrm>
+          <a:off x="0" y="0"/>
+          <a:ext cx="0" cy="0"/>
+          <a:chOff x="0" y="0"/>
+          <a:chExt cx="0" cy="0"/>
+        </a:xfrm>
+      </p:grpSpPr>
+      <p:sp>
+        <p:nvSpPr>
+          <p:cNvPr id="2" name="Title 1"/>
+          <p:cNvSpPr>
+            <a:spLocks noGrp="1"/>
+          </p:cNvSpPr>
+          <p:nvPr>
+            <p:ph type="title"/>
+          </p:nvPr>
+        </p:nvSpPr>
+        <p:spPr/>
+        <p:txBody>
+          <a:bodyPr/>
+          <a:lstStyle/>
+          <a:p>
+            <a:pPr algn="ctr"/>
+            <a:r>
+              <a:rPr lang="en-IN" b="1" dirty="0"/>
+              <a:t>Access Modifiers</a:t>
+            </a:r>
+            <a:endParaRPr lang="en-IN" dirty="0"/>
+          </a:p>
+        </p:txBody>
+      </p:sp>
+      <p:sp>
+        <p:nvSpPr>
+          <p:cNvPr id="3" name="Content Placeholder 2"/>
+          <p:cNvSpPr>
+            <a:spLocks noGrp="1"/>
+          </p:cNvSpPr>
+          <p:nvPr>
+            <p:ph idx="1"/>
+          </p:nvPr>
+        </p:nvSpPr>
+        <p:spPr/>
+        <p:txBody>
+          <a:bodyPr/>
+          <a:lstStyle/>
+          <a:p>
+            <a:pPr marL="0" indent="0">
+              <a:buNone/>
+            </a:pPr>
+            <a:r>
+              <a:rPr lang="en-US" dirty="0"/>
+              <a:t>In c#, </a:t>
+            </a:r>
+            <a:r>
+              <a:rPr lang="en-US" b="1" dirty="0"/>
+              <a:t>Access Modifiers</a:t>
+            </a:r>
+            <a:r>
+              <a:rPr lang="en-US" dirty="0"/>
+              <a:t> are the keywords used to define an accessibility level for all types and type members</a:t>
+            </a:r>
+            <a:r>
+              <a:rPr lang="en-US" dirty="0" smtClean="0"/>
+              <a:t>.</a:t>
+            </a:r>
+          </a:p>
+          <a:p>
+            <a:pPr marL="0" indent="0">
+              <a:buNone/>
+            </a:pPr>
+            <a:r>
+              <a:rPr lang="en-US" dirty="0"/>
+              <a:t>The following are the different types of access modifiers available in the </a:t>
+            </a:r>
+            <a:r>
+              <a:rPr lang="en-US" dirty="0" err="1"/>
+              <a:t>c#</a:t>
+            </a:r>
+            <a:r>
+              <a:rPr lang="en-US" dirty="0"/>
+              <a:t> programming language</a:t>
+            </a:r>
+            <a:r>
+              <a:rPr lang="en-US" dirty="0" smtClean="0"/>
+              <a:t>.</a:t>
+            </a:r>
+          </a:p>
+          <a:p>
+            <a:r>
+              <a:rPr lang="en-IN" dirty="0"/>
+              <a:t>Public</a:t>
+            </a:r>
+          </a:p>
+          <a:p>
+            <a:r>
+              <a:rPr lang="en-IN" dirty="0"/>
+              <a:t>Private</a:t>
+            </a:r>
+          </a:p>
+          <a:p>
+            <a:r>
+              <a:rPr lang="en-IN" dirty="0"/>
+              <a:t>Protected</a:t>
+            </a:r>
+          </a:p>
+          <a:p>
+            <a:r>
+              <a:rPr lang="en-IN" dirty="0"/>
+              <a:t>Internal</a:t>
+            </a:r>
+          </a:p>
+          <a:p>
+            <a:pPr marL="0" indent="0">
+              <a:buNone/>
+            </a:pPr>
+            <a:endParaRPr lang="en-IN" dirty="0"/>
+          </a:p>
+        </p:txBody>
+      </p:sp>
+    </p:spTree>
+    <p:extLst>
+      <p:ext uri="{BB962C8B-B14F-4D97-AF65-F5344CB8AC3E}">
+        <p14:creationId xmlns:p14="http://schemas.microsoft.com/office/powerpoint/2010/main" val="736613034"/>
+      </p:ext>
+    </p:extLst>
+  </p:cSld>
+  <p:clrMapOvr>
+    <a:masterClrMapping/>
+  </p:clrMapOvr>
+</p:sld>
+</file>
+
+<file path=ppt/slides/slide44.xml><?xml version="1.0" encoding="utf-8"?>
+<p:sld xmlns:a="http://schemas.openxmlformats.org/drawingml/2006/main" xmlns:r="http://schemas.openxmlformats.org/officeDocument/2006/relationships" xmlns:p="http://schemas.openxmlformats.org/presentationml/2006/main">
+  <p:cSld>
+    <p:spTree>
+      <p:nvGrpSpPr>
+        <p:cNvPr id="1" name=""/>
+        <p:cNvGrpSpPr/>
+        <p:nvPr/>
+      </p:nvGrpSpPr>
+      <p:grpSpPr>
+        <a:xfrm>
+          <a:off x="0" y="0"/>
+          <a:ext cx="0" cy="0"/>
+          <a:chOff x="0" y="0"/>
+          <a:chExt cx="0" cy="0"/>
+        </a:xfrm>
+      </p:grpSpPr>
+      <p:sp>
+        <p:nvSpPr>
+          <p:cNvPr id="2" name="Title 1"/>
+          <p:cNvSpPr>
+            <a:spLocks noGrp="1"/>
+          </p:cNvSpPr>
+          <p:nvPr>
+            <p:ph type="title"/>
+          </p:nvPr>
+        </p:nvSpPr>
+        <p:spPr/>
+        <p:txBody>
+          <a:bodyPr/>
+          <a:lstStyle/>
+          <a:p>
+            <a:pPr algn="ctr"/>
+            <a:r>
+              <a:rPr lang="en-US" dirty="0" smtClean="0"/>
+              <a:t>Public Access Modifier</a:t>
+            </a:r>
+            <a:endParaRPr lang="en-IN" dirty="0"/>
+          </a:p>
+        </p:txBody>
+      </p:sp>
+      <p:sp>
+        <p:nvSpPr>
+          <p:cNvPr id="3" name="Content Placeholder 2"/>
+          <p:cNvSpPr>
+            <a:spLocks noGrp="1"/>
+          </p:cNvSpPr>
+          <p:nvPr>
+            <p:ph idx="1"/>
+          </p:nvPr>
+        </p:nvSpPr>
+        <p:spPr/>
+        <p:txBody>
+          <a:bodyPr/>
+          <a:lstStyle/>
+          <a:p>
+            <a:pPr marL="0" indent="0">
+              <a:buNone/>
+            </a:pPr>
+            <a:r>
+              <a:rPr lang="en-US" dirty="0"/>
+              <a:t>In c#, the </a:t>
+            </a:r>
+            <a:r>
+              <a:rPr lang="en-US" b="1" dirty="0"/>
+              <a:t>public</a:t>
+            </a:r>
+            <a:r>
+              <a:rPr lang="en-US" dirty="0"/>
+              <a:t> modifier is used to specify that access is not restricted, so the defined type or member can be accessed by any other code in the current assembly or another assembly that references it.</a:t>
+            </a:r>
+            <a:endParaRPr lang="en-IN" dirty="0"/>
+          </a:p>
+        </p:txBody>
+      </p:sp>
+    </p:spTree>
+    <p:extLst>
+      <p:ext uri="{BB962C8B-B14F-4D97-AF65-F5344CB8AC3E}">
+        <p14:creationId xmlns:p14="http://schemas.microsoft.com/office/powerpoint/2010/main" val="1582025555"/>
+      </p:ext>
+    </p:extLst>
+  </p:cSld>
+  <p:clrMapOvr>
+    <a:masterClrMapping/>
+  </p:clrMapOvr>
+</p:sld>
+</file>
+
+<file path=ppt/slides/slide45.xml><?xml version="1.0" encoding="utf-8"?>
+<p:sld xmlns:a="http://schemas.openxmlformats.org/drawingml/2006/main" xmlns:r="http://schemas.openxmlformats.org/officeDocument/2006/relationships" xmlns:p="http://schemas.openxmlformats.org/presentationml/2006/main">
+  <p:cSld>
+    <p:spTree>
+      <p:nvGrpSpPr>
+        <p:cNvPr id="1" name=""/>
+        <p:cNvGrpSpPr/>
+        <p:nvPr/>
+      </p:nvGrpSpPr>
+      <p:grpSpPr>
+        <a:xfrm>
+          <a:off x="0" y="0"/>
+          <a:ext cx="0" cy="0"/>
+          <a:chOff x="0" y="0"/>
+          <a:chExt cx="0" cy="0"/>
+        </a:xfrm>
+      </p:grpSpPr>
+      <p:sp>
+        <p:nvSpPr>
+          <p:cNvPr id="2" name="Title 1"/>
+          <p:cNvSpPr>
+            <a:spLocks noGrp="1"/>
+          </p:cNvSpPr>
+          <p:nvPr>
+            <p:ph type="title"/>
+          </p:nvPr>
+        </p:nvSpPr>
+        <p:spPr/>
+        <p:txBody>
+          <a:bodyPr/>
+          <a:lstStyle/>
+          <a:p>
+            <a:pPr algn="ctr"/>
+            <a:r>
+              <a:rPr lang="en-US" dirty="0" smtClean="0"/>
+              <a:t>Private Access Modifier</a:t>
+            </a:r>
+            <a:endParaRPr lang="en-IN" dirty="0"/>
+          </a:p>
+        </p:txBody>
+      </p:sp>
+      <p:sp>
+        <p:nvSpPr>
+          <p:cNvPr id="3" name="Content Placeholder 2"/>
+          <p:cNvSpPr>
+            <a:spLocks noGrp="1"/>
+          </p:cNvSpPr>
+          <p:nvPr>
+            <p:ph idx="1"/>
+          </p:nvPr>
+        </p:nvSpPr>
+        <p:spPr/>
+        <p:txBody>
+          <a:bodyPr/>
+          <a:lstStyle/>
+          <a:p>
+            <a:r>
+              <a:rPr lang="en-US" dirty="0" smtClean="0"/>
+              <a:t>The private data members and member functions that only accessible with in the class </a:t>
+            </a:r>
+          </a:p>
+          <a:p>
+            <a:r>
+              <a:rPr lang="en-US" dirty="0" smtClean="0"/>
+              <a:t>Every method and members in the class and structures are private</a:t>
+            </a:r>
+          </a:p>
+          <a:p>
+            <a:pPr marL="0" indent="0">
+              <a:buNone/>
+            </a:pPr>
+            <a:endParaRPr lang="en-US" dirty="0" smtClean="0"/>
+          </a:p>
+          <a:p>
+            <a:pPr marL="0" indent="0">
+              <a:buNone/>
+            </a:pPr>
+            <a:endParaRPr lang="en-IN" dirty="0"/>
+          </a:p>
+        </p:txBody>
+      </p:sp>
+    </p:spTree>
+    <p:extLst>
+      <p:ext uri="{BB962C8B-B14F-4D97-AF65-F5344CB8AC3E}">
+        <p14:creationId xmlns:p14="http://schemas.microsoft.com/office/powerpoint/2010/main" val="1634598232"/>
+      </p:ext>
+    </p:extLst>
+  </p:cSld>
+  <p:clrMapOvr>
+    <a:masterClrMapping/>
+  </p:clrMapOvr>
+</p:sld>
+</file>
+
+<file path=ppt/slides/slide46.xml><?xml version="1.0" encoding="utf-8"?>
+<p:sld xmlns:a="http://schemas.openxmlformats.org/drawingml/2006/main" xmlns:r="http://schemas.openxmlformats.org/officeDocument/2006/relationships" xmlns:p="http://schemas.openxmlformats.org/presentationml/2006/main">
+  <p:cSld>
+    <p:spTree>
+      <p:nvGrpSpPr>
+        <p:cNvPr id="1" name=""/>
+        <p:cNvGrpSpPr/>
+        <p:nvPr/>
+      </p:nvGrpSpPr>
+      <p:grpSpPr>
+        <a:xfrm>
+          <a:off x="0" y="0"/>
+          <a:ext cx="0" cy="0"/>
+          <a:chOff x="0" y="0"/>
+          <a:chExt cx="0" cy="0"/>
+        </a:xfrm>
+      </p:grpSpPr>
+      <p:sp>
+        <p:nvSpPr>
+          <p:cNvPr id="2" name="Title 1"/>
+          <p:cNvSpPr>
+            <a:spLocks noGrp="1"/>
+          </p:cNvSpPr>
+          <p:nvPr>
+            <p:ph type="title"/>
+          </p:nvPr>
+        </p:nvSpPr>
+        <p:spPr/>
+        <p:txBody>
+          <a:bodyPr/>
+          <a:lstStyle/>
+          <a:p>
+            <a:pPr algn="ctr"/>
+            <a:r>
+              <a:rPr lang="en-US" dirty="0" smtClean="0"/>
+              <a:t>Protected Access Modifier</a:t>
+            </a:r>
+            <a:endParaRPr lang="en-IN" dirty="0"/>
+          </a:p>
+        </p:txBody>
+      </p:sp>
+      <p:sp>
+        <p:nvSpPr>
+          <p:cNvPr id="3" name="Content Placeholder 2"/>
+          <p:cNvSpPr>
+            <a:spLocks noGrp="1"/>
+          </p:cNvSpPr>
+          <p:nvPr>
+            <p:ph idx="1"/>
+          </p:nvPr>
+        </p:nvSpPr>
+        <p:spPr/>
+        <p:txBody>
+          <a:bodyPr/>
+          <a:lstStyle/>
+          <a:p>
+            <a:r>
+              <a:rPr lang="en-US" dirty="0" smtClean="0"/>
+              <a:t>The protected access modifier will give only permissions to the its derived class</a:t>
+            </a:r>
+          </a:p>
+          <a:p>
+            <a:r>
+              <a:rPr lang="en-US" dirty="0" smtClean="0"/>
+              <a:t>It only accessible on with in class and its derived class</a:t>
+            </a:r>
+            <a:endParaRPr lang="en-IN" dirty="0"/>
+          </a:p>
+        </p:txBody>
+      </p:sp>
+    </p:spTree>
+    <p:extLst>
+      <p:ext uri="{BB962C8B-B14F-4D97-AF65-F5344CB8AC3E}">
+        <p14:creationId xmlns:p14="http://schemas.microsoft.com/office/powerpoint/2010/main" val="3519610225"/>
+      </p:ext>
+    </p:extLst>
+  </p:cSld>
+  <p:clrMapOvr>
+    <a:masterClrMapping/>
+  </p:clrMapOvr>
+</p:sld>
+</file>
+
+<file path=ppt/slides/slide47.xml><?xml version="1.0" encoding="utf-8"?>
+<p:sld xmlns:a="http://schemas.openxmlformats.org/drawingml/2006/main" xmlns:r="http://schemas.openxmlformats.org/officeDocument/2006/relationships" xmlns:p="http://schemas.openxmlformats.org/presentationml/2006/main">
+  <p:cSld>
+    <p:spTree>
+      <p:nvGrpSpPr>
+        <p:cNvPr id="1" name=""/>
+        <p:cNvGrpSpPr/>
+        <p:nvPr/>
+      </p:nvGrpSpPr>
+      <p:grpSpPr>
+        <a:xfrm>
+          <a:off x="0" y="0"/>
+          <a:ext cx="0" cy="0"/>
+          <a:chOff x="0" y="0"/>
+          <a:chExt cx="0" cy="0"/>
+        </a:xfrm>
+      </p:grpSpPr>
+      <p:sp>
+        <p:nvSpPr>
+          <p:cNvPr id="2" name="Title 1"/>
+          <p:cNvSpPr>
+            <a:spLocks noGrp="1"/>
+          </p:cNvSpPr>
+          <p:nvPr>
+            <p:ph type="title"/>
+          </p:nvPr>
+        </p:nvSpPr>
+        <p:spPr/>
+        <p:txBody>
+          <a:bodyPr/>
+          <a:lstStyle/>
+          <a:p>
+            <a:pPr algn="ctr"/>
+            <a:r>
+              <a:rPr lang="en-US" dirty="0" smtClean="0"/>
+              <a:t>Internal Access Modifier</a:t>
+            </a:r>
+            <a:endParaRPr lang="en-IN" dirty="0"/>
+          </a:p>
+        </p:txBody>
+      </p:sp>
+      <p:sp>
+        <p:nvSpPr>
+          <p:cNvPr id="3" name="Content Placeholder 2"/>
+          <p:cNvSpPr>
+            <a:spLocks noGrp="1"/>
+          </p:cNvSpPr>
+          <p:nvPr>
+            <p:ph idx="1"/>
+          </p:nvPr>
+        </p:nvSpPr>
+        <p:spPr/>
+        <p:txBody>
+          <a:bodyPr/>
+          <a:lstStyle/>
+          <a:p>
+            <a:r>
+              <a:rPr lang="en-US" dirty="0" smtClean="0"/>
+              <a:t>The accessibility of  members are within the project or namespace </a:t>
+            </a:r>
+          </a:p>
+          <a:p>
+            <a:r>
+              <a:rPr lang="en-US" dirty="0" smtClean="0"/>
+              <a:t>By default all the classes are internal</a:t>
+            </a:r>
+          </a:p>
+          <a:p>
+            <a:r>
+              <a:rPr lang="en-US" dirty="0" smtClean="0"/>
+              <a:t>We can not internal methods on other project</a:t>
+            </a:r>
+            <a:endParaRPr lang="en-IN" dirty="0"/>
+          </a:p>
+        </p:txBody>
+      </p:sp>
+    </p:spTree>
+    <p:extLst>
+      <p:ext uri="{BB962C8B-B14F-4D97-AF65-F5344CB8AC3E}">
+        <p14:creationId xmlns:p14="http://schemas.microsoft.com/office/powerpoint/2010/main" val="2820682333"/>
+      </p:ext>
+    </p:extLst>
+  </p:cSld>
+  <p:clrMapOvr>
+    <a:masterClrMapping/>
+  </p:clrMapOvr>
+</p:sld>
+</file>
+
+<file path=ppt/slides/slide48.xml><?xml version="1.0" encoding="utf-8"?>
+<p:sld xmlns:a="http://schemas.openxmlformats.org/drawingml/2006/main" xmlns:r="http://schemas.openxmlformats.org/officeDocument/2006/relationships" xmlns:p="http://schemas.openxmlformats.org/presentationml/2006/main">
+  <p:cSld>
+    <p:spTree>
+      <p:nvGrpSpPr>
+        <p:cNvPr id="1" name=""/>
+        <p:cNvGrpSpPr/>
+        <p:nvPr/>
+      </p:nvGrpSpPr>
+      <p:grpSpPr>
+        <a:xfrm>
+          <a:off x="0" y="0"/>
+          <a:ext cx="0" cy="0"/>
+          <a:chOff x="0" y="0"/>
+          <a:chExt cx="0" cy="0"/>
+        </a:xfrm>
+      </p:grpSpPr>
+      <p:sp>
+        <p:nvSpPr>
+          <p:cNvPr id="2" name="Title 1"/>
+          <p:cNvSpPr>
+            <a:spLocks noGrp="1"/>
+          </p:cNvSpPr>
+          <p:nvPr>
+            <p:ph type="title"/>
+          </p:nvPr>
+        </p:nvSpPr>
+        <p:spPr/>
+        <p:txBody>
+          <a:bodyPr/>
+          <a:lstStyle/>
+          <a:p>
+            <a:pPr algn="ctr"/>
+            <a:r>
+              <a:rPr lang="en-US" dirty="0" smtClean="0"/>
+              <a:t>Protected Internal Access Modifier</a:t>
+            </a:r>
+            <a:endParaRPr lang="en-IN" dirty="0"/>
+          </a:p>
+        </p:txBody>
+      </p:sp>
+      <p:sp>
+        <p:nvSpPr>
+          <p:cNvPr id="3" name="Content Placeholder 2"/>
+          <p:cNvSpPr>
+            <a:spLocks noGrp="1"/>
+          </p:cNvSpPr>
+          <p:nvPr>
+            <p:ph idx="1"/>
+          </p:nvPr>
+        </p:nvSpPr>
+        <p:spPr/>
+        <p:txBody>
+          <a:bodyPr/>
+          <a:lstStyle/>
+          <a:p>
+            <a:r>
+              <a:rPr lang="en-US" dirty="0" smtClean="0"/>
+              <a:t>In this if any one is satisfied it will give the access</a:t>
+            </a:r>
+          </a:p>
+          <a:p>
+            <a:r>
+              <a:rPr lang="en-US" dirty="0" smtClean="0"/>
+              <a:t>For example if a method is declared as protected internal then that class is inherited outside of the project</a:t>
+            </a:r>
+          </a:p>
+          <a:p>
+            <a:r>
+              <a:rPr lang="en-US" dirty="0" smtClean="0"/>
+              <a:t>It checks protected is accessible and internal is not accessible</a:t>
+            </a:r>
+          </a:p>
+          <a:p>
+            <a:r>
+              <a:rPr lang="en-US" dirty="0" smtClean="0"/>
+              <a:t>In the both it satisfies protected then it will gives the </a:t>
+            </a:r>
+            <a:r>
+              <a:rPr lang="en-US" dirty="0" err="1" smtClean="0"/>
+              <a:t>permision</a:t>
+            </a:r>
+            <a:endParaRPr lang="en-IN" dirty="0"/>
+          </a:p>
+        </p:txBody>
+      </p:sp>
+    </p:spTree>
+    <p:extLst>
+      <p:ext uri="{BB962C8B-B14F-4D97-AF65-F5344CB8AC3E}">
+        <p14:creationId xmlns:p14="http://schemas.microsoft.com/office/powerpoint/2010/main" val="847759834"/>
+      </p:ext>
+    </p:extLst>
+  </p:cSld>
+  <p:clrMapOvr>
+    <a:masterClrMapping/>
+  </p:clrMapOvr>
+</p:sld>
+</file>
+
+<file path=ppt/slides/slide49.xml><?xml version="1.0" encoding="utf-8"?>
+<p:sld xmlns:a="http://schemas.openxmlformats.org/drawingml/2006/main" xmlns:r="http://schemas.openxmlformats.org/officeDocument/2006/relationships" xmlns:p="http://schemas.openxmlformats.org/presentationml/2006/main">
+  <p:cSld>
+    <p:spTree>
+      <p:nvGrpSpPr>
+        <p:cNvPr id="1" name=""/>
+        <p:cNvGrpSpPr/>
+        <p:nvPr/>
+      </p:nvGrpSpPr>
+      <p:grpSpPr>
+        <a:xfrm>
+          <a:off x="0" y="0"/>
+          <a:ext cx="0" cy="0"/>
+          <a:chOff x="0" y="0"/>
+          <a:chExt cx="0" cy="0"/>
+        </a:xfrm>
+      </p:grpSpPr>
+      <p:sp>
+        <p:nvSpPr>
+          <p:cNvPr id="2" name="Title 1"/>
+          <p:cNvSpPr>
+            <a:spLocks noGrp="1"/>
+          </p:cNvSpPr>
+          <p:nvPr>
+            <p:ph type="title"/>
+          </p:nvPr>
+        </p:nvSpPr>
+        <p:spPr>
+          <a:xfrm>
+            <a:off x="838200" y="365125"/>
+            <a:ext cx="10515600" cy="6298911"/>
+          </a:xfrm>
+        </p:spPr>
+        <p:txBody>
+          <a:bodyPr/>
+          <a:lstStyle/>
+          <a:p>
+            <a:pPr algn="ctr"/>
+            <a:r>
+              <a:rPr lang="en-US" dirty="0" smtClean="0"/>
+              <a:t>Encapsulation</a:t>
+            </a:r>
+            <a:endParaRPr lang="en-IN" dirty="0"/>
+          </a:p>
+        </p:txBody>
+      </p:sp>
+    </p:spTree>
+    <p:extLst>
+      <p:ext uri="{BB962C8B-B14F-4D97-AF65-F5344CB8AC3E}">
+        <p14:creationId xmlns:p14="http://schemas.microsoft.com/office/powerpoint/2010/main" val="2338546155"/>
+      </p:ext>
+    </p:extLst>
+  </p:cSld>
+  <p:clrMapOvr>
+    <a:masterClrMapping/>
+  </p:clrMapOvr>
+</p:sld>
+</file>
+
 <file path=ppt/slides/slide5.xml><?xml version="1.0" encoding="utf-8"?>
 <p:sld xmlns:a="http://schemas.openxmlformats.org/drawingml/2006/main" xmlns:r="http://schemas.openxmlformats.org/officeDocument/2006/relationships" xmlns:p="http://schemas.openxmlformats.org/presentationml/2006/main">
   <p:cSld>
@@ -30241,6 +30983,1094 @@
     <p:extLst>
       <p:ext uri="{BB962C8B-B14F-4D97-AF65-F5344CB8AC3E}">
         <p14:creationId xmlns:p14="http://schemas.microsoft.com/office/powerpoint/2010/main" val="3168820153"/>
+      </p:ext>
+    </p:extLst>
+  </p:cSld>
+  <p:clrMapOvr>
+    <a:masterClrMapping/>
+  </p:clrMapOvr>
+</p:sld>
+</file>
+
+<file path=ppt/slides/slide50.xml><?xml version="1.0" encoding="utf-8"?>
+<p:sld xmlns:a="http://schemas.openxmlformats.org/drawingml/2006/main" xmlns:r="http://schemas.openxmlformats.org/officeDocument/2006/relationships" xmlns:p="http://schemas.openxmlformats.org/presentationml/2006/main">
+  <p:cSld>
+    <p:spTree>
+      <p:nvGrpSpPr>
+        <p:cNvPr id="1" name=""/>
+        <p:cNvGrpSpPr/>
+        <p:nvPr/>
+      </p:nvGrpSpPr>
+      <p:grpSpPr>
+        <a:xfrm>
+          <a:off x="0" y="0"/>
+          <a:ext cx="0" cy="0"/>
+          <a:chOff x="0" y="0"/>
+          <a:chExt cx="0" cy="0"/>
+        </a:xfrm>
+      </p:grpSpPr>
+      <p:sp>
+        <p:nvSpPr>
+          <p:cNvPr id="3" name="Content Placeholder 2"/>
+          <p:cNvSpPr>
+            <a:spLocks noGrp="1"/>
+          </p:cNvSpPr>
+          <p:nvPr>
+            <p:ph idx="1"/>
+          </p:nvPr>
+        </p:nvSpPr>
+        <p:spPr>
+          <a:xfrm>
+            <a:off x="838200" y="484909"/>
+            <a:ext cx="10515600" cy="5692054"/>
+          </a:xfrm>
+        </p:spPr>
+        <p:txBody>
+          <a:bodyPr/>
+          <a:lstStyle/>
+          <a:p>
+            <a:pPr marL="0" indent="0">
+              <a:buNone/>
+            </a:pPr>
+            <a:r>
+              <a:rPr lang="en-US" dirty="0"/>
+              <a:t>In c#, </a:t>
+            </a:r>
+            <a:r>
+              <a:rPr lang="en-US" b="1" dirty="0"/>
+              <a:t>Encapsulation</a:t>
+            </a:r>
+            <a:r>
+              <a:rPr lang="en-US" dirty="0"/>
+              <a:t> is a process of binding the data members and member functions into a single unit. In c#, the class is the real-time example for encapsulation because it will combine various types of data members and member functions into a single unit</a:t>
+            </a:r>
+            <a:r>
+              <a:rPr lang="en-US" dirty="0" smtClean="0"/>
+              <a:t>.</a:t>
+            </a:r>
+            <a:endParaRPr lang="en-IN" dirty="0"/>
+          </a:p>
+        </p:txBody>
+      </p:sp>
+      <p:pic>
+        <p:nvPicPr>
+          <p:cNvPr id="4" name="Picture 3"/>
+          <p:cNvPicPr>
+            <a:picLocks noChangeAspect="1"/>
+          </p:cNvPicPr>
+          <p:nvPr/>
+        </p:nvPicPr>
+        <p:blipFill>
+          <a:blip r:embed="rId2"/>
+          <a:stretch>
+            <a:fillRect/>
+          </a:stretch>
+        </p:blipFill>
+        <p:spPr>
+          <a:xfrm>
+            <a:off x="651165" y="2382981"/>
+            <a:ext cx="10917380" cy="4350328"/>
+          </a:xfrm>
+          <a:prstGeom prst="rect">
+            <a:avLst/>
+          </a:prstGeom>
+        </p:spPr>
+      </p:pic>
+    </p:spTree>
+    <p:extLst>
+      <p:ext uri="{BB962C8B-B14F-4D97-AF65-F5344CB8AC3E}">
+        <p14:creationId xmlns:p14="http://schemas.microsoft.com/office/powerpoint/2010/main" val="268617558"/>
+      </p:ext>
+    </p:extLst>
+  </p:cSld>
+  <p:clrMapOvr>
+    <a:masterClrMapping/>
+  </p:clrMapOvr>
+</p:sld>
+</file>
+
+<file path=ppt/slides/slide51.xml><?xml version="1.0" encoding="utf-8"?>
+<p:sld xmlns:a="http://schemas.openxmlformats.org/drawingml/2006/main" xmlns:r="http://schemas.openxmlformats.org/officeDocument/2006/relationships" xmlns:p="http://schemas.openxmlformats.org/presentationml/2006/main">
+  <p:cSld>
+    <p:spTree>
+      <p:nvGrpSpPr>
+        <p:cNvPr id="1" name=""/>
+        <p:cNvGrpSpPr/>
+        <p:nvPr/>
+      </p:nvGrpSpPr>
+      <p:grpSpPr>
+        <a:xfrm>
+          <a:off x="0" y="0"/>
+          <a:ext cx="0" cy="0"/>
+          <a:chOff x="0" y="0"/>
+          <a:chExt cx="0" cy="0"/>
+        </a:xfrm>
+      </p:grpSpPr>
+      <p:sp>
+        <p:nvSpPr>
+          <p:cNvPr id="2" name="Title 1"/>
+          <p:cNvSpPr>
+            <a:spLocks noGrp="1"/>
+          </p:cNvSpPr>
+          <p:nvPr>
+            <p:ph type="title"/>
+          </p:nvPr>
+        </p:nvSpPr>
+        <p:spPr>
+          <a:xfrm>
+            <a:off x="838200" y="365125"/>
+            <a:ext cx="10515600" cy="951057"/>
+          </a:xfrm>
+        </p:spPr>
+        <p:txBody>
+          <a:bodyPr>
+            <a:normAutofit fontScale="90000"/>
+          </a:bodyPr>
+          <a:lstStyle/>
+          <a:p>
+            <a:pPr algn="ctr"/>
+            <a:r>
+              <a:rPr lang="en-IN" dirty="0"/>
+              <a:t>Abstraction</a:t>
+            </a:r>
+            <a:br>
+              <a:rPr lang="en-IN" dirty="0"/>
+            </a:br>
+            <a:endParaRPr lang="en-IN" dirty="0"/>
+          </a:p>
+        </p:txBody>
+      </p:sp>
+      <p:sp>
+        <p:nvSpPr>
+          <p:cNvPr id="3" name="Content Placeholder 2"/>
+          <p:cNvSpPr>
+            <a:spLocks noGrp="1"/>
+          </p:cNvSpPr>
+          <p:nvPr>
+            <p:ph idx="1"/>
+          </p:nvPr>
+        </p:nvSpPr>
+        <p:spPr>
+          <a:xfrm>
+            <a:off x="838200" y="1094509"/>
+            <a:ext cx="10515600" cy="5082454"/>
+          </a:xfrm>
+        </p:spPr>
+        <p:txBody>
+          <a:bodyPr/>
+          <a:lstStyle/>
+          <a:p>
+            <a:pPr marL="0" indent="0">
+              <a:buNone/>
+            </a:pPr>
+            <a:r>
+              <a:rPr lang="en-US" dirty="0"/>
+              <a:t>In c#, </a:t>
+            </a:r>
+            <a:r>
+              <a:rPr lang="en-US" b="1" dirty="0"/>
+              <a:t>Abstraction</a:t>
+            </a:r>
+            <a:r>
+              <a:rPr lang="en-US" dirty="0"/>
+              <a:t> is a principle of object-oriented programming language (OOP), and it is used to hide the implementation details and display only essential features of the object</a:t>
+            </a:r>
+            <a:r>
+              <a:rPr lang="en-US" dirty="0" smtClean="0"/>
+              <a:t>.</a:t>
+            </a:r>
+          </a:p>
+          <a:p>
+            <a:pPr marL="0" indent="0">
+              <a:buNone/>
+            </a:pPr>
+            <a:endParaRPr lang="en-US" dirty="0"/>
+          </a:p>
+        </p:txBody>
+      </p:sp>
+      <p:pic>
+        <p:nvPicPr>
+          <p:cNvPr id="4" name="Picture 3"/>
+          <p:cNvPicPr>
+            <a:picLocks noChangeAspect="1"/>
+          </p:cNvPicPr>
+          <p:nvPr/>
+        </p:nvPicPr>
+        <p:blipFill>
+          <a:blip r:embed="rId2"/>
+          <a:stretch>
+            <a:fillRect/>
+          </a:stretch>
+        </p:blipFill>
+        <p:spPr>
+          <a:xfrm>
+            <a:off x="387927" y="2272144"/>
+            <a:ext cx="11319164" cy="4378037"/>
+          </a:xfrm>
+          <a:prstGeom prst="rect">
+            <a:avLst/>
+          </a:prstGeom>
+        </p:spPr>
+      </p:pic>
+    </p:spTree>
+    <p:extLst>
+      <p:ext uri="{BB962C8B-B14F-4D97-AF65-F5344CB8AC3E}">
+        <p14:creationId xmlns:p14="http://schemas.microsoft.com/office/powerpoint/2010/main" val="2440065466"/>
+      </p:ext>
+    </p:extLst>
+  </p:cSld>
+  <p:clrMapOvr>
+    <a:masterClrMapping/>
+  </p:clrMapOvr>
+</p:sld>
+</file>
+
+<file path=ppt/slides/slide52.xml><?xml version="1.0" encoding="utf-8"?>
+<p:sld xmlns:a="http://schemas.openxmlformats.org/drawingml/2006/main" xmlns:r="http://schemas.openxmlformats.org/officeDocument/2006/relationships" xmlns:p="http://schemas.openxmlformats.org/presentationml/2006/main">
+  <p:cSld>
+    <p:spTree>
+      <p:nvGrpSpPr>
+        <p:cNvPr id="1" name=""/>
+        <p:cNvGrpSpPr/>
+        <p:nvPr/>
+      </p:nvGrpSpPr>
+      <p:grpSpPr>
+        <a:xfrm>
+          <a:off x="0" y="0"/>
+          <a:ext cx="0" cy="0"/>
+          <a:chOff x="0" y="0"/>
+          <a:chExt cx="0" cy="0"/>
+        </a:xfrm>
+      </p:grpSpPr>
+      <p:sp>
+        <p:nvSpPr>
+          <p:cNvPr id="2" name="Title 1"/>
+          <p:cNvSpPr>
+            <a:spLocks noGrp="1"/>
+          </p:cNvSpPr>
+          <p:nvPr>
+            <p:ph type="title"/>
+          </p:nvPr>
+        </p:nvSpPr>
+        <p:spPr>
+          <a:xfrm>
+            <a:off x="838200" y="365125"/>
+            <a:ext cx="10515600" cy="1048039"/>
+          </a:xfrm>
+        </p:spPr>
+        <p:txBody>
+          <a:bodyPr>
+            <a:normAutofit fontScale="90000"/>
+          </a:bodyPr>
+          <a:lstStyle/>
+          <a:p>
+            <a:pPr algn="ctr"/>
+            <a:r>
+              <a:rPr lang="en-IN" dirty="0"/>
+              <a:t>Inheritance</a:t>
+            </a:r>
+            <a:br>
+              <a:rPr lang="en-IN" dirty="0"/>
+            </a:br>
+            <a:endParaRPr lang="en-IN" dirty="0"/>
+          </a:p>
+        </p:txBody>
+      </p:sp>
+      <p:sp>
+        <p:nvSpPr>
+          <p:cNvPr id="3" name="Content Placeholder 2"/>
+          <p:cNvSpPr>
+            <a:spLocks noGrp="1"/>
+          </p:cNvSpPr>
+          <p:nvPr>
+            <p:ph idx="1"/>
+          </p:nvPr>
+        </p:nvSpPr>
+        <p:spPr>
+          <a:xfrm>
+            <a:off x="838200" y="1136073"/>
+            <a:ext cx="10515600" cy="5040890"/>
+          </a:xfrm>
+        </p:spPr>
+        <p:txBody>
+          <a:bodyPr/>
+          <a:lstStyle/>
+          <a:p>
+            <a:r>
+              <a:rPr lang="en-US" dirty="0" smtClean="0"/>
+              <a:t>Acquiring the properties of another class by holding the properties of his class</a:t>
+            </a:r>
+          </a:p>
+          <a:p>
+            <a:pPr marL="0" indent="0">
+              <a:buNone/>
+            </a:pPr>
+            <a:r>
+              <a:rPr lang="en-US" dirty="0"/>
+              <a:t>	</a:t>
+            </a:r>
+            <a:r>
+              <a:rPr lang="en-US" dirty="0" smtClean="0"/>
+              <a:t>There are four types of inheritance</a:t>
+            </a:r>
+          </a:p>
+          <a:p>
+            <a:pPr marL="514350" indent="-514350">
+              <a:buFont typeface="+mj-lt"/>
+              <a:buAutoNum type="arabicPeriod"/>
+            </a:pPr>
+            <a:r>
+              <a:rPr lang="en-US" dirty="0" smtClean="0"/>
+              <a:t>Single inheritance</a:t>
+            </a:r>
+          </a:p>
+          <a:p>
+            <a:pPr marL="514350" indent="-514350">
+              <a:buFont typeface="+mj-lt"/>
+              <a:buAutoNum type="arabicPeriod"/>
+            </a:pPr>
+            <a:r>
+              <a:rPr lang="en-US" dirty="0" smtClean="0"/>
+              <a:t>Multi level inheritance</a:t>
+            </a:r>
+          </a:p>
+          <a:p>
+            <a:pPr marL="514350" indent="-514350">
+              <a:buFont typeface="+mj-lt"/>
+              <a:buAutoNum type="arabicPeriod"/>
+            </a:pPr>
+            <a:r>
+              <a:rPr lang="en-US" dirty="0" smtClean="0"/>
+              <a:t>Multiple inheritance</a:t>
+            </a:r>
+          </a:p>
+          <a:p>
+            <a:pPr marL="514350" indent="-514350">
+              <a:buFont typeface="+mj-lt"/>
+              <a:buAutoNum type="arabicPeriod"/>
+            </a:pPr>
+            <a:r>
+              <a:rPr lang="en-US" dirty="0" smtClean="0"/>
+              <a:t>Hybrid inheritance</a:t>
+            </a:r>
+            <a:endParaRPr lang="en-IN" dirty="0"/>
+          </a:p>
+        </p:txBody>
+      </p:sp>
+    </p:spTree>
+    <p:extLst>
+      <p:ext uri="{BB962C8B-B14F-4D97-AF65-F5344CB8AC3E}">
+        <p14:creationId xmlns:p14="http://schemas.microsoft.com/office/powerpoint/2010/main" val="300187984"/>
+      </p:ext>
+    </p:extLst>
+  </p:cSld>
+  <p:clrMapOvr>
+    <a:masterClrMapping/>
+  </p:clrMapOvr>
+</p:sld>
+</file>
+
+<file path=ppt/slides/slide53.xml><?xml version="1.0" encoding="utf-8"?>
+<p:sld xmlns:a="http://schemas.openxmlformats.org/drawingml/2006/main" xmlns:r="http://schemas.openxmlformats.org/officeDocument/2006/relationships" xmlns:p="http://schemas.openxmlformats.org/presentationml/2006/main">
+  <p:cSld>
+    <p:spTree>
+      <p:nvGrpSpPr>
+        <p:cNvPr id="1" name=""/>
+        <p:cNvGrpSpPr/>
+        <p:nvPr/>
+      </p:nvGrpSpPr>
+      <p:grpSpPr>
+        <a:xfrm>
+          <a:off x="0" y="0"/>
+          <a:ext cx="0" cy="0"/>
+          <a:chOff x="0" y="0"/>
+          <a:chExt cx="0" cy="0"/>
+        </a:xfrm>
+      </p:grpSpPr>
+      <p:sp>
+        <p:nvSpPr>
+          <p:cNvPr id="2" name="Title 1"/>
+          <p:cNvSpPr>
+            <a:spLocks noGrp="1"/>
+          </p:cNvSpPr>
+          <p:nvPr>
+            <p:ph type="title"/>
+          </p:nvPr>
+        </p:nvSpPr>
+        <p:spPr/>
+        <p:txBody>
+          <a:bodyPr/>
+          <a:lstStyle/>
+          <a:p>
+            <a:pPr algn="ctr"/>
+            <a:r>
+              <a:rPr lang="en-IN" dirty="0"/>
+              <a:t>Polymorphism</a:t>
+            </a:r>
+            <a:br>
+              <a:rPr lang="en-IN" dirty="0"/>
+            </a:br>
+            <a:endParaRPr lang="en-IN" dirty="0"/>
+          </a:p>
+        </p:txBody>
+      </p:sp>
+      <p:sp>
+        <p:nvSpPr>
+          <p:cNvPr id="3" name="Content Placeholder 2"/>
+          <p:cNvSpPr>
+            <a:spLocks noGrp="1"/>
+          </p:cNvSpPr>
+          <p:nvPr>
+            <p:ph idx="1"/>
+          </p:nvPr>
+        </p:nvSpPr>
+        <p:spPr/>
+        <p:txBody>
+          <a:bodyPr/>
+          <a:lstStyle/>
+          <a:p>
+            <a:r>
+              <a:rPr lang="en-US" dirty="0"/>
+              <a:t>In c#, </a:t>
+            </a:r>
+            <a:r>
+              <a:rPr lang="en-US" b="1" dirty="0"/>
+              <a:t>Polymorphism</a:t>
+            </a:r>
+            <a:r>
+              <a:rPr lang="en-US" dirty="0"/>
+              <a:t> means providing an ability to take more than one form, and it’s one of the main pillar concepts of object-oriented programming after encapsulation and inheritance.</a:t>
+            </a:r>
+            <a:endParaRPr lang="en-IN" dirty="0"/>
+          </a:p>
+        </p:txBody>
+      </p:sp>
+    </p:spTree>
+    <p:extLst>
+      <p:ext uri="{BB962C8B-B14F-4D97-AF65-F5344CB8AC3E}">
+        <p14:creationId xmlns:p14="http://schemas.microsoft.com/office/powerpoint/2010/main" val="4251311888"/>
+      </p:ext>
+    </p:extLst>
+  </p:cSld>
+  <p:clrMapOvr>
+    <a:masterClrMapping/>
+  </p:clrMapOvr>
+</p:sld>
+</file>
+
+<file path=ppt/slides/slide54.xml><?xml version="1.0" encoding="utf-8"?>
+<p:sld xmlns:a="http://schemas.openxmlformats.org/drawingml/2006/main" xmlns:r="http://schemas.openxmlformats.org/officeDocument/2006/relationships" xmlns:p="http://schemas.openxmlformats.org/presentationml/2006/main">
+  <p:cSld>
+    <p:spTree>
+      <p:nvGrpSpPr>
+        <p:cNvPr id="1" name=""/>
+        <p:cNvGrpSpPr/>
+        <p:nvPr/>
+      </p:nvGrpSpPr>
+      <p:grpSpPr>
+        <a:xfrm>
+          <a:off x="0" y="0"/>
+          <a:ext cx="0" cy="0"/>
+          <a:chOff x="0" y="0"/>
+          <a:chExt cx="0" cy="0"/>
+        </a:xfrm>
+      </p:grpSpPr>
+      <p:sp>
+        <p:nvSpPr>
+          <p:cNvPr id="2" name="Title 1"/>
+          <p:cNvSpPr>
+            <a:spLocks noGrp="1"/>
+          </p:cNvSpPr>
+          <p:nvPr>
+            <p:ph type="title"/>
+          </p:nvPr>
+        </p:nvSpPr>
+        <p:spPr>
+          <a:xfrm>
+            <a:off x="838200" y="365125"/>
+            <a:ext cx="10515600" cy="6285057"/>
+          </a:xfrm>
+        </p:spPr>
+        <p:txBody>
+          <a:bodyPr/>
+          <a:lstStyle/>
+          <a:p>
+            <a:pPr algn="ctr"/>
+            <a:r>
+              <a:rPr lang="en-US" dirty="0" smtClean="0"/>
+              <a:t>Class and objects</a:t>
+            </a:r>
+            <a:endParaRPr lang="en-IN" dirty="0"/>
+          </a:p>
+        </p:txBody>
+      </p:sp>
+    </p:spTree>
+    <p:extLst>
+      <p:ext uri="{BB962C8B-B14F-4D97-AF65-F5344CB8AC3E}">
+        <p14:creationId xmlns:p14="http://schemas.microsoft.com/office/powerpoint/2010/main" val="1074262116"/>
+      </p:ext>
+    </p:extLst>
+  </p:cSld>
+  <p:clrMapOvr>
+    <a:masterClrMapping/>
+  </p:clrMapOvr>
+</p:sld>
+</file>
+
+<file path=ppt/slides/slide55.xml><?xml version="1.0" encoding="utf-8"?>
+<p:sld xmlns:a="http://schemas.openxmlformats.org/drawingml/2006/main" xmlns:r="http://schemas.openxmlformats.org/officeDocument/2006/relationships" xmlns:p="http://schemas.openxmlformats.org/presentationml/2006/main">
+  <p:cSld>
+    <p:spTree>
+      <p:nvGrpSpPr>
+        <p:cNvPr id="1" name=""/>
+        <p:cNvGrpSpPr/>
+        <p:nvPr/>
+      </p:nvGrpSpPr>
+      <p:grpSpPr>
+        <a:xfrm>
+          <a:off x="0" y="0"/>
+          <a:ext cx="0" cy="0"/>
+          <a:chOff x="0" y="0"/>
+          <a:chExt cx="0" cy="0"/>
+        </a:xfrm>
+      </p:grpSpPr>
+      <p:sp>
+        <p:nvSpPr>
+          <p:cNvPr id="2" name="Title 1"/>
+          <p:cNvSpPr>
+            <a:spLocks noGrp="1"/>
+          </p:cNvSpPr>
+          <p:nvPr>
+            <p:ph type="title"/>
+          </p:nvPr>
+        </p:nvSpPr>
+        <p:spPr/>
+        <p:txBody>
+          <a:bodyPr/>
+          <a:lstStyle/>
+          <a:p>
+            <a:pPr algn="ctr"/>
+            <a:r>
+              <a:rPr lang="en-US" dirty="0" smtClean="0"/>
+              <a:t>Class</a:t>
+            </a:r>
+            <a:endParaRPr lang="en-IN" dirty="0"/>
+          </a:p>
+        </p:txBody>
+      </p:sp>
+      <p:sp>
+        <p:nvSpPr>
+          <p:cNvPr id="3" name="Content Placeholder 2"/>
+          <p:cNvSpPr>
+            <a:spLocks noGrp="1"/>
+          </p:cNvSpPr>
+          <p:nvPr>
+            <p:ph idx="1"/>
+          </p:nvPr>
+        </p:nvSpPr>
+        <p:spPr/>
+        <p:txBody>
+          <a:bodyPr/>
+          <a:lstStyle/>
+          <a:p>
+            <a:r>
+              <a:rPr lang="en-US" dirty="0" smtClean="0"/>
+              <a:t>Class is a user defined type</a:t>
+            </a:r>
+          </a:p>
+          <a:p>
+            <a:r>
+              <a:rPr lang="en-US" dirty="0" smtClean="0"/>
+              <a:t>Class is a collection of different data types and methods</a:t>
+            </a:r>
+          </a:p>
+          <a:p>
+            <a:r>
+              <a:rPr lang="en-US" dirty="0" smtClean="0"/>
+              <a:t>Creating a class</a:t>
+            </a:r>
+            <a:endParaRPr lang="en-IN" dirty="0"/>
+          </a:p>
+        </p:txBody>
+      </p:sp>
+      <p:pic>
+        <p:nvPicPr>
+          <p:cNvPr id="4" name="Picture 3"/>
+          <p:cNvPicPr>
+            <a:picLocks noChangeAspect="1"/>
+          </p:cNvPicPr>
+          <p:nvPr/>
+        </p:nvPicPr>
+        <p:blipFill>
+          <a:blip r:embed="rId2"/>
+          <a:stretch>
+            <a:fillRect/>
+          </a:stretch>
+        </p:blipFill>
+        <p:spPr>
+          <a:xfrm>
+            <a:off x="3706091" y="3134158"/>
+            <a:ext cx="5334000" cy="2876550"/>
+          </a:xfrm>
+          <a:prstGeom prst="rect">
+            <a:avLst/>
+          </a:prstGeom>
+        </p:spPr>
+      </p:pic>
+    </p:spTree>
+    <p:extLst>
+      <p:ext uri="{BB962C8B-B14F-4D97-AF65-F5344CB8AC3E}">
+        <p14:creationId xmlns:p14="http://schemas.microsoft.com/office/powerpoint/2010/main" val="133427358"/>
+      </p:ext>
+    </p:extLst>
+  </p:cSld>
+  <p:clrMapOvr>
+    <a:masterClrMapping/>
+  </p:clrMapOvr>
+</p:sld>
+</file>
+
+<file path=ppt/slides/slide56.xml><?xml version="1.0" encoding="utf-8"?>
+<p:sld xmlns:a="http://schemas.openxmlformats.org/drawingml/2006/main" xmlns:r="http://schemas.openxmlformats.org/officeDocument/2006/relationships" xmlns:p="http://schemas.openxmlformats.org/presentationml/2006/main">
+  <p:cSld>
+    <p:spTree>
+      <p:nvGrpSpPr>
+        <p:cNvPr id="1" name=""/>
+        <p:cNvGrpSpPr/>
+        <p:nvPr/>
+      </p:nvGrpSpPr>
+      <p:grpSpPr>
+        <a:xfrm>
+          <a:off x="0" y="0"/>
+          <a:ext cx="0" cy="0"/>
+          <a:chOff x="0" y="0"/>
+          <a:chExt cx="0" cy="0"/>
+        </a:xfrm>
+      </p:grpSpPr>
+      <p:sp>
+        <p:nvSpPr>
+          <p:cNvPr id="3" name="Content Placeholder 2"/>
+          <p:cNvSpPr>
+            <a:spLocks noGrp="1"/>
+          </p:cNvSpPr>
+          <p:nvPr>
+            <p:ph idx="1"/>
+          </p:nvPr>
+        </p:nvSpPr>
+        <p:spPr>
+          <a:xfrm>
+            <a:off x="429491" y="318655"/>
+            <a:ext cx="11360727" cy="6248400"/>
+          </a:xfrm>
+        </p:spPr>
+        <p:txBody>
+          <a:bodyPr/>
+          <a:lstStyle/>
+          <a:p>
+            <a:pPr marL="0" indent="0">
+              <a:buNone/>
+            </a:pPr>
+            <a:r>
+              <a:rPr lang="en-US" dirty="0" smtClean="0"/>
+              <a:t>Creating an object of class A</a:t>
+            </a:r>
+          </a:p>
+          <a:p>
+            <a:pPr marL="0" indent="0">
+              <a:buNone/>
+            </a:pPr>
+            <a:r>
+              <a:rPr lang="en-US" dirty="0" err="1" smtClean="0"/>
+              <a:t>Syn</a:t>
+            </a:r>
+            <a:r>
+              <a:rPr lang="en-US" dirty="0" smtClean="0"/>
+              <a:t> : A </a:t>
+            </a:r>
+            <a:r>
+              <a:rPr lang="en-US" dirty="0" err="1" smtClean="0"/>
+              <a:t>obj</a:t>
+            </a:r>
+            <a:r>
+              <a:rPr lang="en-US" dirty="0" smtClean="0"/>
+              <a:t> = new A();</a:t>
+            </a:r>
+          </a:p>
+          <a:p>
+            <a:pPr marL="0" indent="0">
+              <a:buNone/>
+            </a:pPr>
+            <a:endParaRPr lang="en-US" dirty="0"/>
+          </a:p>
+          <a:p>
+            <a:pPr marL="0" indent="0">
+              <a:buNone/>
+            </a:pPr>
+            <a:r>
+              <a:rPr lang="en-US" dirty="0" smtClean="0"/>
+              <a:t>(or)</a:t>
+            </a:r>
+          </a:p>
+          <a:p>
+            <a:pPr marL="0" indent="0">
+              <a:buNone/>
+            </a:pPr>
+            <a:r>
+              <a:rPr lang="en-US" dirty="0"/>
+              <a:t> </a:t>
+            </a:r>
+            <a:r>
+              <a:rPr lang="en-US" dirty="0" smtClean="0"/>
+              <a:t>if a class contains the method say then we can call it with anonymous object</a:t>
+            </a:r>
+          </a:p>
+          <a:p>
+            <a:pPr marL="0" indent="0">
+              <a:buNone/>
+            </a:pPr>
+            <a:r>
+              <a:rPr lang="en-US" dirty="0" err="1" smtClean="0"/>
+              <a:t>Syn</a:t>
+            </a:r>
+            <a:r>
+              <a:rPr lang="en-US" dirty="0" smtClean="0"/>
+              <a:t> : new A().say();</a:t>
+            </a:r>
+            <a:endParaRPr lang="en-IN" dirty="0"/>
+          </a:p>
+        </p:txBody>
+      </p:sp>
+    </p:spTree>
+    <p:extLst>
+      <p:ext uri="{BB962C8B-B14F-4D97-AF65-F5344CB8AC3E}">
+        <p14:creationId xmlns:p14="http://schemas.microsoft.com/office/powerpoint/2010/main" val="2026546733"/>
+      </p:ext>
+    </p:extLst>
+  </p:cSld>
+  <p:clrMapOvr>
+    <a:masterClrMapping/>
+  </p:clrMapOvr>
+</p:sld>
+</file>
+
+<file path=ppt/slides/slide57.xml><?xml version="1.0" encoding="utf-8"?>
+<p:sld xmlns:a="http://schemas.openxmlformats.org/drawingml/2006/main" xmlns:r="http://schemas.openxmlformats.org/officeDocument/2006/relationships" xmlns:p="http://schemas.openxmlformats.org/presentationml/2006/main">
+  <p:cSld>
+    <p:spTree>
+      <p:nvGrpSpPr>
+        <p:cNvPr id="1" name=""/>
+        <p:cNvGrpSpPr/>
+        <p:nvPr/>
+      </p:nvGrpSpPr>
+      <p:grpSpPr>
+        <a:xfrm>
+          <a:off x="0" y="0"/>
+          <a:ext cx="0" cy="0"/>
+          <a:chOff x="0" y="0"/>
+          <a:chExt cx="0" cy="0"/>
+        </a:xfrm>
+      </p:grpSpPr>
+      <p:sp>
+        <p:nvSpPr>
+          <p:cNvPr id="2" name="Title 1"/>
+          <p:cNvSpPr>
+            <a:spLocks noGrp="1"/>
+          </p:cNvSpPr>
+          <p:nvPr>
+            <p:ph type="title"/>
+          </p:nvPr>
+        </p:nvSpPr>
+        <p:spPr/>
+        <p:txBody>
+          <a:bodyPr/>
+          <a:lstStyle/>
+          <a:p>
+            <a:pPr algn="ctr"/>
+            <a:r>
+              <a:rPr lang="en-US" dirty="0" smtClean="0"/>
+              <a:t>Constructor</a:t>
+            </a:r>
+            <a:endParaRPr lang="en-IN" dirty="0"/>
+          </a:p>
+        </p:txBody>
+      </p:sp>
+      <p:sp>
+        <p:nvSpPr>
+          <p:cNvPr id="3" name="Content Placeholder 2"/>
+          <p:cNvSpPr>
+            <a:spLocks noGrp="1"/>
+          </p:cNvSpPr>
+          <p:nvPr>
+            <p:ph idx="1"/>
+          </p:nvPr>
+        </p:nvSpPr>
+        <p:spPr/>
+        <p:txBody>
+          <a:bodyPr>
+            <a:normAutofit lnSpcReduction="10000"/>
+          </a:bodyPr>
+          <a:lstStyle/>
+          <a:p>
+            <a:r>
+              <a:rPr lang="en-US" dirty="0" smtClean="0"/>
+              <a:t>Constructor is special member function in a class</a:t>
+            </a:r>
+          </a:p>
+          <a:p>
+            <a:r>
+              <a:rPr lang="en-US" dirty="0" smtClean="0"/>
+              <a:t>It will automatically invoked when we create the instance of the class</a:t>
+            </a:r>
+          </a:p>
+          <a:p>
+            <a:r>
+              <a:rPr lang="en-US" dirty="0" smtClean="0"/>
+              <a:t>The main aim of constructor is to assign the class members to its default values</a:t>
+            </a:r>
+          </a:p>
+          <a:p>
+            <a:r>
+              <a:rPr lang="en-US" dirty="0" smtClean="0"/>
+              <a:t>Constructor doesn’t return anything</a:t>
+            </a:r>
+          </a:p>
+          <a:p>
+            <a:pPr marL="0" indent="0">
+              <a:buNone/>
+            </a:pPr>
+            <a:r>
+              <a:rPr lang="en-US" dirty="0" smtClean="0"/>
+              <a:t>There are Three types of constructors</a:t>
+            </a:r>
+          </a:p>
+          <a:p>
+            <a:pPr marL="514350" indent="-514350">
+              <a:buFont typeface="+mj-lt"/>
+              <a:buAutoNum type="arabicPeriod"/>
+            </a:pPr>
+            <a:r>
+              <a:rPr lang="en-US" dirty="0" smtClean="0"/>
+              <a:t>Default</a:t>
+            </a:r>
+          </a:p>
+          <a:p>
+            <a:pPr marL="514350" indent="-514350">
+              <a:buFont typeface="+mj-lt"/>
+              <a:buAutoNum type="arabicPeriod"/>
+            </a:pPr>
+            <a:r>
+              <a:rPr lang="en-US" dirty="0" smtClean="0"/>
+              <a:t>Copy</a:t>
+            </a:r>
+          </a:p>
+          <a:p>
+            <a:pPr marL="514350" indent="-514350">
+              <a:buFont typeface="+mj-lt"/>
+              <a:buAutoNum type="arabicPeriod"/>
+            </a:pPr>
+            <a:r>
+              <a:rPr lang="en-US" dirty="0" smtClean="0"/>
+              <a:t>Parameter</a:t>
+            </a:r>
+          </a:p>
+          <a:p>
+            <a:pPr marL="0" indent="0">
+              <a:buNone/>
+            </a:pPr>
+            <a:endParaRPr lang="en-IN" dirty="0"/>
+          </a:p>
+        </p:txBody>
+      </p:sp>
+    </p:spTree>
+    <p:extLst>
+      <p:ext uri="{BB962C8B-B14F-4D97-AF65-F5344CB8AC3E}">
+        <p14:creationId xmlns:p14="http://schemas.microsoft.com/office/powerpoint/2010/main" val="2444634946"/>
+      </p:ext>
+    </p:extLst>
+  </p:cSld>
+  <p:clrMapOvr>
+    <a:masterClrMapping/>
+  </p:clrMapOvr>
+</p:sld>
+</file>
+
+<file path=ppt/slides/slide58.xml><?xml version="1.0" encoding="utf-8"?>
+<p:sld xmlns:a="http://schemas.openxmlformats.org/drawingml/2006/main" xmlns:r="http://schemas.openxmlformats.org/officeDocument/2006/relationships" xmlns:p="http://schemas.openxmlformats.org/presentationml/2006/main">
+  <p:cSld>
+    <p:spTree>
+      <p:nvGrpSpPr>
+        <p:cNvPr id="1" name=""/>
+        <p:cNvGrpSpPr/>
+        <p:nvPr/>
+      </p:nvGrpSpPr>
+      <p:grpSpPr>
+        <a:xfrm>
+          <a:off x="0" y="0"/>
+          <a:ext cx="0" cy="0"/>
+          <a:chOff x="0" y="0"/>
+          <a:chExt cx="0" cy="0"/>
+        </a:xfrm>
+      </p:grpSpPr>
+      <p:sp>
+        <p:nvSpPr>
+          <p:cNvPr id="2" name="Title 1"/>
+          <p:cNvSpPr>
+            <a:spLocks noGrp="1"/>
+          </p:cNvSpPr>
+          <p:nvPr>
+            <p:ph type="title"/>
+          </p:nvPr>
+        </p:nvSpPr>
+        <p:spPr/>
+        <p:txBody>
+          <a:bodyPr/>
+          <a:lstStyle/>
+          <a:p>
+            <a:pPr algn="ctr"/>
+            <a:r>
+              <a:rPr lang="en-US" dirty="0" err="1" smtClean="0"/>
+              <a:t>NameSpace</a:t>
+            </a:r>
+            <a:endParaRPr lang="en-IN" dirty="0"/>
+          </a:p>
+        </p:txBody>
+      </p:sp>
+      <p:sp>
+        <p:nvSpPr>
+          <p:cNvPr id="3" name="Content Placeholder 2"/>
+          <p:cNvSpPr>
+            <a:spLocks noGrp="1"/>
+          </p:cNvSpPr>
+          <p:nvPr>
+            <p:ph idx="1"/>
+          </p:nvPr>
+        </p:nvSpPr>
+        <p:spPr/>
+        <p:txBody>
+          <a:bodyPr/>
+          <a:lstStyle/>
+          <a:p>
+            <a:r>
+              <a:rPr lang="en-US" dirty="0" smtClean="0"/>
+              <a:t>Namespace is a container which can consists of set of classes, structures,  interfaces and methods</a:t>
+            </a:r>
+          </a:p>
+          <a:p>
+            <a:r>
+              <a:rPr lang="en-US" dirty="0" smtClean="0"/>
+              <a:t>We can use the namespace within the other project by using the keyword “using”</a:t>
+            </a:r>
+          </a:p>
+          <a:p>
+            <a:endParaRPr lang="en-IN" dirty="0"/>
+          </a:p>
+        </p:txBody>
+      </p:sp>
+    </p:spTree>
+    <p:extLst>
+      <p:ext uri="{BB962C8B-B14F-4D97-AF65-F5344CB8AC3E}">
+        <p14:creationId xmlns:p14="http://schemas.microsoft.com/office/powerpoint/2010/main" val="4209366619"/>
+      </p:ext>
+    </p:extLst>
+  </p:cSld>
+  <p:clrMapOvr>
+    <a:masterClrMapping/>
+  </p:clrMapOvr>
+</p:sld>
+</file>
+
+<file path=ppt/slides/slide59.xml><?xml version="1.0" encoding="utf-8"?>
+<p:sld xmlns:a="http://schemas.openxmlformats.org/drawingml/2006/main" xmlns:r="http://schemas.openxmlformats.org/officeDocument/2006/relationships" xmlns:p="http://schemas.openxmlformats.org/presentationml/2006/main">
+  <p:cSld>
+    <p:spTree>
+      <p:nvGrpSpPr>
+        <p:cNvPr id="1" name=""/>
+        <p:cNvGrpSpPr/>
+        <p:nvPr/>
+      </p:nvGrpSpPr>
+      <p:grpSpPr>
+        <a:xfrm>
+          <a:off x="0" y="0"/>
+          <a:ext cx="0" cy="0"/>
+          <a:chOff x="0" y="0"/>
+          <a:chExt cx="0" cy="0"/>
+        </a:xfrm>
+      </p:grpSpPr>
+      <p:sp>
+        <p:nvSpPr>
+          <p:cNvPr id="2" name="Title 1"/>
+          <p:cNvSpPr>
+            <a:spLocks noGrp="1"/>
+          </p:cNvSpPr>
+          <p:nvPr>
+            <p:ph type="title"/>
+          </p:nvPr>
+        </p:nvSpPr>
+        <p:spPr/>
+        <p:txBody>
+          <a:bodyPr/>
+          <a:lstStyle/>
+          <a:p>
+            <a:pPr algn="ctr"/>
+            <a:r>
+              <a:rPr lang="en-US" dirty="0" smtClean="0"/>
+              <a:t>Interfaces</a:t>
+            </a:r>
+            <a:endParaRPr lang="en-IN" dirty="0"/>
+          </a:p>
+        </p:txBody>
+      </p:sp>
+      <p:sp>
+        <p:nvSpPr>
+          <p:cNvPr id="3" name="Content Placeholder 2"/>
+          <p:cNvSpPr>
+            <a:spLocks noGrp="1"/>
+          </p:cNvSpPr>
+          <p:nvPr>
+            <p:ph idx="1"/>
+          </p:nvPr>
+        </p:nvSpPr>
+        <p:spPr/>
+        <p:txBody>
+          <a:bodyPr/>
+          <a:lstStyle/>
+          <a:p>
+            <a:r>
+              <a:rPr lang="en-US" dirty="0" smtClean="0"/>
+              <a:t>In the interface we need not to define a method</a:t>
+            </a:r>
+          </a:p>
+          <a:p>
+            <a:r>
+              <a:rPr lang="en-US" dirty="0" smtClean="0"/>
+              <a:t>We can only declare the method</a:t>
+            </a:r>
+          </a:p>
+          <a:p>
+            <a:r>
+              <a:rPr lang="en-US" dirty="0" smtClean="0"/>
+              <a:t>By default all the methods are declared in the interface are public abstract</a:t>
+            </a:r>
+          </a:p>
+          <a:p>
+            <a:r>
+              <a:rPr lang="en-US" dirty="0" smtClean="0"/>
+              <a:t>We can not instantiate the interfaces</a:t>
+            </a:r>
+          </a:p>
+          <a:p>
+            <a:r>
+              <a:rPr lang="en-US" dirty="0" smtClean="0"/>
+              <a:t>Interfaces can be implemented by both structures and classes</a:t>
+            </a:r>
+            <a:endParaRPr lang="en-IN" dirty="0"/>
+          </a:p>
+        </p:txBody>
+      </p:sp>
+    </p:spTree>
+    <p:extLst>
+      <p:ext uri="{BB962C8B-B14F-4D97-AF65-F5344CB8AC3E}">
+        <p14:creationId xmlns:p14="http://schemas.microsoft.com/office/powerpoint/2010/main" val="3924477457"/>
       </p:ext>
     </p:extLst>
   </p:cSld>
@@ -30351,6 +32181,1051 @@
 </p:sld>
 </file>
 
+<file path=ppt/slides/slide60.xml><?xml version="1.0" encoding="utf-8"?>
+<p:sld xmlns:a="http://schemas.openxmlformats.org/drawingml/2006/main" xmlns:r="http://schemas.openxmlformats.org/officeDocument/2006/relationships" xmlns:p="http://schemas.openxmlformats.org/presentationml/2006/main">
+  <p:cSld>
+    <p:spTree>
+      <p:nvGrpSpPr>
+        <p:cNvPr id="1" name=""/>
+        <p:cNvGrpSpPr/>
+        <p:nvPr/>
+      </p:nvGrpSpPr>
+      <p:grpSpPr>
+        <a:xfrm>
+          <a:off x="0" y="0"/>
+          <a:ext cx="0" cy="0"/>
+          <a:chOff x="0" y="0"/>
+          <a:chExt cx="0" cy="0"/>
+        </a:xfrm>
+      </p:grpSpPr>
+      <p:sp>
+        <p:nvSpPr>
+          <p:cNvPr id="2" name="Title 1"/>
+          <p:cNvSpPr>
+            <a:spLocks noGrp="1"/>
+          </p:cNvSpPr>
+          <p:nvPr>
+            <p:ph type="title"/>
+          </p:nvPr>
+        </p:nvSpPr>
+        <p:spPr/>
+        <p:txBody>
+          <a:bodyPr/>
+          <a:lstStyle/>
+          <a:p>
+            <a:pPr algn="ctr"/>
+            <a:r>
+              <a:rPr lang="en-US" dirty="0" smtClean="0"/>
+              <a:t>Why interfaces</a:t>
+            </a:r>
+            <a:endParaRPr lang="en-IN" dirty="0"/>
+          </a:p>
+        </p:txBody>
+      </p:sp>
+      <p:sp>
+        <p:nvSpPr>
+          <p:cNvPr id="3" name="Content Placeholder 2"/>
+          <p:cNvSpPr>
+            <a:spLocks noGrp="1"/>
+          </p:cNvSpPr>
+          <p:nvPr>
+            <p:ph idx="1"/>
+          </p:nvPr>
+        </p:nvSpPr>
+        <p:spPr/>
+        <p:txBody>
+          <a:bodyPr/>
+          <a:lstStyle/>
+          <a:p>
+            <a:r>
+              <a:rPr lang="en-US" dirty="0" smtClean="0"/>
+              <a:t>Imagine we have two classes A and B</a:t>
+            </a:r>
+          </a:p>
+          <a:p>
+            <a:r>
+              <a:rPr lang="en-US" dirty="0" smtClean="0"/>
+              <a:t>Class A and Class B have Common variable that is X=20</a:t>
+            </a:r>
+          </a:p>
+          <a:p>
+            <a:r>
+              <a:rPr lang="en-US" dirty="0" smtClean="0"/>
+              <a:t>These two classes are extended by class C</a:t>
+            </a:r>
+          </a:p>
+          <a:p>
+            <a:r>
+              <a:rPr lang="en-US" dirty="0" smtClean="0"/>
+              <a:t>If I want call a variable X from c the Conflict will occur that is Which X variable I call</a:t>
+            </a:r>
+          </a:p>
+          <a:p>
+            <a:r>
+              <a:rPr lang="en-US" dirty="0" smtClean="0"/>
+              <a:t>This is called multiple inheritance</a:t>
+            </a:r>
+          </a:p>
+          <a:p>
+            <a:r>
+              <a:rPr lang="en-US" dirty="0" smtClean="0"/>
+              <a:t>C# does not support the multiple inheritance</a:t>
+            </a:r>
+          </a:p>
+          <a:p>
+            <a:r>
+              <a:rPr lang="en-US" dirty="0" smtClean="0"/>
+              <a:t>To overcome this we use interfaces </a:t>
+            </a:r>
+            <a:endParaRPr lang="en-IN" dirty="0"/>
+          </a:p>
+        </p:txBody>
+      </p:sp>
+    </p:spTree>
+    <p:extLst>
+      <p:ext uri="{BB962C8B-B14F-4D97-AF65-F5344CB8AC3E}">
+        <p14:creationId xmlns:p14="http://schemas.microsoft.com/office/powerpoint/2010/main" val="2926422292"/>
+      </p:ext>
+    </p:extLst>
+  </p:cSld>
+  <p:clrMapOvr>
+    <a:masterClrMapping/>
+  </p:clrMapOvr>
+</p:sld>
+</file>
+
+<file path=ppt/slides/slide61.xml><?xml version="1.0" encoding="utf-8"?>
+<p:sld xmlns:a="http://schemas.openxmlformats.org/drawingml/2006/main" xmlns:r="http://schemas.openxmlformats.org/officeDocument/2006/relationships" xmlns:p="http://schemas.openxmlformats.org/presentationml/2006/main">
+  <p:cSld>
+    <p:spTree>
+      <p:nvGrpSpPr>
+        <p:cNvPr id="1" name=""/>
+        <p:cNvGrpSpPr/>
+        <p:nvPr/>
+      </p:nvGrpSpPr>
+      <p:grpSpPr>
+        <a:xfrm>
+          <a:off x="0" y="0"/>
+          <a:ext cx="0" cy="0"/>
+          <a:chOff x="0" y="0"/>
+          <a:chExt cx="0" cy="0"/>
+        </a:xfrm>
+      </p:grpSpPr>
+      <p:sp>
+        <p:nvSpPr>
+          <p:cNvPr id="2" name="Title 1"/>
+          <p:cNvSpPr>
+            <a:spLocks noGrp="1"/>
+          </p:cNvSpPr>
+          <p:nvPr>
+            <p:ph type="title"/>
+          </p:nvPr>
+        </p:nvSpPr>
+        <p:spPr/>
+        <p:txBody>
+          <a:bodyPr/>
+          <a:lstStyle/>
+          <a:p>
+            <a:pPr algn="ctr"/>
+            <a:r>
+              <a:rPr lang="en-US" dirty="0" smtClean="0"/>
+              <a:t>Inheritance</a:t>
+            </a:r>
+            <a:endParaRPr lang="en-IN" dirty="0"/>
+          </a:p>
+        </p:txBody>
+      </p:sp>
+      <p:sp>
+        <p:nvSpPr>
+          <p:cNvPr id="3" name="Content Placeholder 2"/>
+          <p:cNvSpPr>
+            <a:spLocks noGrp="1"/>
+          </p:cNvSpPr>
+          <p:nvPr>
+            <p:ph idx="1"/>
+          </p:nvPr>
+        </p:nvSpPr>
+        <p:spPr/>
+        <p:txBody>
+          <a:bodyPr/>
+          <a:lstStyle/>
+          <a:p>
+            <a:r>
+              <a:rPr lang="en-US" dirty="0" smtClean="0"/>
+              <a:t>Acquiring the properties of another class by having his </a:t>
+            </a:r>
+            <a:r>
+              <a:rPr lang="en-US" dirty="0" err="1" smtClean="0"/>
+              <a:t>propery</a:t>
+            </a:r>
+            <a:endParaRPr lang="en-US" dirty="0" smtClean="0"/>
+          </a:p>
+          <a:p>
+            <a:pPr marL="0" indent="0">
+              <a:buNone/>
+            </a:pPr>
+            <a:r>
+              <a:rPr lang="en-US" dirty="0" smtClean="0"/>
+              <a:t>Types of inheritance</a:t>
+            </a:r>
+          </a:p>
+          <a:p>
+            <a:pPr marL="514350" indent="-514350">
+              <a:buFont typeface="+mj-lt"/>
+              <a:buAutoNum type="arabicPeriod"/>
+            </a:pPr>
+            <a:r>
+              <a:rPr lang="en-US" dirty="0" smtClean="0"/>
+              <a:t>Single inheritance</a:t>
+            </a:r>
+          </a:p>
+          <a:p>
+            <a:pPr marL="514350" indent="-514350">
+              <a:buFont typeface="+mj-lt"/>
+              <a:buAutoNum type="arabicPeriod"/>
+            </a:pPr>
+            <a:r>
+              <a:rPr lang="en-US" dirty="0" smtClean="0"/>
+              <a:t>Multi level inheritance</a:t>
+            </a:r>
+          </a:p>
+          <a:p>
+            <a:pPr marL="514350" indent="-514350">
+              <a:buFont typeface="+mj-lt"/>
+              <a:buAutoNum type="arabicPeriod"/>
+            </a:pPr>
+            <a:r>
+              <a:rPr lang="en-US" dirty="0" smtClean="0"/>
+              <a:t>Multiple inheritance</a:t>
+            </a:r>
+          </a:p>
+          <a:p>
+            <a:pPr marL="514350" indent="-514350">
+              <a:buFont typeface="+mj-lt"/>
+              <a:buAutoNum type="arabicPeriod"/>
+            </a:pPr>
+            <a:r>
+              <a:rPr lang="en-US" dirty="0" smtClean="0"/>
+              <a:t>Hierarchical inheritance</a:t>
+            </a:r>
+            <a:endParaRPr lang="en-US" dirty="0" smtClean="0"/>
+          </a:p>
+          <a:p>
+            <a:pPr marL="514350" indent="-514350">
+              <a:buFont typeface="+mj-lt"/>
+              <a:buAutoNum type="arabicPeriod"/>
+            </a:pPr>
+            <a:r>
+              <a:rPr lang="en-US" dirty="0" smtClean="0"/>
+              <a:t>Hybrid inheritance</a:t>
+            </a:r>
+            <a:endParaRPr lang="en-IN" dirty="0"/>
+          </a:p>
+        </p:txBody>
+      </p:sp>
+    </p:spTree>
+    <p:extLst>
+      <p:ext uri="{BB962C8B-B14F-4D97-AF65-F5344CB8AC3E}">
+        <p14:creationId xmlns:p14="http://schemas.microsoft.com/office/powerpoint/2010/main" val="3250189211"/>
+      </p:ext>
+    </p:extLst>
+  </p:cSld>
+  <p:clrMapOvr>
+    <a:masterClrMapping/>
+  </p:clrMapOvr>
+</p:sld>
+</file>
+
+<file path=ppt/slides/slide62.xml><?xml version="1.0" encoding="utf-8"?>
+<p:sld xmlns:a="http://schemas.openxmlformats.org/drawingml/2006/main" xmlns:r="http://schemas.openxmlformats.org/officeDocument/2006/relationships" xmlns:p="http://schemas.openxmlformats.org/presentationml/2006/main">
+  <p:cSld>
+    <p:spTree>
+      <p:nvGrpSpPr>
+        <p:cNvPr id="1" name=""/>
+        <p:cNvGrpSpPr/>
+        <p:nvPr/>
+      </p:nvGrpSpPr>
+      <p:grpSpPr>
+        <a:xfrm>
+          <a:off x="0" y="0"/>
+          <a:ext cx="0" cy="0"/>
+          <a:chOff x="0" y="0"/>
+          <a:chExt cx="0" cy="0"/>
+        </a:xfrm>
+      </p:grpSpPr>
+      <p:sp>
+        <p:nvSpPr>
+          <p:cNvPr id="2" name="Title 1"/>
+          <p:cNvSpPr>
+            <a:spLocks noGrp="1"/>
+          </p:cNvSpPr>
+          <p:nvPr>
+            <p:ph type="title"/>
+          </p:nvPr>
+        </p:nvSpPr>
+        <p:spPr/>
+        <p:txBody>
+          <a:bodyPr/>
+          <a:lstStyle/>
+          <a:p>
+            <a:pPr algn="ctr"/>
+            <a:r>
+              <a:rPr lang="en-US" dirty="0" smtClean="0"/>
+              <a:t>Single inheritance</a:t>
+            </a:r>
+            <a:endParaRPr lang="en-IN" dirty="0"/>
+          </a:p>
+        </p:txBody>
+      </p:sp>
+      <p:pic>
+        <p:nvPicPr>
+          <p:cNvPr id="4" name="Content Placeholder 3"/>
+          <p:cNvPicPr>
+            <a:picLocks noGrp="1" noChangeAspect="1"/>
+          </p:cNvPicPr>
+          <p:nvPr>
+            <p:ph idx="1"/>
+          </p:nvPr>
+        </p:nvPicPr>
+        <p:blipFill>
+          <a:blip r:embed="rId2"/>
+          <a:stretch>
+            <a:fillRect/>
+          </a:stretch>
+        </p:blipFill>
+        <p:spPr>
+          <a:xfrm>
+            <a:off x="1952769" y="1825625"/>
+            <a:ext cx="8286461" cy="4351338"/>
+          </a:xfrm>
+          <a:prstGeom prst="rect">
+            <a:avLst/>
+          </a:prstGeom>
+        </p:spPr>
+      </p:pic>
+    </p:spTree>
+    <p:extLst>
+      <p:ext uri="{BB962C8B-B14F-4D97-AF65-F5344CB8AC3E}">
+        <p14:creationId xmlns:p14="http://schemas.microsoft.com/office/powerpoint/2010/main" val="2416007860"/>
+      </p:ext>
+    </p:extLst>
+  </p:cSld>
+  <p:clrMapOvr>
+    <a:masterClrMapping/>
+  </p:clrMapOvr>
+</p:sld>
+</file>
+
+<file path=ppt/slides/slide63.xml><?xml version="1.0" encoding="utf-8"?>
+<p:sld xmlns:a="http://schemas.openxmlformats.org/drawingml/2006/main" xmlns:r="http://schemas.openxmlformats.org/officeDocument/2006/relationships" xmlns:p="http://schemas.openxmlformats.org/presentationml/2006/main">
+  <p:cSld>
+    <p:spTree>
+      <p:nvGrpSpPr>
+        <p:cNvPr id="1" name=""/>
+        <p:cNvGrpSpPr/>
+        <p:nvPr/>
+      </p:nvGrpSpPr>
+      <p:grpSpPr>
+        <a:xfrm>
+          <a:off x="0" y="0"/>
+          <a:ext cx="0" cy="0"/>
+          <a:chOff x="0" y="0"/>
+          <a:chExt cx="0" cy="0"/>
+        </a:xfrm>
+      </p:grpSpPr>
+      <p:sp>
+        <p:nvSpPr>
+          <p:cNvPr id="2" name="Title 1"/>
+          <p:cNvSpPr>
+            <a:spLocks noGrp="1"/>
+          </p:cNvSpPr>
+          <p:nvPr>
+            <p:ph type="title"/>
+          </p:nvPr>
+        </p:nvSpPr>
+        <p:spPr/>
+        <p:txBody>
+          <a:bodyPr/>
+          <a:lstStyle/>
+          <a:p>
+            <a:pPr algn="ctr"/>
+            <a:r>
+              <a:rPr lang="en-US" dirty="0" smtClean="0"/>
+              <a:t>Multi Level inheritance</a:t>
+            </a:r>
+            <a:endParaRPr lang="en-IN" dirty="0"/>
+          </a:p>
+        </p:txBody>
+      </p:sp>
+      <p:pic>
+        <p:nvPicPr>
+          <p:cNvPr id="4" name="Content Placeholder 3"/>
+          <p:cNvPicPr>
+            <a:picLocks noGrp="1" noChangeAspect="1"/>
+          </p:cNvPicPr>
+          <p:nvPr>
+            <p:ph idx="1"/>
+          </p:nvPr>
+        </p:nvPicPr>
+        <p:blipFill>
+          <a:blip r:embed="rId2"/>
+          <a:stretch>
+            <a:fillRect/>
+          </a:stretch>
+        </p:blipFill>
+        <p:spPr>
+          <a:xfrm>
+            <a:off x="1952769" y="1825625"/>
+            <a:ext cx="8286461" cy="4351338"/>
+          </a:xfrm>
+          <a:prstGeom prst="rect">
+            <a:avLst/>
+          </a:prstGeom>
+        </p:spPr>
+      </p:pic>
+    </p:spTree>
+    <p:extLst>
+      <p:ext uri="{BB962C8B-B14F-4D97-AF65-F5344CB8AC3E}">
+        <p14:creationId xmlns:p14="http://schemas.microsoft.com/office/powerpoint/2010/main" val="3049049339"/>
+      </p:ext>
+    </p:extLst>
+  </p:cSld>
+  <p:clrMapOvr>
+    <a:masterClrMapping/>
+  </p:clrMapOvr>
+</p:sld>
+</file>
+
+<file path=ppt/slides/slide64.xml><?xml version="1.0" encoding="utf-8"?>
+<p:sld xmlns:a="http://schemas.openxmlformats.org/drawingml/2006/main" xmlns:r="http://schemas.openxmlformats.org/officeDocument/2006/relationships" xmlns:p="http://schemas.openxmlformats.org/presentationml/2006/main">
+  <p:cSld>
+    <p:spTree>
+      <p:nvGrpSpPr>
+        <p:cNvPr id="1" name=""/>
+        <p:cNvGrpSpPr/>
+        <p:nvPr/>
+      </p:nvGrpSpPr>
+      <p:grpSpPr>
+        <a:xfrm>
+          <a:off x="0" y="0"/>
+          <a:ext cx="0" cy="0"/>
+          <a:chOff x="0" y="0"/>
+          <a:chExt cx="0" cy="0"/>
+        </a:xfrm>
+      </p:grpSpPr>
+      <p:sp>
+        <p:nvSpPr>
+          <p:cNvPr id="2" name="Title 1"/>
+          <p:cNvSpPr>
+            <a:spLocks noGrp="1"/>
+          </p:cNvSpPr>
+          <p:nvPr>
+            <p:ph type="title"/>
+          </p:nvPr>
+        </p:nvSpPr>
+        <p:spPr/>
+        <p:txBody>
+          <a:bodyPr/>
+          <a:lstStyle/>
+          <a:p>
+            <a:pPr algn="ctr"/>
+            <a:r>
+              <a:rPr lang="en-US" dirty="0" smtClean="0"/>
+              <a:t>Multiple Inheritance</a:t>
+            </a:r>
+            <a:endParaRPr lang="en-IN" dirty="0"/>
+          </a:p>
+        </p:txBody>
+      </p:sp>
+      <p:sp>
+        <p:nvSpPr>
+          <p:cNvPr id="3" name="Content Placeholder 2"/>
+          <p:cNvSpPr>
+            <a:spLocks noGrp="1"/>
+          </p:cNvSpPr>
+          <p:nvPr>
+            <p:ph idx="1"/>
+          </p:nvPr>
+        </p:nvSpPr>
+        <p:spPr/>
+        <p:txBody>
+          <a:bodyPr/>
+          <a:lstStyle/>
+          <a:p>
+            <a:pPr marL="0" indent="0">
+              <a:buNone/>
+            </a:pPr>
+            <a:r>
+              <a:rPr lang="en-US" dirty="0" smtClean="0"/>
+              <a:t>Note: multiple inheritance is not supported in </a:t>
+            </a:r>
+            <a:r>
+              <a:rPr lang="en-US" dirty="0" err="1" smtClean="0"/>
+              <a:t>c#</a:t>
+            </a:r>
+            <a:endParaRPr lang="en-US" dirty="0" smtClean="0"/>
+          </a:p>
+          <a:p>
+            <a:pPr marL="0" indent="0">
+              <a:buNone/>
+            </a:pPr>
+            <a:r>
+              <a:rPr lang="en-US" dirty="0"/>
+              <a:t>	</a:t>
+            </a:r>
+            <a:r>
+              <a:rPr lang="en-US" dirty="0" smtClean="0"/>
+              <a:t>We can achieve it by using interfaces</a:t>
+            </a:r>
+          </a:p>
+          <a:p>
+            <a:pPr marL="0" indent="0">
+              <a:buNone/>
+            </a:pPr>
+            <a:endParaRPr lang="en-IN" dirty="0"/>
+          </a:p>
+        </p:txBody>
+      </p:sp>
+      <p:pic>
+        <p:nvPicPr>
+          <p:cNvPr id="4" name="Picture 3"/>
+          <p:cNvPicPr>
+            <a:picLocks noChangeAspect="1"/>
+          </p:cNvPicPr>
+          <p:nvPr/>
+        </p:nvPicPr>
+        <p:blipFill>
+          <a:blip r:embed="rId2"/>
+          <a:stretch>
+            <a:fillRect/>
+          </a:stretch>
+        </p:blipFill>
+        <p:spPr>
+          <a:xfrm>
+            <a:off x="1397577" y="2845377"/>
+            <a:ext cx="8343900" cy="4381500"/>
+          </a:xfrm>
+          <a:prstGeom prst="rect">
+            <a:avLst/>
+          </a:prstGeom>
+        </p:spPr>
+      </p:pic>
+    </p:spTree>
+    <p:extLst>
+      <p:ext uri="{BB962C8B-B14F-4D97-AF65-F5344CB8AC3E}">
+        <p14:creationId xmlns:p14="http://schemas.microsoft.com/office/powerpoint/2010/main" val="2786379911"/>
+      </p:ext>
+    </p:extLst>
+  </p:cSld>
+  <p:clrMapOvr>
+    <a:masterClrMapping/>
+  </p:clrMapOvr>
+</p:sld>
+</file>
+
+<file path=ppt/slides/slide65.xml><?xml version="1.0" encoding="utf-8"?>
+<p:sld xmlns:a="http://schemas.openxmlformats.org/drawingml/2006/main" xmlns:r="http://schemas.openxmlformats.org/officeDocument/2006/relationships" xmlns:p="http://schemas.openxmlformats.org/presentationml/2006/main">
+  <p:cSld>
+    <p:spTree>
+      <p:nvGrpSpPr>
+        <p:cNvPr id="1" name=""/>
+        <p:cNvGrpSpPr/>
+        <p:nvPr/>
+      </p:nvGrpSpPr>
+      <p:grpSpPr>
+        <a:xfrm>
+          <a:off x="0" y="0"/>
+          <a:ext cx="0" cy="0"/>
+          <a:chOff x="0" y="0"/>
+          <a:chExt cx="0" cy="0"/>
+        </a:xfrm>
+      </p:grpSpPr>
+      <p:sp>
+        <p:nvSpPr>
+          <p:cNvPr id="2" name="Title 1"/>
+          <p:cNvSpPr>
+            <a:spLocks noGrp="1"/>
+          </p:cNvSpPr>
+          <p:nvPr>
+            <p:ph type="title"/>
+          </p:nvPr>
+        </p:nvSpPr>
+        <p:spPr/>
+        <p:txBody>
+          <a:bodyPr/>
+          <a:lstStyle/>
+          <a:p>
+            <a:pPr algn="ctr"/>
+            <a:r>
+              <a:rPr lang="en-US" dirty="0" smtClean="0"/>
+              <a:t>Hierarchical inheritance</a:t>
+            </a:r>
+            <a:endParaRPr lang="en-IN" dirty="0"/>
+          </a:p>
+        </p:txBody>
+      </p:sp>
+      <p:pic>
+        <p:nvPicPr>
+          <p:cNvPr id="1026" name="Picture 2" descr="https://beginnersbook.com/wp-content/uploads/2013/05/Hierarchical-Inheritance.png"/>
+          <p:cNvPicPr>
+            <a:picLocks noGrp="1" noChangeAspect="1" noChangeArrowheads="1"/>
+          </p:cNvPicPr>
+          <p:nvPr>
+            <p:ph idx="1"/>
+          </p:nvPr>
+        </p:nvPicPr>
+        <p:blipFill>
+          <a:blip r:embed="rId2">
+            <a:extLst>
+              <a:ext uri="{28A0092B-C50C-407E-A947-70E740481C1C}">
+                <a14:useLocalDpi xmlns:a14="http://schemas.microsoft.com/office/drawing/2010/main" val="0"/>
+              </a:ext>
+            </a:extLst>
+          </a:blip>
+          <a:srcRect/>
+          <a:stretch>
+            <a:fillRect/>
+          </a:stretch>
+        </p:blipFill>
+        <p:spPr bwMode="auto">
+          <a:xfrm>
+            <a:off x="4045529" y="2679310"/>
+            <a:ext cx="4425816" cy="3026200"/>
+          </a:xfrm>
+          <a:prstGeom prst="rect">
+            <a:avLst/>
+          </a:prstGeom>
+          <a:noFill/>
+          <a:extLst>
+            <a:ext uri="{909E8E84-426E-40DD-AFC4-6F175D3DCCD1}">
+              <a14:hiddenFill xmlns:a14="http://schemas.microsoft.com/office/drawing/2010/main">
+                <a:solidFill>
+                  <a:srgbClr val="FFFFFF"/>
+                </a:solidFill>
+              </a14:hiddenFill>
+            </a:ext>
+          </a:extLst>
+        </p:spPr>
+      </p:pic>
+    </p:spTree>
+    <p:extLst>
+      <p:ext uri="{BB962C8B-B14F-4D97-AF65-F5344CB8AC3E}">
+        <p14:creationId xmlns:p14="http://schemas.microsoft.com/office/powerpoint/2010/main" val="3993886308"/>
+      </p:ext>
+    </p:extLst>
+  </p:cSld>
+  <p:clrMapOvr>
+    <a:masterClrMapping/>
+  </p:clrMapOvr>
+</p:sld>
+</file>
+
+<file path=ppt/slides/slide66.xml><?xml version="1.0" encoding="utf-8"?>
+<p:sld xmlns:a="http://schemas.openxmlformats.org/drawingml/2006/main" xmlns:r="http://schemas.openxmlformats.org/officeDocument/2006/relationships" xmlns:p="http://schemas.openxmlformats.org/presentationml/2006/main">
+  <p:cSld>
+    <p:spTree>
+      <p:nvGrpSpPr>
+        <p:cNvPr id="1" name=""/>
+        <p:cNvGrpSpPr/>
+        <p:nvPr/>
+      </p:nvGrpSpPr>
+      <p:grpSpPr>
+        <a:xfrm>
+          <a:off x="0" y="0"/>
+          <a:ext cx="0" cy="0"/>
+          <a:chOff x="0" y="0"/>
+          <a:chExt cx="0" cy="0"/>
+        </a:xfrm>
+      </p:grpSpPr>
+      <p:sp>
+        <p:nvSpPr>
+          <p:cNvPr id="2" name="Title 1"/>
+          <p:cNvSpPr>
+            <a:spLocks noGrp="1"/>
+          </p:cNvSpPr>
+          <p:nvPr>
+            <p:ph type="title"/>
+          </p:nvPr>
+        </p:nvSpPr>
+        <p:spPr>
+          <a:xfrm>
+            <a:off x="838200" y="309707"/>
+            <a:ext cx="10515600" cy="1325563"/>
+          </a:xfrm>
+        </p:spPr>
+        <p:txBody>
+          <a:bodyPr/>
+          <a:lstStyle/>
+          <a:p>
+            <a:pPr algn="ctr"/>
+            <a:r>
+              <a:rPr lang="en-US" dirty="0" smtClean="0"/>
+              <a:t>Hybrid inheritance</a:t>
+            </a:r>
+            <a:endParaRPr lang="en-IN" dirty="0"/>
+          </a:p>
+        </p:txBody>
+      </p:sp>
+      <p:sp>
+        <p:nvSpPr>
+          <p:cNvPr id="3" name="Content Placeholder 2"/>
+          <p:cNvSpPr>
+            <a:spLocks noGrp="1"/>
+          </p:cNvSpPr>
+          <p:nvPr>
+            <p:ph idx="1"/>
+          </p:nvPr>
+        </p:nvSpPr>
+        <p:spPr>
+          <a:xfrm>
+            <a:off x="682625" y="1593273"/>
+            <a:ext cx="10515600" cy="5150428"/>
+          </a:xfrm>
+        </p:spPr>
+        <p:txBody>
+          <a:bodyPr/>
+          <a:lstStyle/>
+          <a:p>
+            <a:r>
+              <a:rPr lang="en-US" dirty="0" smtClean="0"/>
+              <a:t>It is combination of both single and multiple inheritance</a:t>
+            </a:r>
+          </a:p>
+          <a:p>
+            <a:endParaRPr lang="en-IN" dirty="0"/>
+          </a:p>
+        </p:txBody>
+      </p:sp>
+      <p:pic>
+        <p:nvPicPr>
+          <p:cNvPr id="6" name="Picture 2" descr="https://beginnersbook.com/wp-content/uploads/2013/05/Hybrid-inheritance.png"/>
+          <p:cNvPicPr>
+            <a:picLocks noChangeAspect="1" noChangeArrowheads="1"/>
+          </p:cNvPicPr>
+          <p:nvPr/>
+        </p:nvPicPr>
+        <p:blipFill>
+          <a:blip r:embed="rId2">
+            <a:extLst>
+              <a:ext uri="{28A0092B-C50C-407E-A947-70E740481C1C}">
+                <a14:useLocalDpi xmlns:a14="http://schemas.microsoft.com/office/drawing/2010/main" val="0"/>
+              </a:ext>
+            </a:extLst>
+          </a:blip>
+          <a:srcRect/>
+          <a:stretch>
+            <a:fillRect/>
+          </a:stretch>
+        </p:blipFill>
+        <p:spPr bwMode="auto">
+          <a:xfrm>
+            <a:off x="3910966" y="2669165"/>
+            <a:ext cx="4281400" cy="3371416"/>
+          </a:xfrm>
+          <a:prstGeom prst="rect">
+            <a:avLst/>
+          </a:prstGeom>
+          <a:noFill/>
+          <a:extLst>
+            <a:ext uri="{909E8E84-426E-40DD-AFC4-6F175D3DCCD1}">
+              <a14:hiddenFill xmlns:a14="http://schemas.microsoft.com/office/drawing/2010/main">
+                <a:solidFill>
+                  <a:srgbClr val="FFFFFF"/>
+                </a:solidFill>
+              </a14:hiddenFill>
+            </a:ext>
+          </a:extLst>
+        </p:spPr>
+      </p:pic>
+    </p:spTree>
+    <p:extLst>
+      <p:ext uri="{BB962C8B-B14F-4D97-AF65-F5344CB8AC3E}">
+        <p14:creationId xmlns:p14="http://schemas.microsoft.com/office/powerpoint/2010/main" val="3128829765"/>
+      </p:ext>
+    </p:extLst>
+  </p:cSld>
+  <p:clrMapOvr>
+    <a:masterClrMapping/>
+  </p:clrMapOvr>
+</p:sld>
+</file>
+
+<file path=ppt/slides/slide67.xml><?xml version="1.0" encoding="utf-8"?>
+<p:sld xmlns:a="http://schemas.openxmlformats.org/drawingml/2006/main" xmlns:r="http://schemas.openxmlformats.org/officeDocument/2006/relationships" xmlns:p="http://schemas.openxmlformats.org/presentationml/2006/main">
+  <p:cSld>
+    <p:spTree>
+      <p:nvGrpSpPr>
+        <p:cNvPr id="1" name=""/>
+        <p:cNvGrpSpPr/>
+        <p:nvPr/>
+      </p:nvGrpSpPr>
+      <p:grpSpPr>
+        <a:xfrm>
+          <a:off x="0" y="0"/>
+          <a:ext cx="0" cy="0"/>
+          <a:chOff x="0" y="0"/>
+          <a:chExt cx="0" cy="0"/>
+        </a:xfrm>
+      </p:grpSpPr>
+      <p:sp>
+        <p:nvSpPr>
+          <p:cNvPr id="2" name="Title 1"/>
+          <p:cNvSpPr>
+            <a:spLocks noGrp="1"/>
+          </p:cNvSpPr>
+          <p:nvPr>
+            <p:ph type="title"/>
+          </p:nvPr>
+        </p:nvSpPr>
+        <p:spPr/>
+        <p:txBody>
+          <a:bodyPr/>
+          <a:lstStyle/>
+          <a:p>
+            <a:pPr algn="ctr"/>
+            <a:r>
+              <a:rPr lang="en-US" dirty="0" smtClean="0"/>
+              <a:t>Method overloading</a:t>
+            </a:r>
+            <a:endParaRPr lang="en-IN" dirty="0"/>
+          </a:p>
+        </p:txBody>
+      </p:sp>
+      <p:sp>
+        <p:nvSpPr>
+          <p:cNvPr id="3" name="Content Placeholder 2"/>
+          <p:cNvSpPr>
+            <a:spLocks noGrp="1"/>
+          </p:cNvSpPr>
+          <p:nvPr>
+            <p:ph idx="1"/>
+          </p:nvPr>
+        </p:nvSpPr>
+        <p:spPr/>
+        <p:txBody>
+          <a:bodyPr/>
+          <a:lstStyle/>
+          <a:p>
+            <a:r>
+              <a:rPr lang="en-US" dirty="0" smtClean="0"/>
+              <a:t>Same method name with the different parameters</a:t>
+            </a:r>
+          </a:p>
+          <a:p>
+            <a:r>
+              <a:rPr lang="en-US" dirty="0" smtClean="0"/>
+              <a:t>It is comes under the early binding or static binding</a:t>
+            </a:r>
+            <a:endParaRPr lang="en-IN" dirty="0"/>
+          </a:p>
+        </p:txBody>
+      </p:sp>
+    </p:spTree>
+    <p:extLst>
+      <p:ext uri="{BB962C8B-B14F-4D97-AF65-F5344CB8AC3E}">
+        <p14:creationId xmlns:p14="http://schemas.microsoft.com/office/powerpoint/2010/main" val="2683393355"/>
+      </p:ext>
+    </p:extLst>
+  </p:cSld>
+  <p:clrMapOvr>
+    <a:masterClrMapping/>
+  </p:clrMapOvr>
+</p:sld>
+</file>
+
+<file path=ppt/slides/slide68.xml><?xml version="1.0" encoding="utf-8"?>
+<p:sld xmlns:a="http://schemas.openxmlformats.org/drawingml/2006/main" xmlns:r="http://schemas.openxmlformats.org/officeDocument/2006/relationships" xmlns:p="http://schemas.openxmlformats.org/presentationml/2006/main">
+  <p:cSld>
+    <p:spTree>
+      <p:nvGrpSpPr>
+        <p:cNvPr id="1" name=""/>
+        <p:cNvGrpSpPr/>
+        <p:nvPr/>
+      </p:nvGrpSpPr>
+      <p:grpSpPr>
+        <a:xfrm>
+          <a:off x="0" y="0"/>
+          <a:ext cx="0" cy="0"/>
+          <a:chOff x="0" y="0"/>
+          <a:chExt cx="0" cy="0"/>
+        </a:xfrm>
+      </p:grpSpPr>
+      <p:sp>
+        <p:nvSpPr>
+          <p:cNvPr id="2" name="Title 1"/>
+          <p:cNvSpPr>
+            <a:spLocks noGrp="1"/>
+          </p:cNvSpPr>
+          <p:nvPr>
+            <p:ph type="title"/>
+          </p:nvPr>
+        </p:nvSpPr>
+        <p:spPr/>
+        <p:txBody>
+          <a:bodyPr/>
+          <a:lstStyle/>
+          <a:p>
+            <a:pPr algn="ctr"/>
+            <a:r>
+              <a:rPr lang="en-US" dirty="0" smtClean="0"/>
+              <a:t>Method Overriding</a:t>
+            </a:r>
+            <a:endParaRPr lang="en-IN" dirty="0"/>
+          </a:p>
+        </p:txBody>
+      </p:sp>
+      <p:sp>
+        <p:nvSpPr>
+          <p:cNvPr id="3" name="Content Placeholder 2"/>
+          <p:cNvSpPr>
+            <a:spLocks noGrp="1"/>
+          </p:cNvSpPr>
+          <p:nvPr>
+            <p:ph idx="1"/>
+          </p:nvPr>
+        </p:nvSpPr>
+        <p:spPr/>
+        <p:txBody>
+          <a:bodyPr/>
+          <a:lstStyle/>
+          <a:p>
+            <a:r>
+              <a:rPr lang="en-US" dirty="0" smtClean="0"/>
+              <a:t>We can use the same method name with same parameters can be used </a:t>
+            </a:r>
+          </a:p>
+          <a:p>
+            <a:r>
+              <a:rPr lang="en-US" dirty="0" smtClean="0"/>
+              <a:t>To achieve overriding concept we need to use virtual and override</a:t>
+            </a:r>
+          </a:p>
+          <a:p>
+            <a:r>
+              <a:rPr lang="en-US" dirty="0" err="1" smtClean="0"/>
+              <a:t>Virual</a:t>
+            </a:r>
+            <a:r>
+              <a:rPr lang="en-US" dirty="0" smtClean="0"/>
+              <a:t> keyword is used to give the permission to the child class to over ride it</a:t>
+            </a:r>
+          </a:p>
+          <a:p>
+            <a:r>
+              <a:rPr lang="en-US" dirty="0" smtClean="0"/>
+              <a:t>We can override the parent class method with the override keyword</a:t>
+            </a:r>
+            <a:endParaRPr lang="en-IN" dirty="0"/>
+          </a:p>
+        </p:txBody>
+      </p:sp>
+    </p:spTree>
+    <p:extLst>
+      <p:ext uri="{BB962C8B-B14F-4D97-AF65-F5344CB8AC3E}">
+        <p14:creationId xmlns:p14="http://schemas.microsoft.com/office/powerpoint/2010/main" val="3258463434"/>
+      </p:ext>
+    </p:extLst>
+  </p:cSld>
+  <p:clrMapOvr>
+    <a:masterClrMapping/>
+  </p:clrMapOvr>
+  <p:timing>
+    <p:tnLst>
+      <p:par>
+        <p:cTn id="1" dur="indefinite" restart="never" nodeType="tmRoot"/>
+      </p:par>
+    </p:tnLst>
+  </p:timing>
+</p:sld>
+</file>
+
+<file path=ppt/slides/slide69.xml><?xml version="1.0" encoding="utf-8"?>
+<p:sld xmlns:a="http://schemas.openxmlformats.org/drawingml/2006/main" xmlns:r="http://schemas.openxmlformats.org/officeDocument/2006/relationships" xmlns:p="http://schemas.openxmlformats.org/presentationml/2006/main">
+  <p:cSld>
+    <p:spTree>
+      <p:nvGrpSpPr>
+        <p:cNvPr id="1" name=""/>
+        <p:cNvGrpSpPr/>
+        <p:nvPr/>
+      </p:nvGrpSpPr>
+      <p:grpSpPr>
+        <a:xfrm>
+          <a:off x="0" y="0"/>
+          <a:ext cx="0" cy="0"/>
+          <a:chOff x="0" y="0"/>
+          <a:chExt cx="0" cy="0"/>
+        </a:xfrm>
+      </p:grpSpPr>
+      <p:pic>
+        <p:nvPicPr>
+          <p:cNvPr id="4" name="Content Placeholder 3"/>
+          <p:cNvPicPr>
+            <a:picLocks noGrp="1" noChangeAspect="1"/>
+          </p:cNvPicPr>
+          <p:nvPr>
+            <p:ph idx="1"/>
+          </p:nvPr>
+        </p:nvPicPr>
+        <p:blipFill>
+          <a:blip r:embed="rId2"/>
+          <a:stretch>
+            <a:fillRect/>
+          </a:stretch>
+        </p:blipFill>
+        <p:spPr>
+          <a:xfrm>
+            <a:off x="250968" y="61262"/>
+            <a:ext cx="6108268" cy="6416131"/>
+          </a:xfrm>
+          <a:prstGeom prst="rect">
+            <a:avLst/>
+          </a:prstGeom>
+        </p:spPr>
+      </p:pic>
+      <p:pic>
+        <p:nvPicPr>
+          <p:cNvPr id="5" name="Picture 4"/>
+          <p:cNvPicPr>
+            <a:picLocks noChangeAspect="1"/>
+          </p:cNvPicPr>
+          <p:nvPr/>
+        </p:nvPicPr>
+        <p:blipFill>
+          <a:blip r:embed="rId3"/>
+          <a:stretch>
+            <a:fillRect/>
+          </a:stretch>
+        </p:blipFill>
+        <p:spPr>
+          <a:xfrm>
+            <a:off x="7290953" y="853787"/>
+            <a:ext cx="3861955" cy="1244408"/>
+          </a:xfrm>
+          <a:prstGeom prst="rect">
+            <a:avLst/>
+          </a:prstGeom>
+        </p:spPr>
+      </p:pic>
+    </p:spTree>
+    <p:extLst>
+      <p:ext uri="{BB962C8B-B14F-4D97-AF65-F5344CB8AC3E}">
+        <p14:creationId xmlns:p14="http://schemas.microsoft.com/office/powerpoint/2010/main" val="3179829797"/>
+      </p:ext>
+    </p:extLst>
+  </p:cSld>
+  <p:clrMapOvr>
+    <a:masterClrMapping/>
+  </p:clrMapOvr>
+  <p:timing>
+    <p:tnLst>
+      <p:par>
+        <p:cTn id="1" dur="indefinite" restart="never" nodeType="tmRoot"/>
+      </p:par>
+    </p:tnLst>
+  </p:timing>
+</p:sld>
+</file>
+
 <file path=ppt/slides/slide7.xml><?xml version="1.0" encoding="utf-8"?>
 <p:sld xmlns:a="http://schemas.openxmlformats.org/drawingml/2006/main" xmlns:r="http://schemas.openxmlformats.org/officeDocument/2006/relationships" xmlns:p="http://schemas.openxmlformats.org/presentationml/2006/main">
   <p:cSld>
@@ -30462,6 +33337,105 @@
     <p:extLst>
       <p:ext uri="{BB962C8B-B14F-4D97-AF65-F5344CB8AC3E}">
         <p14:creationId xmlns:p14="http://schemas.microsoft.com/office/powerpoint/2010/main" val="3891033238"/>
+      </p:ext>
+    </p:extLst>
+  </p:cSld>
+  <p:clrMapOvr>
+    <a:masterClrMapping/>
+  </p:clrMapOvr>
+</p:sld>
+</file>
+
+<file path=ppt/slides/slide70.xml><?xml version="1.0" encoding="utf-8"?>
+<p:sld xmlns:a="http://schemas.openxmlformats.org/drawingml/2006/main" xmlns:r="http://schemas.openxmlformats.org/officeDocument/2006/relationships" xmlns:p="http://schemas.openxmlformats.org/presentationml/2006/main">
+  <p:cSld>
+    <p:spTree>
+      <p:nvGrpSpPr>
+        <p:cNvPr id="1" name=""/>
+        <p:cNvGrpSpPr/>
+        <p:nvPr/>
+      </p:nvGrpSpPr>
+      <p:grpSpPr>
+        <a:xfrm>
+          <a:off x="0" y="0"/>
+          <a:ext cx="0" cy="0"/>
+          <a:chOff x="0" y="0"/>
+          <a:chExt cx="0" cy="0"/>
+        </a:xfrm>
+      </p:grpSpPr>
+      <p:sp>
+        <p:nvSpPr>
+          <p:cNvPr id="3" name="Content Placeholder 2"/>
+          <p:cNvSpPr>
+            <a:spLocks noGrp="1"/>
+          </p:cNvSpPr>
+          <p:nvPr>
+            <p:ph idx="1"/>
+          </p:nvPr>
+        </p:nvSpPr>
+        <p:spPr>
+          <a:xfrm>
+            <a:off x="838200" y="277091"/>
+            <a:ext cx="10515600" cy="5899872"/>
+          </a:xfrm>
+        </p:spPr>
+        <p:txBody>
+          <a:bodyPr/>
+          <a:lstStyle/>
+          <a:p>
+            <a:pPr marL="0" indent="0">
+              <a:buNone/>
+            </a:pPr>
+            <a:r>
+              <a:rPr lang="en-US" dirty="0" smtClean="0"/>
+              <a:t>Rule 1: Class A will not have permission purely defined methods in the child class</a:t>
+            </a:r>
+          </a:p>
+          <a:p>
+            <a:pPr marL="0" indent="0">
+              <a:buNone/>
+            </a:pPr>
+            <a:r>
+              <a:rPr lang="en-US" dirty="0" smtClean="0"/>
+              <a:t>Rule 2: Class A will Know his override method</a:t>
+            </a:r>
+          </a:p>
+          <a:p>
+            <a:pPr marL="0" indent="0">
+              <a:buNone/>
+            </a:pPr>
+            <a:endParaRPr lang="en-IN" dirty="0"/>
+          </a:p>
+        </p:txBody>
+      </p:sp>
+      <p:pic>
+        <p:nvPicPr>
+          <p:cNvPr id="5" name="Picture 4"/>
+          <p:cNvPicPr>
+            <a:picLocks noChangeAspect="1"/>
+          </p:cNvPicPr>
+          <p:nvPr/>
+        </p:nvPicPr>
+        <p:blipFill>
+          <a:blip r:embed="rId2"/>
+          <a:stretch>
+            <a:fillRect/>
+          </a:stretch>
+        </p:blipFill>
+        <p:spPr>
+          <a:xfrm>
+            <a:off x="3560618" y="2341418"/>
+            <a:ext cx="4373707" cy="3172691"/>
+          </a:xfrm>
+          <a:prstGeom prst="rect">
+            <a:avLst/>
+          </a:prstGeom>
+        </p:spPr>
+      </p:pic>
+    </p:spTree>
+    <p:extLst>
+      <p:ext uri="{BB962C8B-B14F-4D97-AF65-F5344CB8AC3E}">
+        <p14:creationId xmlns:p14="http://schemas.microsoft.com/office/powerpoint/2010/main" val="3161401308"/>
       </p:ext>
     </p:extLst>
   </p:cSld>
